--- a/wip/decouplage/illus.pptx
+++ b/wip/decouplage/illus.pptx
@@ -5,10 +5,11 @@
     <p:sldMasterId id="2147483660" r:id="rId1"/>
   </p:sldMasterIdLst>
   <p:notesMasterIdLst>
-    <p:notesMasterId r:id="rId3"/>
+    <p:notesMasterId r:id="rId4"/>
   </p:notesMasterIdLst>
   <p:sldIdLst>
     <p:sldId id="273" r:id="rId2"/>
+    <p:sldId id="274" r:id="rId3"/>
   </p:sldIdLst>
   <p:sldSz cx="9144000" cy="6858000" type="screen4x3"/>
   <p:notesSz cx="6858000" cy="9144000"/>
@@ -908,6 +909,788 @@
 </dgm:colorsDef>
 </file>
 
+<file path=ppt/diagrams/colors2.xml><?xml version="1.0" encoding="utf-8"?>
+<dgm:colorsDef xmlns:dgm="http://schemas.openxmlformats.org/drawingml/2006/diagram" xmlns:a="http://schemas.openxmlformats.org/drawingml/2006/main" uniqueId="urn:microsoft.com/office/officeart/2005/8/colors/colorful2">
+  <dgm:title val=""/>
+  <dgm:desc val=""/>
+  <dgm:catLst>
+    <dgm:cat type="colorful" pri="10200"/>
+  </dgm:catLst>
+  <dgm:styleLbl name="node0">
+    <dgm:fillClrLst meth="repeat">
+      <a:schemeClr val="accent1"/>
+    </dgm:fillClrLst>
+    <dgm:linClrLst meth="repeat">
+      <a:schemeClr val="lt1"/>
+    </dgm:linClrLst>
+    <dgm:effectClrLst/>
+    <dgm:txLinClrLst/>
+    <dgm:txFillClrLst/>
+    <dgm:txEffectClrLst/>
+  </dgm:styleLbl>
+  <dgm:styleLbl name="node1">
+    <dgm:fillClrLst>
+      <a:schemeClr val="accent2"/>
+      <a:schemeClr val="accent3"/>
+    </dgm:fillClrLst>
+    <dgm:linClrLst meth="repeat">
+      <a:schemeClr val="lt1"/>
+    </dgm:linClrLst>
+    <dgm:effectClrLst/>
+    <dgm:txLinClrLst/>
+    <dgm:txFillClrLst/>
+    <dgm:txEffectClrLst/>
+  </dgm:styleLbl>
+  <dgm:styleLbl name="alignNode1">
+    <dgm:fillClrLst>
+      <a:schemeClr val="accent2"/>
+      <a:schemeClr val="accent3"/>
+    </dgm:fillClrLst>
+    <dgm:linClrLst>
+      <a:schemeClr val="accent2"/>
+      <a:schemeClr val="accent3"/>
+    </dgm:linClrLst>
+    <dgm:effectClrLst/>
+    <dgm:txLinClrLst/>
+    <dgm:txFillClrLst/>
+    <dgm:txEffectClrLst/>
+  </dgm:styleLbl>
+  <dgm:styleLbl name="lnNode1">
+    <dgm:fillClrLst>
+      <a:schemeClr val="accent2"/>
+      <a:schemeClr val="accent3"/>
+    </dgm:fillClrLst>
+    <dgm:linClrLst meth="repeat">
+      <a:schemeClr val="lt1"/>
+    </dgm:linClrLst>
+    <dgm:effectClrLst/>
+    <dgm:txLinClrLst/>
+    <dgm:txFillClrLst/>
+    <dgm:txEffectClrLst/>
+  </dgm:styleLbl>
+  <dgm:styleLbl name="vennNode1">
+    <dgm:fillClrLst>
+      <a:schemeClr val="accent2">
+        <a:alpha val="50000"/>
+      </a:schemeClr>
+      <a:schemeClr val="accent3">
+        <a:alpha val="50000"/>
+      </a:schemeClr>
+    </dgm:fillClrLst>
+    <dgm:linClrLst meth="repeat">
+      <a:schemeClr val="lt1"/>
+    </dgm:linClrLst>
+    <dgm:effectClrLst/>
+    <dgm:txLinClrLst/>
+    <dgm:txFillClrLst/>
+    <dgm:txEffectClrLst/>
+  </dgm:styleLbl>
+  <dgm:styleLbl name="node2">
+    <dgm:fillClrLst>
+      <a:schemeClr val="accent3"/>
+    </dgm:fillClrLst>
+    <dgm:linClrLst meth="repeat">
+      <a:schemeClr val="lt1"/>
+    </dgm:linClrLst>
+    <dgm:effectClrLst/>
+    <dgm:txLinClrLst/>
+    <dgm:txFillClrLst/>
+    <dgm:txEffectClrLst/>
+  </dgm:styleLbl>
+  <dgm:styleLbl name="node3">
+    <dgm:fillClrLst>
+      <a:schemeClr val="accent4"/>
+    </dgm:fillClrLst>
+    <dgm:linClrLst meth="repeat">
+      <a:schemeClr val="lt1"/>
+    </dgm:linClrLst>
+    <dgm:effectClrLst/>
+    <dgm:txLinClrLst/>
+    <dgm:txFillClrLst/>
+    <dgm:txEffectClrLst/>
+  </dgm:styleLbl>
+  <dgm:styleLbl name="node4">
+    <dgm:fillClrLst>
+      <a:schemeClr val="accent5"/>
+    </dgm:fillClrLst>
+    <dgm:linClrLst meth="repeat">
+      <a:schemeClr val="lt1"/>
+    </dgm:linClrLst>
+    <dgm:effectClrLst/>
+    <dgm:txLinClrLst/>
+    <dgm:txFillClrLst/>
+    <dgm:txEffectClrLst/>
+  </dgm:styleLbl>
+  <dgm:styleLbl name="fgImgPlace1">
+    <dgm:fillClrLst>
+      <a:schemeClr val="accent2">
+        <a:tint val="50000"/>
+      </a:schemeClr>
+      <a:schemeClr val="accent3">
+        <a:tint val="50000"/>
+      </a:schemeClr>
+    </dgm:fillClrLst>
+    <dgm:linClrLst meth="repeat">
+      <a:schemeClr val="lt1"/>
+    </dgm:linClrLst>
+    <dgm:effectClrLst/>
+    <dgm:txLinClrLst/>
+    <dgm:txFillClrLst meth="repeat">
+      <a:schemeClr val="lt1"/>
+    </dgm:txFillClrLst>
+    <dgm:txEffectClrLst/>
+  </dgm:styleLbl>
+  <dgm:styleLbl name="alignImgPlace1">
+    <dgm:fillClrLst>
+      <a:schemeClr val="accent2">
+        <a:tint val="50000"/>
+      </a:schemeClr>
+      <a:schemeClr val="accent3">
+        <a:tint val="20000"/>
+      </a:schemeClr>
+    </dgm:fillClrLst>
+    <dgm:linClrLst meth="repeat">
+      <a:schemeClr val="lt1"/>
+    </dgm:linClrLst>
+    <dgm:effectClrLst/>
+    <dgm:txLinClrLst/>
+    <dgm:txFillClrLst meth="repeat">
+      <a:schemeClr val="lt1"/>
+    </dgm:txFillClrLst>
+    <dgm:txEffectClrLst/>
+  </dgm:styleLbl>
+  <dgm:styleLbl name="bgImgPlace1">
+    <dgm:fillClrLst>
+      <a:schemeClr val="accent2">
+        <a:tint val="50000"/>
+      </a:schemeClr>
+      <a:schemeClr val="accent3">
+        <a:tint val="20000"/>
+      </a:schemeClr>
+    </dgm:fillClrLst>
+    <dgm:linClrLst meth="repeat">
+      <a:schemeClr val="lt1"/>
+    </dgm:linClrLst>
+    <dgm:effectClrLst/>
+    <dgm:txLinClrLst/>
+    <dgm:txFillClrLst meth="repeat">
+      <a:schemeClr val="lt1"/>
+    </dgm:txFillClrLst>
+    <dgm:txEffectClrLst/>
+  </dgm:styleLbl>
+  <dgm:styleLbl name="sibTrans2D1">
+    <dgm:fillClrLst>
+      <a:schemeClr val="accent2"/>
+      <a:schemeClr val="accent3"/>
+    </dgm:fillClrLst>
+    <dgm:linClrLst meth="repeat">
+      <a:schemeClr val="lt1"/>
+    </dgm:linClrLst>
+    <dgm:effectClrLst/>
+    <dgm:txLinClrLst/>
+    <dgm:txFillClrLst/>
+    <dgm:txEffectClrLst/>
+  </dgm:styleLbl>
+  <dgm:styleLbl name="fgSibTrans2D1">
+    <dgm:fillClrLst>
+      <a:schemeClr val="accent2"/>
+      <a:schemeClr val="accent3"/>
+    </dgm:fillClrLst>
+    <dgm:linClrLst meth="repeat">
+      <a:schemeClr val="lt1"/>
+    </dgm:linClrLst>
+    <dgm:effectClrLst/>
+    <dgm:txLinClrLst/>
+    <dgm:txFillClrLst meth="repeat">
+      <a:schemeClr val="lt1"/>
+    </dgm:txFillClrLst>
+    <dgm:txEffectClrLst/>
+  </dgm:styleLbl>
+  <dgm:styleLbl name="bgSibTrans2D1">
+    <dgm:fillClrLst>
+      <a:schemeClr val="accent2"/>
+      <a:schemeClr val="accent3"/>
+    </dgm:fillClrLst>
+    <dgm:linClrLst meth="repeat">
+      <a:schemeClr val="lt1"/>
+    </dgm:linClrLst>
+    <dgm:effectClrLst/>
+    <dgm:txLinClrLst/>
+    <dgm:txFillClrLst meth="repeat">
+      <a:schemeClr val="lt1"/>
+    </dgm:txFillClrLst>
+    <dgm:txEffectClrLst/>
+  </dgm:styleLbl>
+  <dgm:styleLbl name="sibTrans1D1">
+    <dgm:fillClrLst/>
+    <dgm:linClrLst>
+      <a:schemeClr val="accent2"/>
+      <a:schemeClr val="accent3"/>
+    </dgm:linClrLst>
+    <dgm:effectClrLst/>
+    <dgm:txLinClrLst/>
+    <dgm:txFillClrLst meth="repeat">
+      <a:schemeClr val="tx1"/>
+    </dgm:txFillClrLst>
+    <dgm:txEffectClrLst/>
+  </dgm:styleLbl>
+  <dgm:styleLbl name="callout">
+    <dgm:fillClrLst meth="repeat">
+      <a:schemeClr val="accent2"/>
+    </dgm:fillClrLst>
+    <dgm:linClrLst meth="repeat">
+      <a:schemeClr val="accent2">
+        <a:tint val="50000"/>
+      </a:schemeClr>
+    </dgm:linClrLst>
+    <dgm:effectClrLst/>
+    <dgm:txLinClrLst/>
+    <dgm:txFillClrLst meth="repeat">
+      <a:schemeClr val="tx1"/>
+    </dgm:txFillClrLst>
+    <dgm:txEffectClrLst/>
+  </dgm:styleLbl>
+  <dgm:styleLbl name="asst0">
+    <dgm:fillClrLst meth="repeat">
+      <a:schemeClr val="accent2"/>
+    </dgm:fillClrLst>
+    <dgm:linClrLst meth="repeat">
+      <a:schemeClr val="lt1">
+        <a:shade val="80000"/>
+      </a:schemeClr>
+    </dgm:linClrLst>
+    <dgm:effectClrLst/>
+    <dgm:txLinClrLst/>
+    <dgm:txFillClrLst/>
+    <dgm:txEffectClrLst/>
+  </dgm:styleLbl>
+  <dgm:styleLbl name="asst1">
+    <dgm:fillClrLst meth="repeat">
+      <a:schemeClr val="accent3"/>
+    </dgm:fillClrLst>
+    <dgm:linClrLst meth="repeat">
+      <a:schemeClr val="lt1">
+        <a:shade val="80000"/>
+      </a:schemeClr>
+    </dgm:linClrLst>
+    <dgm:effectClrLst/>
+    <dgm:txLinClrLst/>
+    <dgm:txFillClrLst/>
+    <dgm:txEffectClrLst/>
+  </dgm:styleLbl>
+  <dgm:styleLbl name="asst2">
+    <dgm:fillClrLst>
+      <a:schemeClr val="accent4"/>
+    </dgm:fillClrLst>
+    <dgm:linClrLst meth="repeat">
+      <a:schemeClr val="lt1"/>
+    </dgm:linClrLst>
+    <dgm:effectClrLst/>
+    <dgm:txLinClrLst/>
+    <dgm:txFillClrLst/>
+    <dgm:txEffectClrLst/>
+  </dgm:styleLbl>
+  <dgm:styleLbl name="asst3">
+    <dgm:fillClrLst>
+      <a:schemeClr val="accent5"/>
+    </dgm:fillClrLst>
+    <dgm:linClrLst meth="repeat">
+      <a:schemeClr val="lt1"/>
+    </dgm:linClrLst>
+    <dgm:effectClrLst/>
+    <dgm:txLinClrLst/>
+    <dgm:txFillClrLst/>
+    <dgm:txEffectClrLst/>
+  </dgm:styleLbl>
+  <dgm:styleLbl name="asst4">
+    <dgm:fillClrLst>
+      <a:schemeClr val="accent6"/>
+    </dgm:fillClrLst>
+    <dgm:linClrLst meth="repeat">
+      <a:schemeClr val="lt1"/>
+    </dgm:linClrLst>
+    <dgm:effectClrLst/>
+    <dgm:txLinClrLst/>
+    <dgm:txFillClrLst/>
+    <dgm:txEffectClrLst/>
+  </dgm:styleLbl>
+  <dgm:styleLbl name="parChTrans2D1">
+    <dgm:fillClrLst meth="repeat">
+      <a:schemeClr val="accent2"/>
+    </dgm:fillClrLst>
+    <dgm:linClrLst meth="repeat">
+      <a:schemeClr val="lt1"/>
+    </dgm:linClrLst>
+    <dgm:effectClrLst/>
+    <dgm:txLinClrLst/>
+    <dgm:txFillClrLst meth="repeat">
+      <a:schemeClr val="lt1"/>
+    </dgm:txFillClrLst>
+    <dgm:txEffectClrLst/>
+  </dgm:styleLbl>
+  <dgm:styleLbl name="parChTrans2D2">
+    <dgm:fillClrLst meth="repeat">
+      <a:schemeClr val="accent3"/>
+    </dgm:fillClrLst>
+    <dgm:linClrLst meth="repeat">
+      <a:schemeClr val="lt1"/>
+    </dgm:linClrLst>
+    <dgm:effectClrLst/>
+    <dgm:txLinClrLst/>
+    <dgm:txFillClrLst/>
+    <dgm:txEffectClrLst/>
+  </dgm:styleLbl>
+  <dgm:styleLbl name="parChTrans2D3">
+    <dgm:fillClrLst meth="repeat">
+      <a:schemeClr val="accent4"/>
+    </dgm:fillClrLst>
+    <dgm:linClrLst meth="repeat">
+      <a:schemeClr val="lt1"/>
+    </dgm:linClrLst>
+    <dgm:effectClrLst/>
+    <dgm:txLinClrLst/>
+    <dgm:txFillClrLst/>
+    <dgm:txEffectClrLst/>
+  </dgm:styleLbl>
+  <dgm:styleLbl name="parChTrans2D4">
+    <dgm:fillClrLst meth="repeat">
+      <a:schemeClr val="accent5"/>
+    </dgm:fillClrLst>
+    <dgm:linClrLst meth="repeat">
+      <a:schemeClr val="lt1"/>
+    </dgm:linClrLst>
+    <dgm:effectClrLst/>
+    <dgm:txLinClrLst/>
+    <dgm:txFillClrLst meth="repeat">
+      <a:schemeClr val="lt1"/>
+    </dgm:txFillClrLst>
+    <dgm:txEffectClrLst/>
+  </dgm:styleLbl>
+  <dgm:styleLbl name="parChTrans1D1">
+    <dgm:fillClrLst meth="repeat">
+      <a:schemeClr val="accent2"/>
+    </dgm:fillClrLst>
+    <dgm:linClrLst meth="repeat">
+      <a:schemeClr val="accent2"/>
+    </dgm:linClrLst>
+    <dgm:effectClrLst/>
+    <dgm:txLinClrLst/>
+    <dgm:txFillClrLst meth="repeat">
+      <a:schemeClr val="tx1"/>
+    </dgm:txFillClrLst>
+    <dgm:txEffectClrLst/>
+  </dgm:styleLbl>
+  <dgm:styleLbl name="parChTrans1D2">
+    <dgm:fillClrLst meth="repeat">
+      <a:schemeClr val="accent2">
+        <a:tint val="90000"/>
+      </a:schemeClr>
+    </dgm:fillClrLst>
+    <dgm:linClrLst meth="repeat">
+      <a:schemeClr val="accent3"/>
+    </dgm:linClrLst>
+    <dgm:effectClrLst/>
+    <dgm:txLinClrLst/>
+    <dgm:txFillClrLst meth="repeat">
+      <a:schemeClr val="tx1"/>
+    </dgm:txFillClrLst>
+    <dgm:txEffectClrLst/>
+  </dgm:styleLbl>
+  <dgm:styleLbl name="parChTrans1D3">
+    <dgm:fillClrLst meth="repeat">
+      <a:schemeClr val="accent2">
+        <a:tint val="70000"/>
+      </a:schemeClr>
+    </dgm:fillClrLst>
+    <dgm:linClrLst meth="repeat">
+      <a:schemeClr val="accent4"/>
+    </dgm:linClrLst>
+    <dgm:effectClrLst/>
+    <dgm:txLinClrLst/>
+    <dgm:txFillClrLst meth="repeat">
+      <a:schemeClr val="tx1"/>
+    </dgm:txFillClrLst>
+    <dgm:txEffectClrLst/>
+  </dgm:styleLbl>
+  <dgm:styleLbl name="parChTrans1D4">
+    <dgm:fillClrLst meth="repeat">
+      <a:schemeClr val="accent2">
+        <a:tint val="50000"/>
+      </a:schemeClr>
+    </dgm:fillClrLst>
+    <dgm:linClrLst meth="repeat">
+      <a:schemeClr val="accent5"/>
+    </dgm:linClrLst>
+    <dgm:effectClrLst/>
+    <dgm:txLinClrLst/>
+    <dgm:txFillClrLst meth="repeat">
+      <a:schemeClr val="tx1"/>
+    </dgm:txFillClrLst>
+    <dgm:txEffectClrLst/>
+  </dgm:styleLbl>
+  <dgm:styleLbl name="fgAcc1">
+    <dgm:fillClrLst meth="repeat">
+      <a:schemeClr val="lt1">
+        <a:alpha val="90000"/>
+      </a:schemeClr>
+    </dgm:fillClrLst>
+    <dgm:linClrLst>
+      <a:schemeClr val="accent2"/>
+      <a:schemeClr val="accent3"/>
+    </dgm:linClrLst>
+    <dgm:effectClrLst/>
+    <dgm:txLinClrLst/>
+    <dgm:txFillClrLst meth="repeat">
+      <a:schemeClr val="dk1"/>
+    </dgm:txFillClrLst>
+    <dgm:txEffectClrLst/>
+  </dgm:styleLbl>
+  <dgm:styleLbl name="conFgAcc1">
+    <dgm:fillClrLst meth="repeat">
+      <a:schemeClr val="lt1">
+        <a:alpha val="90000"/>
+      </a:schemeClr>
+    </dgm:fillClrLst>
+    <dgm:linClrLst>
+      <a:schemeClr val="accent2"/>
+      <a:schemeClr val="accent3"/>
+    </dgm:linClrLst>
+    <dgm:effectClrLst/>
+    <dgm:txLinClrLst/>
+    <dgm:txFillClrLst meth="repeat">
+      <a:schemeClr val="dk1"/>
+    </dgm:txFillClrLst>
+    <dgm:txEffectClrLst/>
+  </dgm:styleLbl>
+  <dgm:styleLbl name="alignAcc1">
+    <dgm:fillClrLst meth="repeat">
+      <a:schemeClr val="lt1">
+        <a:alpha val="90000"/>
+      </a:schemeClr>
+    </dgm:fillClrLst>
+    <dgm:linClrLst>
+      <a:schemeClr val="accent2"/>
+      <a:schemeClr val="accent3"/>
+    </dgm:linClrLst>
+    <dgm:effectClrLst/>
+    <dgm:txLinClrLst/>
+    <dgm:txFillClrLst meth="repeat">
+      <a:schemeClr val="dk1"/>
+    </dgm:txFillClrLst>
+    <dgm:txEffectClrLst/>
+  </dgm:styleLbl>
+  <dgm:styleLbl name="trAlignAcc1">
+    <dgm:fillClrLst meth="repeat">
+      <a:schemeClr val="lt1">
+        <a:alpha val="40000"/>
+      </a:schemeClr>
+    </dgm:fillClrLst>
+    <dgm:linClrLst meth="repeat">
+      <a:schemeClr val="accent2"/>
+    </dgm:linClrLst>
+    <dgm:effectClrLst/>
+    <dgm:txLinClrLst/>
+    <dgm:txFillClrLst meth="repeat">
+      <a:schemeClr val="dk1"/>
+    </dgm:txFillClrLst>
+    <dgm:txEffectClrLst/>
+  </dgm:styleLbl>
+  <dgm:styleLbl name="bgAcc1">
+    <dgm:fillClrLst meth="repeat">
+      <a:schemeClr val="lt1">
+        <a:alpha val="90000"/>
+      </a:schemeClr>
+    </dgm:fillClrLst>
+    <dgm:linClrLst>
+      <a:schemeClr val="accent2"/>
+      <a:schemeClr val="accent3"/>
+    </dgm:linClrLst>
+    <dgm:effectClrLst/>
+    <dgm:txLinClrLst/>
+    <dgm:txFillClrLst meth="repeat">
+      <a:schemeClr val="dk1"/>
+    </dgm:txFillClrLst>
+    <dgm:txEffectClrLst/>
+  </dgm:styleLbl>
+  <dgm:styleLbl name="solidFgAcc1">
+    <dgm:fillClrLst meth="repeat">
+      <a:schemeClr val="lt1"/>
+    </dgm:fillClrLst>
+    <dgm:linClrLst>
+      <a:schemeClr val="accent2"/>
+      <a:schemeClr val="accent3"/>
+    </dgm:linClrLst>
+    <dgm:effectClrLst/>
+    <dgm:txLinClrLst/>
+    <dgm:txFillClrLst meth="repeat">
+      <a:schemeClr val="dk1"/>
+    </dgm:txFillClrLst>
+    <dgm:txEffectClrLst/>
+  </dgm:styleLbl>
+  <dgm:styleLbl name="solidAlignAcc1">
+    <dgm:fillClrLst meth="repeat">
+      <a:schemeClr val="lt1"/>
+    </dgm:fillClrLst>
+    <dgm:linClrLst>
+      <a:schemeClr val="accent2"/>
+      <a:schemeClr val="accent3"/>
+    </dgm:linClrLst>
+    <dgm:effectClrLst/>
+    <dgm:txLinClrLst/>
+    <dgm:txFillClrLst meth="repeat">
+      <a:schemeClr val="dk1"/>
+    </dgm:txFillClrLst>
+    <dgm:txEffectClrLst/>
+  </dgm:styleLbl>
+  <dgm:styleLbl name="solidBgAcc1">
+    <dgm:fillClrLst meth="repeat">
+      <a:schemeClr val="lt1"/>
+    </dgm:fillClrLst>
+    <dgm:linClrLst>
+      <a:schemeClr val="accent2"/>
+      <a:schemeClr val="accent3"/>
+    </dgm:linClrLst>
+    <dgm:effectClrLst/>
+    <dgm:txLinClrLst/>
+    <dgm:txFillClrLst meth="repeat">
+      <a:schemeClr val="dk1"/>
+    </dgm:txFillClrLst>
+    <dgm:txEffectClrLst/>
+  </dgm:styleLbl>
+  <dgm:styleLbl name="fgAccFollowNode1">
+    <dgm:fillClrLst>
+      <a:schemeClr val="accent2">
+        <a:tint val="40000"/>
+        <a:alpha val="90000"/>
+      </a:schemeClr>
+      <a:schemeClr val="accent3">
+        <a:tint val="40000"/>
+        <a:alpha val="90000"/>
+      </a:schemeClr>
+    </dgm:fillClrLst>
+    <dgm:linClrLst>
+      <a:schemeClr val="accent2">
+        <a:tint val="40000"/>
+        <a:alpha val="90000"/>
+      </a:schemeClr>
+      <a:schemeClr val="accent3">
+        <a:tint val="40000"/>
+        <a:alpha val="90000"/>
+      </a:schemeClr>
+    </dgm:linClrLst>
+    <dgm:effectClrLst/>
+    <dgm:txLinClrLst/>
+    <dgm:txFillClrLst meth="repeat">
+      <a:schemeClr val="dk1"/>
+    </dgm:txFillClrLst>
+    <dgm:txEffectClrLst/>
+  </dgm:styleLbl>
+  <dgm:styleLbl name="alignAccFollowNode1">
+    <dgm:fillClrLst>
+      <a:schemeClr val="accent2">
+        <a:tint val="40000"/>
+        <a:alpha val="90000"/>
+      </a:schemeClr>
+      <a:schemeClr val="accent3">
+        <a:tint val="40000"/>
+        <a:alpha val="90000"/>
+      </a:schemeClr>
+    </dgm:fillClrLst>
+    <dgm:linClrLst>
+      <a:schemeClr val="accent2">
+        <a:tint val="40000"/>
+        <a:alpha val="90000"/>
+      </a:schemeClr>
+      <a:schemeClr val="accent3">
+        <a:tint val="40000"/>
+        <a:alpha val="90000"/>
+      </a:schemeClr>
+    </dgm:linClrLst>
+    <dgm:effectClrLst/>
+    <dgm:txLinClrLst/>
+    <dgm:txFillClrLst meth="repeat">
+      <a:schemeClr val="dk1"/>
+    </dgm:txFillClrLst>
+    <dgm:txEffectClrLst/>
+  </dgm:styleLbl>
+  <dgm:styleLbl name="bgAccFollowNode1">
+    <dgm:fillClrLst>
+      <a:schemeClr val="accent2">
+        <a:tint val="40000"/>
+        <a:alpha val="90000"/>
+      </a:schemeClr>
+      <a:schemeClr val="accent3">
+        <a:tint val="40000"/>
+        <a:alpha val="90000"/>
+      </a:schemeClr>
+    </dgm:fillClrLst>
+    <dgm:linClrLst>
+      <a:schemeClr val="accent2">
+        <a:tint val="40000"/>
+        <a:alpha val="90000"/>
+      </a:schemeClr>
+      <a:schemeClr val="accent3">
+        <a:tint val="40000"/>
+        <a:alpha val="90000"/>
+      </a:schemeClr>
+    </dgm:linClrLst>
+    <dgm:effectClrLst/>
+    <dgm:txLinClrLst/>
+    <dgm:txFillClrLst meth="repeat">
+      <a:schemeClr val="dk1"/>
+    </dgm:txFillClrLst>
+    <dgm:txEffectClrLst/>
+  </dgm:styleLbl>
+  <dgm:styleLbl name="fgAcc0">
+    <dgm:fillClrLst meth="repeat">
+      <a:schemeClr val="lt1">
+        <a:alpha val="90000"/>
+      </a:schemeClr>
+    </dgm:fillClrLst>
+    <dgm:linClrLst>
+      <a:schemeClr val="accent1"/>
+    </dgm:linClrLst>
+    <dgm:effectClrLst/>
+    <dgm:txLinClrLst/>
+    <dgm:txFillClrLst meth="repeat">
+      <a:schemeClr val="dk1"/>
+    </dgm:txFillClrLst>
+    <dgm:txEffectClrLst/>
+  </dgm:styleLbl>
+  <dgm:styleLbl name="fgAcc2">
+    <dgm:fillClrLst meth="repeat">
+      <a:schemeClr val="lt1">
+        <a:alpha val="90000"/>
+      </a:schemeClr>
+    </dgm:fillClrLst>
+    <dgm:linClrLst>
+      <a:schemeClr val="accent3"/>
+    </dgm:linClrLst>
+    <dgm:effectClrLst/>
+    <dgm:txLinClrLst/>
+    <dgm:txFillClrLst meth="repeat">
+      <a:schemeClr val="dk1"/>
+    </dgm:txFillClrLst>
+    <dgm:txEffectClrLst/>
+  </dgm:styleLbl>
+  <dgm:styleLbl name="fgAcc3">
+    <dgm:fillClrLst meth="repeat">
+      <a:schemeClr val="lt1">
+        <a:alpha val="90000"/>
+      </a:schemeClr>
+    </dgm:fillClrLst>
+    <dgm:linClrLst>
+      <a:schemeClr val="accent4"/>
+    </dgm:linClrLst>
+    <dgm:effectClrLst/>
+    <dgm:txLinClrLst/>
+    <dgm:txFillClrLst meth="repeat">
+      <a:schemeClr val="dk1"/>
+    </dgm:txFillClrLst>
+    <dgm:txEffectClrLst/>
+  </dgm:styleLbl>
+  <dgm:styleLbl name="fgAcc4">
+    <dgm:fillClrLst meth="repeat">
+      <a:schemeClr val="lt1">
+        <a:alpha val="90000"/>
+      </a:schemeClr>
+    </dgm:fillClrLst>
+    <dgm:linClrLst>
+      <a:schemeClr val="accent5"/>
+    </dgm:linClrLst>
+    <dgm:effectClrLst/>
+    <dgm:txLinClrLst/>
+    <dgm:txFillClrLst meth="repeat">
+      <a:schemeClr val="dk1"/>
+    </dgm:txFillClrLst>
+    <dgm:txEffectClrLst/>
+  </dgm:styleLbl>
+  <dgm:styleLbl name="bgShp">
+    <dgm:fillClrLst meth="repeat">
+      <a:schemeClr val="accent2">
+        <a:tint val="40000"/>
+      </a:schemeClr>
+    </dgm:fillClrLst>
+    <dgm:linClrLst meth="repeat">
+      <a:schemeClr val="dk1"/>
+    </dgm:linClrLst>
+    <dgm:effectClrLst/>
+    <dgm:txLinClrLst/>
+    <dgm:txFillClrLst meth="repeat">
+      <a:schemeClr val="dk1"/>
+    </dgm:txFillClrLst>
+    <dgm:txEffectClrLst/>
+  </dgm:styleLbl>
+  <dgm:styleLbl name="dkBgShp">
+    <dgm:fillClrLst meth="repeat">
+      <a:schemeClr val="accent2">
+        <a:shade val="90000"/>
+      </a:schemeClr>
+    </dgm:fillClrLst>
+    <dgm:linClrLst meth="repeat">
+      <a:schemeClr val="dk1"/>
+    </dgm:linClrLst>
+    <dgm:effectClrLst/>
+    <dgm:txLinClrLst/>
+    <dgm:txFillClrLst meth="repeat">
+      <a:schemeClr val="lt1"/>
+    </dgm:txFillClrLst>
+    <dgm:txEffectClrLst/>
+  </dgm:styleLbl>
+  <dgm:styleLbl name="trBgShp">
+    <dgm:fillClrLst meth="repeat">
+      <a:schemeClr val="accent2">
+        <a:tint val="50000"/>
+        <a:alpha val="40000"/>
+      </a:schemeClr>
+    </dgm:fillClrLst>
+    <dgm:linClrLst meth="repeat">
+      <a:schemeClr val="accent2"/>
+    </dgm:linClrLst>
+    <dgm:effectClrLst/>
+    <dgm:txLinClrLst/>
+    <dgm:txFillClrLst meth="repeat">
+      <a:schemeClr val="lt1"/>
+    </dgm:txFillClrLst>
+    <dgm:txEffectClrLst/>
+  </dgm:styleLbl>
+  <dgm:styleLbl name="fgShp">
+    <dgm:fillClrLst meth="repeat">
+      <a:schemeClr val="accent2">
+        <a:tint val="40000"/>
+      </a:schemeClr>
+    </dgm:fillClrLst>
+    <dgm:linClrLst meth="repeat">
+      <a:schemeClr val="lt1"/>
+    </dgm:linClrLst>
+    <dgm:effectClrLst/>
+    <dgm:txLinClrLst/>
+    <dgm:txFillClrLst meth="repeat">
+      <a:schemeClr val="dk1"/>
+    </dgm:txFillClrLst>
+    <dgm:txEffectClrLst/>
+  </dgm:styleLbl>
+  <dgm:styleLbl name="revTx">
+    <dgm:fillClrLst meth="repeat">
+      <a:schemeClr val="lt1">
+        <a:alpha val="0"/>
+      </a:schemeClr>
+    </dgm:fillClrLst>
+    <dgm:linClrLst meth="repeat">
+      <a:schemeClr val="dk1">
+        <a:alpha val="0"/>
+      </a:schemeClr>
+    </dgm:linClrLst>
+    <dgm:effectClrLst/>
+    <dgm:txLinClrLst/>
+    <dgm:txFillClrLst meth="repeat">
+      <a:schemeClr val="tx1"/>
+    </dgm:txFillClrLst>
+    <dgm:txEffectClrLst/>
+  </dgm:styleLbl>
+</dgm:colorsDef>
+</file>
+
 <file path=ppt/diagrams/data1.xml><?xml version="1.0" encoding="utf-8"?>
 <dgm:dataModel xmlns:dgm="http://schemas.openxmlformats.org/drawingml/2006/diagram" xmlns:a="http://schemas.openxmlformats.org/drawingml/2006/main">
   <dgm:ptLst>
@@ -973,7 +1756,7 @@
         <a:p>
           <a:r>
             <a:rPr lang="fr-FR" b="1" dirty="0" smtClean="0"/>
-            <a:t>Localisation</a:t>
+            <a:t>Temporalité</a:t>
           </a:r>
           <a:endParaRPr lang="fr-FR" b="1" dirty="0"/>
         </a:p>
@@ -1016,7 +1799,7 @@
         <a:p>
           <a:r>
             <a:rPr lang="fr-FR" b="1" dirty="0" smtClean="0"/>
-            <a:t>Temporalité</a:t>
+            <a:t>Localisation</a:t>
           </a:r>
           <a:endParaRPr lang="fr-FR" b="1" dirty="0"/>
         </a:p>
@@ -1170,6 +1953,268 @@
 </dgm:dataModel>
 </file>
 
+<file path=ppt/diagrams/data2.xml><?xml version="1.0" encoding="utf-8"?>
+<dgm:dataModel xmlns:dgm="http://schemas.openxmlformats.org/drawingml/2006/diagram" xmlns:a="http://schemas.openxmlformats.org/drawingml/2006/main">
+  <dgm:ptLst>
+    <dgm:pt modelId="{07454628-6EB8-B649-B8F1-151258B4515F}" type="doc">
+      <dgm:prSet loTypeId="urn:microsoft.com/office/officeart/2005/8/layout/venn1" loCatId="" qsTypeId="urn:microsoft.com/office/officeart/2005/8/quickstyle/simple4" qsCatId="simple" csTypeId="urn:microsoft.com/office/officeart/2005/8/colors/colorful2" csCatId="colorful" phldr="1"/>
+      <dgm:spPr/>
+    </dgm:pt>
+    <dgm:pt modelId="{CD00A919-06AB-0F40-A1A5-BF62B8C2D8CA}">
+      <dgm:prSet phldrT="[Texte]"/>
+      <dgm:spPr>
+        <a:solidFill>
+          <a:srgbClr val="E63527">
+            <a:alpha val="74902"/>
+          </a:srgbClr>
+        </a:solidFill>
+      </dgm:spPr>
+      <dgm:t>
+        <a:bodyPr/>
+        <a:lstStyle/>
+        <a:p>
+          <a:r>
+            <a:rPr lang="fr-FR" b="1" dirty="0" smtClean="0"/>
+            <a:t>Format	</a:t>
+          </a:r>
+          <a:endParaRPr lang="fr-FR" b="1" dirty="0"/>
+        </a:p>
+      </dgm:t>
+    </dgm:pt>
+    <dgm:pt modelId="{FCC1254A-0FCA-8749-AE01-9F47E4D76228}" type="parTrans" cxnId="{3198ADD8-22E7-9146-BFF3-0F951A0D60F1}">
+      <dgm:prSet/>
+      <dgm:spPr/>
+      <dgm:t>
+        <a:bodyPr/>
+        <a:lstStyle/>
+        <a:p>
+          <a:endParaRPr lang="fr-FR"/>
+        </a:p>
+      </dgm:t>
+    </dgm:pt>
+    <dgm:pt modelId="{78B7B6A5-18F3-9E47-B2BE-9742D65F4614}" type="sibTrans" cxnId="{3198ADD8-22E7-9146-BFF3-0F951A0D60F1}">
+      <dgm:prSet/>
+      <dgm:spPr/>
+      <dgm:t>
+        <a:bodyPr/>
+        <a:lstStyle/>
+        <a:p>
+          <a:endParaRPr lang="fr-FR"/>
+        </a:p>
+      </dgm:t>
+    </dgm:pt>
+    <dgm:pt modelId="{58BCAAB8-25B5-5043-A39C-58CAF2200CC4}">
+      <dgm:prSet phldrT="[Texte]"/>
+      <dgm:spPr>
+        <a:solidFill>
+          <a:srgbClr val="78B755">
+            <a:alpha val="74902"/>
+          </a:srgbClr>
+        </a:solidFill>
+      </dgm:spPr>
+      <dgm:t>
+        <a:bodyPr/>
+        <a:lstStyle/>
+        <a:p>
+          <a:r>
+            <a:rPr lang="fr-FR" b="1" dirty="0" smtClean="0"/>
+            <a:t>Temporalité</a:t>
+          </a:r>
+          <a:endParaRPr lang="fr-FR" b="1" dirty="0"/>
+        </a:p>
+      </dgm:t>
+    </dgm:pt>
+    <dgm:pt modelId="{A37E90DE-B713-194C-849D-71908880540B}" type="parTrans" cxnId="{6922BAE6-6E39-184C-A808-5AC170334A70}">
+      <dgm:prSet/>
+      <dgm:spPr/>
+      <dgm:t>
+        <a:bodyPr/>
+        <a:lstStyle/>
+        <a:p>
+          <a:endParaRPr lang="fr-FR"/>
+        </a:p>
+      </dgm:t>
+    </dgm:pt>
+    <dgm:pt modelId="{E8245067-8E89-B241-B0BD-509112A59054}" type="sibTrans" cxnId="{6922BAE6-6E39-184C-A808-5AC170334A70}">
+      <dgm:prSet/>
+      <dgm:spPr/>
+      <dgm:t>
+        <a:bodyPr/>
+        <a:lstStyle/>
+        <a:p>
+          <a:endParaRPr lang="fr-FR"/>
+        </a:p>
+      </dgm:t>
+    </dgm:pt>
+    <dgm:pt modelId="{AAE58991-8DA8-5342-A22B-DEC3346F7865}">
+      <dgm:prSet phldrT="[Texte]"/>
+      <dgm:spPr>
+        <a:solidFill>
+          <a:srgbClr val="00A2D8">
+            <a:alpha val="74902"/>
+          </a:srgbClr>
+        </a:solidFill>
+      </dgm:spPr>
+      <dgm:t>
+        <a:bodyPr/>
+        <a:lstStyle/>
+        <a:p>
+          <a:r>
+            <a:rPr lang="fr-FR" b="1" dirty="0" smtClean="0"/>
+            <a:t>Localisation</a:t>
+          </a:r>
+          <a:endParaRPr lang="fr-FR" b="1" dirty="0"/>
+        </a:p>
+      </dgm:t>
+    </dgm:pt>
+    <dgm:pt modelId="{3AE02B2C-1E9B-7B41-8021-47DB2D499173}" type="parTrans" cxnId="{ED07310F-7A08-9D4A-AD44-A68AC93E1A59}">
+      <dgm:prSet/>
+      <dgm:spPr/>
+      <dgm:t>
+        <a:bodyPr/>
+        <a:lstStyle/>
+        <a:p>
+          <a:endParaRPr lang="fr-FR"/>
+        </a:p>
+      </dgm:t>
+    </dgm:pt>
+    <dgm:pt modelId="{65AC720F-831B-684A-A628-E1E706751D45}" type="sibTrans" cxnId="{ED07310F-7A08-9D4A-AD44-A68AC93E1A59}">
+      <dgm:prSet/>
+      <dgm:spPr/>
+      <dgm:t>
+        <a:bodyPr/>
+        <a:lstStyle/>
+        <a:p>
+          <a:endParaRPr lang="fr-FR"/>
+        </a:p>
+      </dgm:t>
+    </dgm:pt>
+    <dgm:pt modelId="{16706AA6-BF9C-704A-85C9-662D6D60C4E9}" type="pres">
+      <dgm:prSet presAssocID="{07454628-6EB8-B649-B8F1-151258B4515F}" presName="compositeShape" presStyleCnt="0">
+        <dgm:presLayoutVars>
+          <dgm:chMax val="7"/>
+          <dgm:dir/>
+          <dgm:resizeHandles val="exact"/>
+        </dgm:presLayoutVars>
+      </dgm:prSet>
+      <dgm:spPr/>
+    </dgm:pt>
+    <dgm:pt modelId="{6C1BB058-6908-0743-97CD-FC99BAC49090}" type="pres">
+      <dgm:prSet presAssocID="{CD00A919-06AB-0F40-A1A5-BF62B8C2D8CA}" presName="circ1" presStyleLbl="vennNode1" presStyleIdx="0" presStyleCnt="3" custScaleX="107556" custScaleY="113364"/>
+      <dgm:spPr/>
+      <dgm:t>
+        <a:bodyPr/>
+        <a:lstStyle/>
+        <a:p>
+          <a:endParaRPr lang="fr-FR"/>
+        </a:p>
+      </dgm:t>
+    </dgm:pt>
+    <dgm:pt modelId="{E037AC10-2233-0F49-8ED1-DD86A639C8ED}" type="pres">
+      <dgm:prSet presAssocID="{CD00A919-06AB-0F40-A1A5-BF62B8C2D8CA}" presName="circ1Tx" presStyleLbl="revTx" presStyleIdx="0" presStyleCnt="0">
+        <dgm:presLayoutVars>
+          <dgm:chMax val="0"/>
+          <dgm:chPref val="0"/>
+          <dgm:bulletEnabled val="1"/>
+        </dgm:presLayoutVars>
+      </dgm:prSet>
+      <dgm:spPr/>
+      <dgm:t>
+        <a:bodyPr/>
+        <a:lstStyle/>
+        <a:p>
+          <a:endParaRPr lang="fr-FR"/>
+        </a:p>
+      </dgm:t>
+    </dgm:pt>
+    <dgm:pt modelId="{18E75E97-3297-D242-B6E8-3A02FD6C5AF2}" type="pres">
+      <dgm:prSet presAssocID="{58BCAAB8-25B5-5043-A39C-58CAF2200CC4}" presName="circ2" presStyleLbl="vennNode1" presStyleIdx="1" presStyleCnt="3" custScaleX="107556" custScaleY="113364"/>
+      <dgm:spPr/>
+      <dgm:t>
+        <a:bodyPr/>
+        <a:lstStyle/>
+        <a:p>
+          <a:endParaRPr lang="fr-FR"/>
+        </a:p>
+      </dgm:t>
+    </dgm:pt>
+    <dgm:pt modelId="{70A3E2A6-7BEA-4041-A841-2C09A45BD649}" type="pres">
+      <dgm:prSet presAssocID="{58BCAAB8-25B5-5043-A39C-58CAF2200CC4}" presName="circ2Tx" presStyleLbl="revTx" presStyleIdx="0" presStyleCnt="0">
+        <dgm:presLayoutVars>
+          <dgm:chMax val="0"/>
+          <dgm:chPref val="0"/>
+          <dgm:bulletEnabled val="1"/>
+        </dgm:presLayoutVars>
+      </dgm:prSet>
+      <dgm:spPr/>
+      <dgm:t>
+        <a:bodyPr/>
+        <a:lstStyle/>
+        <a:p>
+          <a:endParaRPr lang="fr-FR"/>
+        </a:p>
+      </dgm:t>
+    </dgm:pt>
+    <dgm:pt modelId="{731A626E-758E-764F-8E19-2FA76D6CBEF0}" type="pres">
+      <dgm:prSet presAssocID="{AAE58991-8DA8-5342-A22B-DEC3346F7865}" presName="circ3" presStyleLbl="vennNode1" presStyleIdx="2" presStyleCnt="3" custScaleX="107556" custScaleY="113364"/>
+      <dgm:spPr/>
+      <dgm:t>
+        <a:bodyPr/>
+        <a:lstStyle/>
+        <a:p>
+          <a:endParaRPr lang="fr-FR"/>
+        </a:p>
+      </dgm:t>
+    </dgm:pt>
+    <dgm:pt modelId="{3247627B-D52B-7B47-9BF6-4BB5AFE19750}" type="pres">
+      <dgm:prSet presAssocID="{AAE58991-8DA8-5342-A22B-DEC3346F7865}" presName="circ3Tx" presStyleLbl="revTx" presStyleIdx="0" presStyleCnt="0">
+        <dgm:presLayoutVars>
+          <dgm:chMax val="0"/>
+          <dgm:chPref val="0"/>
+          <dgm:bulletEnabled val="1"/>
+        </dgm:presLayoutVars>
+      </dgm:prSet>
+      <dgm:spPr/>
+      <dgm:t>
+        <a:bodyPr/>
+        <a:lstStyle/>
+        <a:p>
+          <a:endParaRPr lang="fr-FR"/>
+        </a:p>
+      </dgm:t>
+    </dgm:pt>
+  </dgm:ptLst>
+  <dgm:cxnLst>
+    <dgm:cxn modelId="{3198ADD8-22E7-9146-BFF3-0F951A0D60F1}" srcId="{07454628-6EB8-B649-B8F1-151258B4515F}" destId="{CD00A919-06AB-0F40-A1A5-BF62B8C2D8CA}" srcOrd="0" destOrd="0" parTransId="{FCC1254A-0FCA-8749-AE01-9F47E4D76228}" sibTransId="{78B7B6A5-18F3-9E47-B2BE-9742D65F4614}"/>
+    <dgm:cxn modelId="{3AAE3152-C780-6641-9D2B-951D42F18943}" type="presOf" srcId="{CD00A919-06AB-0F40-A1A5-BF62B8C2D8CA}" destId="{6C1BB058-6908-0743-97CD-FC99BAC49090}" srcOrd="0" destOrd="0" presId="urn:microsoft.com/office/officeart/2005/8/layout/venn1"/>
+    <dgm:cxn modelId="{537F84FD-8D4B-BF49-981C-79F7ABDD35F3}" type="presOf" srcId="{58BCAAB8-25B5-5043-A39C-58CAF2200CC4}" destId="{70A3E2A6-7BEA-4041-A841-2C09A45BD649}" srcOrd="1" destOrd="0" presId="urn:microsoft.com/office/officeart/2005/8/layout/venn1"/>
+    <dgm:cxn modelId="{F803A7FA-3A30-A746-946F-F70286C9ACC9}" type="presOf" srcId="{AAE58991-8DA8-5342-A22B-DEC3346F7865}" destId="{731A626E-758E-764F-8E19-2FA76D6CBEF0}" srcOrd="0" destOrd="0" presId="urn:microsoft.com/office/officeart/2005/8/layout/venn1"/>
+    <dgm:cxn modelId="{6922BAE6-6E39-184C-A808-5AC170334A70}" srcId="{07454628-6EB8-B649-B8F1-151258B4515F}" destId="{58BCAAB8-25B5-5043-A39C-58CAF2200CC4}" srcOrd="1" destOrd="0" parTransId="{A37E90DE-B713-194C-849D-71908880540B}" sibTransId="{E8245067-8E89-B241-B0BD-509112A59054}"/>
+    <dgm:cxn modelId="{2CA850CE-42E3-C946-B73A-4F87CFD51509}" type="presOf" srcId="{58BCAAB8-25B5-5043-A39C-58CAF2200CC4}" destId="{18E75E97-3297-D242-B6E8-3A02FD6C5AF2}" srcOrd="0" destOrd="0" presId="urn:microsoft.com/office/officeart/2005/8/layout/venn1"/>
+    <dgm:cxn modelId="{1AFC0BE9-7C6D-AB4A-87D1-E4930811873D}" type="presOf" srcId="{AAE58991-8DA8-5342-A22B-DEC3346F7865}" destId="{3247627B-D52B-7B47-9BF6-4BB5AFE19750}" srcOrd="1" destOrd="0" presId="urn:microsoft.com/office/officeart/2005/8/layout/venn1"/>
+    <dgm:cxn modelId="{ED07310F-7A08-9D4A-AD44-A68AC93E1A59}" srcId="{07454628-6EB8-B649-B8F1-151258B4515F}" destId="{AAE58991-8DA8-5342-A22B-DEC3346F7865}" srcOrd="2" destOrd="0" parTransId="{3AE02B2C-1E9B-7B41-8021-47DB2D499173}" sibTransId="{65AC720F-831B-684A-A628-E1E706751D45}"/>
+    <dgm:cxn modelId="{F1235CC5-AC28-934B-B075-D28EDD4E68E8}" type="presOf" srcId="{07454628-6EB8-B649-B8F1-151258B4515F}" destId="{16706AA6-BF9C-704A-85C9-662D6D60C4E9}" srcOrd="0" destOrd="0" presId="urn:microsoft.com/office/officeart/2005/8/layout/venn1"/>
+    <dgm:cxn modelId="{D8145151-4DFF-DD47-B05C-285C8B75321F}" type="presOf" srcId="{CD00A919-06AB-0F40-A1A5-BF62B8C2D8CA}" destId="{E037AC10-2233-0F49-8ED1-DD86A639C8ED}" srcOrd="1" destOrd="0" presId="urn:microsoft.com/office/officeart/2005/8/layout/venn1"/>
+    <dgm:cxn modelId="{8071B22A-07F9-1145-BCA2-4A8B30CAA6FB}" type="presParOf" srcId="{16706AA6-BF9C-704A-85C9-662D6D60C4E9}" destId="{6C1BB058-6908-0743-97CD-FC99BAC49090}" srcOrd="0" destOrd="0" presId="urn:microsoft.com/office/officeart/2005/8/layout/venn1"/>
+    <dgm:cxn modelId="{95331905-92C4-4947-97B7-02A8747CB321}" type="presParOf" srcId="{16706AA6-BF9C-704A-85C9-662D6D60C4E9}" destId="{E037AC10-2233-0F49-8ED1-DD86A639C8ED}" srcOrd="1" destOrd="0" presId="urn:microsoft.com/office/officeart/2005/8/layout/venn1"/>
+    <dgm:cxn modelId="{A35AFA8D-161F-3B4B-916A-1DEF803194A7}" type="presParOf" srcId="{16706AA6-BF9C-704A-85C9-662D6D60C4E9}" destId="{18E75E97-3297-D242-B6E8-3A02FD6C5AF2}" srcOrd="2" destOrd="0" presId="urn:microsoft.com/office/officeart/2005/8/layout/venn1"/>
+    <dgm:cxn modelId="{574AD8DB-1304-1444-9FE6-3DAA64D4C71E}" type="presParOf" srcId="{16706AA6-BF9C-704A-85C9-662D6D60C4E9}" destId="{70A3E2A6-7BEA-4041-A841-2C09A45BD649}" srcOrd="3" destOrd="0" presId="urn:microsoft.com/office/officeart/2005/8/layout/venn1"/>
+    <dgm:cxn modelId="{EAA74FA6-C624-A940-A84D-902A464EF0A0}" type="presParOf" srcId="{16706AA6-BF9C-704A-85C9-662D6D60C4E9}" destId="{731A626E-758E-764F-8E19-2FA76D6CBEF0}" srcOrd="4" destOrd="0" presId="urn:microsoft.com/office/officeart/2005/8/layout/venn1"/>
+    <dgm:cxn modelId="{1215D59F-F4E2-2E41-B738-3100F87AE56F}" type="presParOf" srcId="{16706AA6-BF9C-704A-85C9-662D6D60C4E9}" destId="{3247627B-D52B-7B47-9BF6-4BB5AFE19750}" srcOrd="5" destOrd="0" presId="urn:microsoft.com/office/officeart/2005/8/layout/venn1"/>
+  </dgm:cxnLst>
+  <dgm:bg/>
+  <dgm:whole/>
+  <dgm:extLst>
+    <a:ext uri="http://schemas.microsoft.com/office/drawing/2008/diagram">
+      <dsp:dataModelExt xmlns:dsp="http://schemas.microsoft.com/office/drawing/2008/diagram" relId="rId6" minVer="http://schemas.openxmlformats.org/drawingml/2006/diagram"/>
+    </a:ext>
+    <a:ext uri="{C62137D5-CB1D-491B-B009-E17868A290BF}">
+      <dgm14:recolorImg xmlns:dgm14="http://schemas.microsoft.com/office/drawing/2010/diagram" val="1"/>
+    </a:ext>
+  </dgm:extLst>
+</dgm:dataModel>
+</file>
+
 <file path=ppt/diagrams/drawing1.xml><?xml version="1.0" encoding="utf-8"?>
 <dsp:drawing xmlns:dgm="http://schemas.openxmlformats.org/drawingml/2006/diagram" xmlns:dsp="http://schemas.microsoft.com/office/drawing/2008/diagram" xmlns:a="http://schemas.openxmlformats.org/drawingml/2006/main">
   <dsp:spTree>
@@ -1300,7 +2345,7 @@
           </a:pPr>
           <a:r>
             <a:rPr lang="fr-FR" sz="2700" b="1" kern="1200" dirty="0" smtClean="0"/>
-            <a:t>Localisation</a:t>
+            <a:t>Temporalité</a:t>
           </a:r>
           <a:endParaRPr lang="fr-FR" sz="2700" b="1" kern="1200" dirty="0"/>
         </a:p>
@@ -1366,7 +2411,7 @@
           </a:pPr>
           <a:r>
             <a:rPr lang="fr-FR" sz="2700" b="1" kern="1200" dirty="0" smtClean="0"/>
-            <a:t>Temporalité</a:t>
+            <a:t>Localisation</a:t>
           </a:r>
           <a:endParaRPr lang="fr-FR" sz="2700" b="1" kern="1200" dirty="0"/>
         </a:p>
@@ -1380,7 +2425,1092 @@
 </dsp:drawing>
 </file>
 
+<file path=ppt/diagrams/drawing2.xml><?xml version="1.0" encoding="utf-8"?>
+<dsp:drawing xmlns:dgm="http://schemas.openxmlformats.org/drawingml/2006/diagram" xmlns:dsp="http://schemas.microsoft.com/office/drawing/2008/diagram" xmlns:a="http://schemas.openxmlformats.org/drawingml/2006/main">
+  <dsp:spTree>
+    <dsp:nvGrpSpPr>
+      <dsp:cNvPr id="0" name=""/>
+      <dsp:cNvGrpSpPr/>
+    </dsp:nvGrpSpPr>
+    <dsp:grpSpPr/>
+    <dsp:sp modelId="{6C1BB058-6908-0743-97CD-FC99BAC49090}">
+      <dsp:nvSpPr>
+        <dsp:cNvPr id="0" name=""/>
+        <dsp:cNvSpPr/>
+      </dsp:nvSpPr>
+      <dsp:spPr>
+        <a:xfrm>
+          <a:off x="2772004" y="-153921"/>
+          <a:ext cx="3599990" cy="3794389"/>
+        </a:xfrm>
+        <a:prstGeom prst="ellipse">
+          <a:avLst/>
+        </a:prstGeom>
+        <a:solidFill>
+          <a:srgbClr val="E63527">
+            <a:alpha val="74902"/>
+          </a:srgbClr>
+        </a:solidFill>
+        <a:ln>
+          <a:noFill/>
+        </a:ln>
+        <a:effectLst/>
+      </dsp:spPr>
+      <dsp:style>
+        <a:lnRef idx="0">
+          <a:scrgbClr r="0" g="0" b="0"/>
+        </a:lnRef>
+        <a:fillRef idx="3">
+          <a:scrgbClr r="0" g="0" b="0"/>
+        </a:fillRef>
+        <a:effectRef idx="0">
+          <a:scrgbClr r="0" g="0" b="0"/>
+        </a:effectRef>
+        <a:fontRef idx="minor">
+          <a:schemeClr val="tx1"/>
+        </a:fontRef>
+      </dsp:style>
+      <dsp:txBody>
+        <a:bodyPr spcFirstLastPara="0" vert="horz" wrap="square" lIns="0" tIns="0" rIns="0" bIns="0" numCol="1" spcCol="1270" anchor="ctr" anchorCtr="0">
+          <a:noAutofit/>
+        </a:bodyPr>
+        <a:lstStyle/>
+        <a:p>
+          <a:pPr lvl="0" algn="ctr" defTabSz="1289050">
+            <a:lnSpc>
+              <a:spcPct val="90000"/>
+            </a:lnSpc>
+            <a:spcBef>
+              <a:spcPct val="0"/>
+            </a:spcBef>
+            <a:spcAft>
+              <a:spcPct val="35000"/>
+            </a:spcAft>
+          </a:pPr>
+          <a:r>
+            <a:rPr lang="fr-FR" sz="2900" b="1" kern="1200" dirty="0" smtClean="0"/>
+            <a:t>Format	</a:t>
+          </a:r>
+          <a:endParaRPr lang="fr-FR" sz="2900" b="1" kern="1200" dirty="0"/>
+        </a:p>
+      </dsp:txBody>
+      <dsp:txXfrm>
+        <a:off x="3252003" y="510096"/>
+        <a:ext cx="2639993" cy="1707475"/>
+      </dsp:txXfrm>
+    </dsp:sp>
+    <dsp:sp modelId="{18E75E97-3297-D242-B6E8-3A02FD6C5AF2}">
+      <dsp:nvSpPr>
+        <dsp:cNvPr id="0" name=""/>
+        <dsp:cNvSpPr/>
+      </dsp:nvSpPr>
+      <dsp:spPr>
+        <a:xfrm>
+          <a:off x="3979744" y="1938006"/>
+          <a:ext cx="3599990" cy="3794389"/>
+        </a:xfrm>
+        <a:prstGeom prst="ellipse">
+          <a:avLst/>
+        </a:prstGeom>
+        <a:solidFill>
+          <a:srgbClr val="78B755">
+            <a:alpha val="74902"/>
+          </a:srgbClr>
+        </a:solidFill>
+        <a:ln>
+          <a:noFill/>
+        </a:ln>
+        <a:effectLst/>
+      </dsp:spPr>
+      <dsp:style>
+        <a:lnRef idx="0">
+          <a:scrgbClr r="0" g="0" b="0"/>
+        </a:lnRef>
+        <a:fillRef idx="3">
+          <a:scrgbClr r="0" g="0" b="0"/>
+        </a:fillRef>
+        <a:effectRef idx="0">
+          <a:scrgbClr r="0" g="0" b="0"/>
+        </a:effectRef>
+        <a:fontRef idx="minor">
+          <a:schemeClr val="tx1"/>
+        </a:fontRef>
+      </dsp:style>
+      <dsp:txBody>
+        <a:bodyPr spcFirstLastPara="0" vert="horz" wrap="square" lIns="0" tIns="0" rIns="0" bIns="0" numCol="1" spcCol="1270" anchor="ctr" anchorCtr="0">
+          <a:noAutofit/>
+        </a:bodyPr>
+        <a:lstStyle/>
+        <a:p>
+          <a:pPr lvl="0" algn="ctr" defTabSz="1244600">
+            <a:lnSpc>
+              <a:spcPct val="90000"/>
+            </a:lnSpc>
+            <a:spcBef>
+              <a:spcPct val="0"/>
+            </a:spcBef>
+            <a:spcAft>
+              <a:spcPct val="35000"/>
+            </a:spcAft>
+          </a:pPr>
+          <a:r>
+            <a:rPr lang="fr-FR" sz="2800" b="1" kern="1200" dirty="0" smtClean="0"/>
+            <a:t>Temporalité</a:t>
+          </a:r>
+          <a:endParaRPr lang="fr-FR" sz="2800" b="1" kern="1200" dirty="0"/>
+        </a:p>
+      </dsp:txBody>
+      <dsp:txXfrm>
+        <a:off x="5080741" y="2918224"/>
+        <a:ext cx="2159994" cy="2086914"/>
+      </dsp:txXfrm>
+    </dsp:sp>
+    <dsp:sp modelId="{731A626E-758E-764F-8E19-2FA76D6CBEF0}">
+      <dsp:nvSpPr>
+        <dsp:cNvPr id="0" name=""/>
+        <dsp:cNvSpPr/>
+      </dsp:nvSpPr>
+      <dsp:spPr>
+        <a:xfrm>
+          <a:off x="1564264" y="1938006"/>
+          <a:ext cx="3599990" cy="3794389"/>
+        </a:xfrm>
+        <a:prstGeom prst="ellipse">
+          <a:avLst/>
+        </a:prstGeom>
+        <a:solidFill>
+          <a:srgbClr val="00A2D8">
+            <a:alpha val="74902"/>
+          </a:srgbClr>
+        </a:solidFill>
+        <a:ln>
+          <a:noFill/>
+        </a:ln>
+        <a:effectLst/>
+      </dsp:spPr>
+      <dsp:style>
+        <a:lnRef idx="0">
+          <a:scrgbClr r="0" g="0" b="0"/>
+        </a:lnRef>
+        <a:fillRef idx="3">
+          <a:scrgbClr r="0" g="0" b="0"/>
+        </a:fillRef>
+        <a:effectRef idx="0">
+          <a:scrgbClr r="0" g="0" b="0"/>
+        </a:effectRef>
+        <a:fontRef idx="minor">
+          <a:schemeClr val="tx1"/>
+        </a:fontRef>
+      </dsp:style>
+      <dsp:txBody>
+        <a:bodyPr spcFirstLastPara="0" vert="horz" wrap="square" lIns="0" tIns="0" rIns="0" bIns="0" numCol="1" spcCol="1270" anchor="ctr" anchorCtr="0">
+          <a:noAutofit/>
+        </a:bodyPr>
+        <a:lstStyle/>
+        <a:p>
+          <a:pPr lvl="0" algn="ctr" defTabSz="1200150">
+            <a:lnSpc>
+              <a:spcPct val="90000"/>
+            </a:lnSpc>
+            <a:spcBef>
+              <a:spcPct val="0"/>
+            </a:spcBef>
+            <a:spcAft>
+              <a:spcPct val="35000"/>
+            </a:spcAft>
+          </a:pPr>
+          <a:r>
+            <a:rPr lang="fr-FR" sz="2700" b="1" kern="1200" dirty="0" smtClean="0"/>
+            <a:t>Localisation</a:t>
+          </a:r>
+          <a:endParaRPr lang="fr-FR" sz="2700" b="1" kern="1200" dirty="0"/>
+        </a:p>
+      </dsp:txBody>
+      <dsp:txXfrm>
+        <a:off x="1903263" y="2918224"/>
+        <a:ext cx="2159994" cy="2086914"/>
+      </dsp:txXfrm>
+    </dsp:sp>
+  </dsp:spTree>
+</dsp:drawing>
+</file>
+
 <file path=ppt/diagrams/layout1.xml><?xml version="1.0" encoding="utf-8"?>
+<dgm:layoutDef xmlns:dgm="http://schemas.openxmlformats.org/drawingml/2006/diagram" xmlns:a="http://schemas.openxmlformats.org/drawingml/2006/main" uniqueId="urn:microsoft.com/office/officeart/2005/8/layout/venn1">
+  <dgm:title val=""/>
+  <dgm:desc val=""/>
+  <dgm:catLst>
+    <dgm:cat type="relationship" pri="28000"/>
+    <dgm:cat type="convert" pri="19000"/>
+  </dgm:catLst>
+  <dgm:sampData useDef="1">
+    <dgm:dataModel>
+      <dgm:ptLst/>
+      <dgm:bg/>
+      <dgm:whole/>
+    </dgm:dataModel>
+  </dgm:sampData>
+  <dgm:styleData useDef="1">
+    <dgm:dataModel>
+      <dgm:ptLst/>
+      <dgm:bg/>
+      <dgm:whole/>
+    </dgm:dataModel>
+  </dgm:styleData>
+  <dgm:clrData>
+    <dgm:dataModel>
+      <dgm:ptLst>
+        <dgm:pt modelId="0" type="doc"/>
+        <dgm:pt modelId="1"/>
+        <dgm:pt modelId="2"/>
+        <dgm:pt modelId="3"/>
+        <dgm:pt modelId="4"/>
+      </dgm:ptLst>
+      <dgm:cxnLst>
+        <dgm:cxn modelId="7" srcId="0" destId="1" srcOrd="0" destOrd="0"/>
+        <dgm:cxn modelId="8" srcId="0" destId="2" srcOrd="1" destOrd="0"/>
+        <dgm:cxn modelId="9" srcId="0" destId="3" srcOrd="2" destOrd="0"/>
+        <dgm:cxn modelId="10" srcId="0" destId="4" srcOrd="3" destOrd="0"/>
+      </dgm:cxnLst>
+      <dgm:bg/>
+      <dgm:whole/>
+    </dgm:dataModel>
+  </dgm:clrData>
+  <dgm:layoutNode name="compositeShape">
+    <dgm:varLst>
+      <dgm:chMax val="7"/>
+      <dgm:dir/>
+      <dgm:resizeHandles val="exact"/>
+    </dgm:varLst>
+    <dgm:choose name="Name0">
+      <dgm:if name="Name1" axis="ch" ptType="node" func="cnt" op="equ" val="1">
+        <dgm:alg type="composite">
+          <dgm:param type="ar" val="1"/>
+        </dgm:alg>
+      </dgm:if>
+      <dgm:if name="Name2" axis="ch" ptType="node" func="cnt" op="equ" val="2">
+        <dgm:alg type="composite">
+          <dgm:param type="ar" val="1.792"/>
+        </dgm:alg>
+      </dgm:if>
+      <dgm:if name="Name3" axis="ch" ptType="node" func="cnt" op="equ" val="3">
+        <dgm:alg type="composite">
+          <dgm:param type="ar" val="1"/>
+        </dgm:alg>
+      </dgm:if>
+      <dgm:if name="Name4" axis="ch" ptType="node" func="cnt" op="equ" val="4">
+        <dgm:alg type="composite">
+          <dgm:param type="ar" val="1"/>
+        </dgm:alg>
+      </dgm:if>
+      <dgm:if name="Name5" axis="ch" ptType="node" func="cnt" op="equ" val="5">
+        <dgm:alg type="composite">
+          <dgm:param type="ar" val="1.4"/>
+        </dgm:alg>
+      </dgm:if>
+      <dgm:if name="Name6" axis="ch" ptType="node" func="cnt" op="equ" val="6">
+        <dgm:alg type="composite">
+          <dgm:param type="ar" val="1.285"/>
+        </dgm:alg>
+      </dgm:if>
+      <dgm:if name="Name7" axis="ch" ptType="node" func="cnt" op="equ" val="7">
+        <dgm:alg type="composite">
+          <dgm:param type="ar" val="1.359"/>
+        </dgm:alg>
+      </dgm:if>
+      <dgm:else name="Name8">
+        <dgm:alg type="composite">
+          <dgm:param type="ar" val="1.359"/>
+        </dgm:alg>
+      </dgm:else>
+    </dgm:choose>
+    <dgm:shape xmlns:r="http://schemas.openxmlformats.org/officeDocument/2006/relationships" r:blip="">
+      <dgm:adjLst/>
+    </dgm:shape>
+    <dgm:presOf/>
+    <dgm:choose name="Name9">
+      <dgm:if name="Name10" axis="ch" ptType="node" func="cnt" op="equ" val="1">
+        <dgm:constrLst>
+          <dgm:constr type="ctrX" for="ch" forName="circ1TxSh" refType="w" fact="0.5"/>
+          <dgm:constr type="ctrY" for="ch" forName="circ1TxSh" refType="h" fact="0.5"/>
+          <dgm:constr type="w" for="ch" forName="circ1TxSh" refType="w"/>
+          <dgm:constr type="h" for="ch" forName="circ1TxSh" refType="h"/>
+          <dgm:constr type="primFontSz" for="ch" ptType="node" op="equ"/>
+        </dgm:constrLst>
+      </dgm:if>
+      <dgm:if name="Name11" axis="ch" ptType="node" func="cnt" op="equ" val="2">
+        <dgm:constrLst>
+          <dgm:constr type="ctrX" for="ch" forName="circ1" refType="w" fact="0.3"/>
+          <dgm:constr type="ctrY" for="ch" forName="circ1" refType="h" fact="0.5"/>
+          <dgm:constr type="w" for="ch" forName="circ1" refType="w" fact="0.555"/>
+          <dgm:constr type="h" for="ch" forName="circ1" refType="h" fact="0.99456"/>
+          <dgm:constr type="l" for="ch" forName="circ1Tx" refType="w" fact="0.1"/>
+          <dgm:constr type="t" for="ch" forName="circ1Tx" refType="h" fact="0.12"/>
+          <dgm:constr type="w" for="ch" forName="circ1Tx" refType="w" fact="0.32"/>
+          <dgm:constr type="h" for="ch" forName="circ1Tx" refType="h" fact="0.76"/>
+          <dgm:constr type="ctrX" for="ch" forName="circ2" refType="w" fact="0.7"/>
+          <dgm:constr type="ctrY" for="ch" forName="circ2" refType="h" fact="0.5"/>
+          <dgm:constr type="w" for="ch" forName="circ2" refType="w" fact="0.555"/>
+          <dgm:constr type="h" for="ch" forName="circ2" refType="h" fact="0.99456"/>
+          <dgm:constr type="l" for="ch" forName="circ2Tx" refType="w" fact="0.58"/>
+          <dgm:constr type="t" for="ch" forName="circ2Tx" refType="h" fact="0.12"/>
+          <dgm:constr type="w" for="ch" forName="circ2Tx" refType="w" fact="0.32"/>
+          <dgm:constr type="h" for="ch" forName="circ2Tx" refType="h" fact="0.76"/>
+          <dgm:constr type="primFontSz" for="ch" ptType="node" op="equ"/>
+        </dgm:constrLst>
+      </dgm:if>
+      <dgm:if name="Name12" axis="ch" ptType="node" func="cnt" op="equ" val="3">
+        <dgm:constrLst>
+          <dgm:constr type="ctrX" for="ch" forName="circ1" refType="w" fact="0.5"/>
+          <dgm:constr type="ctrY" for="ch" forName="circ1" refType="w" fact="0.25"/>
+          <dgm:constr type="w" for="ch" forName="circ1" refType="w" fact="0.6"/>
+          <dgm:constr type="h" for="ch" forName="circ1" refType="h" fact="0.6"/>
+          <dgm:constr type="l" for="ch" forName="circ1Tx" refType="w" fact="0.28"/>
+          <dgm:constr type="t" for="ch" forName="circ1Tx" refType="h" fact="0.055"/>
+          <dgm:constr type="w" for="ch" forName="circ1Tx" refType="w" fact="0.44"/>
+          <dgm:constr type="h" for="ch" forName="circ1Tx" refType="h" fact="0.27"/>
+          <dgm:constr type="ctrX" for="ch" forName="circ2" refType="w" fact="0.7165"/>
+          <dgm:constr type="ctrY" for="ch" forName="circ2" refType="w" fact="0.625"/>
+          <dgm:constr type="w" for="ch" forName="circ2" refType="w" fact="0.6"/>
+          <dgm:constr type="h" for="ch" forName="circ2" refType="h" fact="0.6"/>
+          <dgm:constr type="l" for="ch" forName="circ2Tx" refType="w" fact="0.6"/>
+          <dgm:constr type="t" for="ch" forName="circ2Tx" refType="h" fact="0.48"/>
+          <dgm:constr type="w" for="ch" forName="circ2Tx" refType="w" fact="0.36"/>
+          <dgm:constr type="h" for="ch" forName="circ2Tx" refType="h" fact="0.33"/>
+          <dgm:constr type="ctrX" for="ch" forName="circ3" refType="w" fact="0.2835"/>
+          <dgm:constr type="ctrY" for="ch" forName="circ3" refType="w" fact="0.625"/>
+          <dgm:constr type="w" for="ch" forName="circ3" refType="w" fact="0.6"/>
+          <dgm:constr type="h" for="ch" forName="circ3" refType="h" fact="0.6"/>
+          <dgm:constr type="l" for="ch" forName="circ3Tx" refType="w" fact="0.04"/>
+          <dgm:constr type="t" for="ch" forName="circ3Tx" refType="h" fact="0.48"/>
+          <dgm:constr type="w" for="ch" forName="circ3Tx" refType="w" fact="0.36"/>
+          <dgm:constr type="h" for="ch" forName="circ3Tx" refType="h" fact="0.33"/>
+          <dgm:constr type="primFontSz" for="ch" ptType="node" op="equ"/>
+        </dgm:constrLst>
+      </dgm:if>
+      <dgm:if name="Name13" axis="ch" ptType="node" func="cnt" op="equ" val="4">
+        <dgm:constrLst>
+          <dgm:constr type="ctrX" for="ch" forName="circ1" refType="w" fact="0.5"/>
+          <dgm:constr type="ctrY" for="ch" forName="circ1" refType="w" fact="0.27"/>
+          <dgm:constr type="w" for="ch" forName="circ1" refType="w" fact="0.52"/>
+          <dgm:constr type="h" for="ch" forName="circ1" refType="h" fact="0.52"/>
+          <dgm:constr type="l" for="ch" forName="circ1Tx" refType="w" fact="0.3"/>
+          <dgm:constr type="t" for="ch" forName="circ1Tx" refType="h" fact="0.08"/>
+          <dgm:constr type="w" for="ch" forName="circ1Tx" refType="w" fact="0.4"/>
+          <dgm:constr type="h" for="ch" forName="circ1Tx" refType="h" fact="0.165"/>
+          <dgm:constr type="ctrX" for="ch" forName="circ2" refType="w" fact="0.73"/>
+          <dgm:constr type="ctrY" for="ch" forName="circ2" refType="w" fact="0.5"/>
+          <dgm:constr type="w" for="ch" forName="circ2" refType="w" fact="0.52"/>
+          <dgm:constr type="h" for="ch" forName="circ2" refType="h" fact="0.52"/>
+          <dgm:constr type="r" for="ch" forName="circ2Tx" refType="w" fact="0.95"/>
+          <dgm:constr type="t" for="ch" forName="circ2Tx" refType="h" fact="0.3"/>
+          <dgm:constr type="w" for="ch" forName="circ2Tx" refType="w" fact="0.2"/>
+          <dgm:constr type="h" for="ch" forName="circ2Tx" refType="h" fact="0.4"/>
+          <dgm:constr type="ctrX" for="ch" forName="circ3" refType="w" fact="0.5"/>
+          <dgm:constr type="ctrY" for="ch" forName="circ3" refType="w" fact="0.73"/>
+          <dgm:constr type="w" for="ch" forName="circ3" refType="w" fact="0.52"/>
+          <dgm:constr type="h" for="ch" forName="circ3" refType="h" fact="0.52"/>
+          <dgm:constr type="l" for="ch" forName="circ3Tx" refType="w" fact="0.3"/>
+          <dgm:constr type="b" for="ch" forName="circ3Tx" refType="h" fact="0.92"/>
+          <dgm:constr type="w" for="ch" forName="circ3Tx" refType="w" fact="0.4"/>
+          <dgm:constr type="h" for="ch" forName="circ3Tx" refType="h" fact="0.165"/>
+          <dgm:constr type="ctrX" for="ch" forName="circ4" refType="w" fact="0.27"/>
+          <dgm:constr type="ctrY" for="ch" forName="circ4" refType="h" fact="0.5"/>
+          <dgm:constr type="w" for="ch" forName="circ4" refType="w" fact="0.52"/>
+          <dgm:constr type="h" for="ch" forName="circ4" refType="h" fact="0.52"/>
+          <dgm:constr type="l" for="ch" forName="circ4Tx" refType="w" fact="0.05"/>
+          <dgm:constr type="t" for="ch" forName="circ4Tx" refType="h" fact="0.3"/>
+          <dgm:constr type="w" for="ch" forName="circ4Tx" refType="w" fact="0.2"/>
+          <dgm:constr type="h" for="ch" forName="circ4Tx" refType="h" fact="0.4"/>
+          <dgm:constr type="primFontSz" for="ch" ptType="node" op="equ"/>
+        </dgm:constrLst>
+      </dgm:if>
+      <dgm:if name="Name14" axis="ch" ptType="node" func="cnt" op="equ" val="5">
+        <dgm:constrLst>
+          <dgm:constr type="ctrX" for="ch" forName="circ1" refType="w" fact="0.5"/>
+          <dgm:constr type="ctrY" for="ch" forName="circ1" refType="h" fact="0.46"/>
+          <dgm:constr type="w" for="ch" forName="circ1" refType="w" fact="0.25"/>
+          <dgm:constr type="h" for="ch" forName="circ1" refType="h" fact="0.35"/>
+          <dgm:constr type="l" for="ch" forName="circ1Tx" refType="w" fact="0.355"/>
+          <dgm:constr type="t" for="ch" forName="circ1Tx"/>
+          <dgm:constr type="w" for="ch" forName="circ1Tx" refType="w" fact="0.29"/>
+          <dgm:constr type="h" for="ch" forName="circ1Tx" refType="h" fact="0.235"/>
+          <dgm:constr type="ctrX" for="ch" forName="circ2" refType="w" fact="0.5951"/>
+          <dgm:constr type="ctrY" for="ch" forName="circ2" refType="h" fact="0.5567"/>
+          <dgm:constr type="w" for="ch" forName="circ2" refType="w" fact="0.25"/>
+          <dgm:constr type="h" for="ch" forName="circ2" refType="h" fact="0.35"/>
+          <dgm:constr type="l" for="ch" forName="circ2Tx" refType="w" fact="0.74"/>
+          <dgm:constr type="t" for="ch" forName="circ2Tx" refType="h" fact="0.31"/>
+          <dgm:constr type="w" for="ch" forName="circ2Tx" refType="w" fact="0.26"/>
+          <dgm:constr type="h" for="ch" forName="circ2Tx" refType="h" fact="0.255"/>
+          <dgm:constr type="ctrX" for="ch" forName="circ3" refType="w" fact="0.5588"/>
+          <dgm:constr type="ctrY" for="ch" forName="circ3" refType="h" fact="0.7133"/>
+          <dgm:constr type="w" for="ch" forName="circ3" refType="w" fact="0.25"/>
+          <dgm:constr type="h" for="ch" forName="circ3" refType="h" fact="0.35"/>
+          <dgm:constr type="l" for="ch" forName="circ3Tx" refType="w" fact="0.7"/>
+          <dgm:constr type="t" for="ch" forName="circ3Tx" refType="h" fact="0.745"/>
+          <dgm:constr type="w" for="ch" forName="circ3Tx" refType="w" fact="0.26"/>
+          <dgm:constr type="h" for="ch" forName="circ3Tx" refType="h" fact="0.255"/>
+          <dgm:constr type="ctrX" for="ch" forName="circ4" refType="w" fact="0.4412"/>
+          <dgm:constr type="ctrY" for="ch" forName="circ4" refType="h" fact="0.7133"/>
+          <dgm:constr type="w" for="ch" forName="circ4" refType="w" fact="0.25"/>
+          <dgm:constr type="h" for="ch" forName="circ4" refType="h" fact="0.35"/>
+          <dgm:constr type="l" for="ch" forName="circ4Tx" refType="w" fact="0.04"/>
+          <dgm:constr type="t" for="ch" forName="circ4Tx" refType="h" fact="0.745"/>
+          <dgm:constr type="w" for="ch" forName="circ4Tx" refType="w" fact="0.26"/>
+          <dgm:constr type="h" for="ch" forName="circ4Tx" refType="h" fact="0.255"/>
+          <dgm:constr type="ctrX" for="ch" forName="circ5" refType="w" fact="0.4049"/>
+          <dgm:constr type="ctrY" for="ch" forName="circ5" refType="h" fact="0.5567"/>
+          <dgm:constr type="w" for="ch" forName="circ5" refType="w" fact="0.25"/>
+          <dgm:constr type="h" for="ch" forName="circ5" refType="h" fact="0.35"/>
+          <dgm:constr type="l" for="ch" forName="circ5Tx"/>
+          <dgm:constr type="t" for="ch" forName="circ5Tx" refType="h" fact="0.31"/>
+          <dgm:constr type="w" for="ch" forName="circ5Tx" refType="w" fact="0.26"/>
+          <dgm:constr type="h" for="ch" forName="circ5Tx" refType="h" fact="0.255"/>
+          <dgm:constr type="primFontSz" for="ch" ptType="node" op="equ"/>
+        </dgm:constrLst>
+      </dgm:if>
+      <dgm:if name="Name15" axis="ch" ptType="node" func="cnt" op="equ" val="6">
+        <dgm:constrLst>
+          <dgm:constr type="ctrX" for="ch" forName="circ1" refType="w" fact="0.5"/>
+          <dgm:constr type="ctrY" for="ch" forName="circ1" refType="h" fact="0.3844"/>
+          <dgm:constr type="w" for="ch" forName="circ1" refType="w" fact="0.24"/>
+          <dgm:constr type="h" for="ch" forName="circ1" refType="h" fact="0.3084"/>
+          <dgm:constr type="l" for="ch" forName="circ1Tx" refType="w" fact="0.35"/>
+          <dgm:constr type="t" for="ch" forName="circ1Tx"/>
+          <dgm:constr type="w" for="ch" forName="circ1Tx" refType="w" fact="0.3"/>
+          <dgm:constr type="h" for="ch" forName="circ1Tx" refType="h" fact="0.21"/>
+          <dgm:constr type="ctrX" for="ch" forName="circ2" refType="w" fact="0.5779"/>
+          <dgm:constr type="ctrY" for="ch" forName="circ2" refType="h" fact="0.4422"/>
+          <dgm:constr type="w" for="ch" forName="circ2" refType="w" fact="0.24"/>
+          <dgm:constr type="h" for="ch" forName="circ2" refType="h" fact="0.3084"/>
+          <dgm:constr type="l" for="ch" forName="circ2Tx" refType="w" fact="0.7157"/>
+          <dgm:constr type="t" for="ch" forName="circ2Tx" refType="h" fact="0.2"/>
+          <dgm:constr type="w" for="ch" forName="circ2Tx" refType="w" fact="0.2843"/>
+          <dgm:constr type="h" for="ch" forName="circ2Tx" refType="h" fact="0.23"/>
+          <dgm:constr type="ctrX" for="ch" forName="circ3" refType="w" fact="0.5779"/>
+          <dgm:constr type="ctrY" for="ch" forName="circ3" refType="h" fact="0.5578"/>
+          <dgm:constr type="w" for="ch" forName="circ3" refType="w" fact="0.24"/>
+          <dgm:constr type="h" for="ch" forName="circ3" refType="h" fact="0.3084"/>
+          <dgm:constr type="l" for="ch" forName="circ3Tx" refType="w" fact="0.7157"/>
+          <dgm:constr type="t" for="ch" forName="circ3Tx" refType="h" fact="0.543"/>
+          <dgm:constr type="w" for="ch" forName="circ3Tx" refType="w" fact="0.2843"/>
+          <dgm:constr type="h" for="ch" forName="circ3Tx" refType="h" fact="0.257"/>
+          <dgm:constr type="ctrX" for="ch" forName="circ4" refType="w" fact="0.5"/>
+          <dgm:constr type="ctrY" for="ch" forName="circ4" refType="h" fact="0.6157"/>
+          <dgm:constr type="w" for="ch" forName="circ4" refType="w" fact="0.24"/>
+          <dgm:constr type="h" for="ch" forName="circ4" refType="h" fact="0.3084"/>
+          <dgm:constr type="l" for="ch" forName="circ4Tx" refType="w" fact="0.35"/>
+          <dgm:constr type="t" for="ch" forName="circ4Tx" refType="h" fact="0.79"/>
+          <dgm:constr type="w" for="ch" forName="circ4Tx" refType="w" fact="0.3"/>
+          <dgm:constr type="h" for="ch" forName="circ4Tx" refType="h" fact="0.21"/>
+          <dgm:constr type="ctrX" for="ch" forName="circ5" refType="w" fact="0.4221"/>
+          <dgm:constr type="ctrY" for="ch" forName="circ5" refType="h" fact="0.5578"/>
+          <dgm:constr type="w" for="ch" forName="circ5" refType="w" fact="0.24"/>
+          <dgm:constr type="h" for="ch" forName="circ5" refType="h" fact="0.3084"/>
+          <dgm:constr type="l" for="ch" forName="circ5Tx" refType="w" fact="0"/>
+          <dgm:constr type="t" for="ch" forName="circ5Tx" refType="h" fact="0.543"/>
+          <dgm:constr type="w" for="ch" forName="circ5Tx" refType="w" fact="0.2843"/>
+          <dgm:constr type="h" for="ch" forName="circ5Tx" refType="h" fact="0.257"/>
+          <dgm:constr type="ctrX" for="ch" forName="circ6" refType="w" fact="0.4221"/>
+          <dgm:constr type="ctrY" for="ch" forName="circ6" refType="h" fact="0.4422"/>
+          <dgm:constr type="w" for="ch" forName="circ6" refType="w" fact="0.24"/>
+          <dgm:constr type="h" for="ch" forName="circ6" refType="h" fact="0.3084"/>
+          <dgm:constr type="l" for="ch" forName="circ6Tx" refType="w" fact="0"/>
+          <dgm:constr type="t" for="ch" forName="circ6Tx" refType="h" fact="0.2"/>
+          <dgm:constr type="w" for="ch" forName="circ6Tx" refType="w" fact="0.2843"/>
+          <dgm:constr type="h" for="ch" forName="circ6Tx" refType="h" fact="0.257"/>
+          <dgm:constr type="primFontSz" for="ch" ptType="node" op="equ"/>
+        </dgm:constrLst>
+      </dgm:if>
+      <dgm:else name="Name16">
+        <dgm:constrLst>
+          <dgm:constr type="ctrX" for="ch" forName="circ1" refType="w" fact="0.5"/>
+          <dgm:constr type="ctrY" for="ch" forName="circ1" refType="h" fact="0.4177"/>
+          <dgm:constr type="w" for="ch" forName="circ1" refType="w" fact="0.24"/>
+          <dgm:constr type="h" for="ch" forName="circ1" refType="h" fact="0.3262"/>
+          <dgm:constr type="l" for="ch" forName="circ1Tx" refType="w" fact="0.3625"/>
+          <dgm:constr type="t" for="ch" forName="circ1Tx"/>
+          <dgm:constr type="w" for="ch" forName="circ1Tx" refType="w" fact="0.275"/>
+          <dgm:constr type="h" for="ch" forName="circ1Tx" refType="h" fact="0.2"/>
+          <dgm:constr type="ctrX" for="ch" forName="circ2" refType="w" fact="0.5704"/>
+          <dgm:constr type="ctrY" for="ch" forName="circ2" refType="h" fact="0.4637"/>
+          <dgm:constr type="w" for="ch" forName="circ2" refType="w" fact="0.24"/>
+          <dgm:constr type="h" for="ch" forName="circ2" refType="h" fact="0.3262"/>
+          <dgm:constr type="l" for="ch" forName="circ2Tx" refType="w" fact="0.72"/>
+          <dgm:constr type="t" for="ch" forName="circ2Tx" refType="h" fact="0.19"/>
+          <dgm:constr type="w" for="ch" forName="circ2Tx" refType="w" fact="0.26"/>
+          <dgm:constr type="h" for="ch" forName="circ2Tx" refType="h" fact="0.22"/>
+          <dgm:constr type="ctrX" for="ch" forName="circ3" refType="w" fact="0.5877"/>
+          <dgm:constr type="ctrY" for="ch" forName="circ3" refType="h" fact="0.5672"/>
+          <dgm:constr type="w" for="ch" forName="circ3" refType="w" fact="0.24"/>
+          <dgm:constr type="h" for="ch" forName="circ3" refType="h" fact="0.3262"/>
+          <dgm:constr type="l" for="ch" forName="circ3Tx" refType="w" fact="0.745"/>
+          <dgm:constr type="t" for="ch" forName="circ3Tx" refType="h" fact="0.47"/>
+          <dgm:constr type="w" for="ch" forName="circ3Tx" refType="w" fact="0.255"/>
+          <dgm:constr type="h" for="ch" forName="circ3Tx" refType="h" fact="0.235"/>
+          <dgm:constr type="ctrX" for="ch" forName="circ4" refType="w" fact="0.539"/>
+          <dgm:constr type="ctrY" for="ch" forName="circ4" refType="h" fact="0.6502"/>
+          <dgm:constr type="w" for="ch" forName="circ4" refType="w" fact="0.24"/>
+          <dgm:constr type="h" for="ch" forName="circ4" refType="h" fact="0.3262"/>
+          <dgm:constr type="l" for="ch" forName="circ4Tx" refType="w" fact="0.635"/>
+          <dgm:constr type="t" for="ch" forName="circ4Tx" refType="h" fact="0.785"/>
+          <dgm:constr type="w" for="ch" forName="circ4Tx" refType="w" fact="0.275"/>
+          <dgm:constr type="h" for="ch" forName="circ4Tx" refType="h" fact="0.215"/>
+          <dgm:constr type="ctrX" for="ch" forName="circ5" refType="w" fact="0.461"/>
+          <dgm:constr type="ctrY" for="ch" forName="circ5" refType="h" fact="0.6502"/>
+          <dgm:constr type="w" for="ch" forName="circ5" refType="w" fact="0.24"/>
+          <dgm:constr type="h" for="ch" forName="circ5" refType="h" fact="0.3262"/>
+          <dgm:constr type="l" for="ch" forName="circ5Tx" refType="w" fact="0.09"/>
+          <dgm:constr type="t" for="ch" forName="circ5Tx" refType="h" fact="0.785"/>
+          <dgm:constr type="w" for="ch" forName="circ5Tx" refType="w" fact="0.275"/>
+          <dgm:constr type="h" for="ch" forName="circ5Tx" refType="h" fact="0.215"/>
+          <dgm:constr type="ctrX" for="ch" forName="circ6" refType="w" fact="0.4123"/>
+          <dgm:constr type="ctrY" for="ch" forName="circ6" refType="h" fact="0.5672"/>
+          <dgm:constr type="w" for="ch" forName="circ6" refType="w" fact="0.24"/>
+          <dgm:constr type="h" for="ch" forName="circ6" refType="h" fact="0.3262"/>
+          <dgm:constr type="l" for="ch" forName="circ6Tx"/>
+          <dgm:constr type="t" for="ch" forName="circ6Tx" refType="h" fact="0.47"/>
+          <dgm:constr type="w" for="ch" forName="circ6Tx" refType="w" fact="0.255"/>
+          <dgm:constr type="h" for="ch" forName="circ6Tx" refType="h" fact="0.235"/>
+          <dgm:constr type="ctrX" for="ch" forName="circ7" refType="w" fact="0.4296"/>
+          <dgm:constr type="ctrY" for="ch" forName="circ7" refType="h" fact="0.4637"/>
+          <dgm:constr type="w" for="ch" forName="circ7" refType="w" fact="0.24"/>
+          <dgm:constr type="h" for="ch" forName="circ7" refType="h" fact="0.3262"/>
+          <dgm:constr type="l" for="ch" forName="circ7Tx" refType="w" fact="0.02"/>
+          <dgm:constr type="t" for="ch" forName="circ7Tx" refType="h" fact="0.19"/>
+          <dgm:constr type="w" for="ch" forName="circ7Tx" refType="w" fact="0.26"/>
+          <dgm:constr type="h" for="ch" forName="circ7Tx" refType="h" fact="0.22"/>
+          <dgm:constr type="primFontSz" for="ch" ptType="node" op="equ"/>
+        </dgm:constrLst>
+      </dgm:else>
+    </dgm:choose>
+    <dgm:ruleLst/>
+    <dgm:forEach name="Name17" axis="ch" ptType="node" cnt="1">
+      <dgm:choose name="Name18">
+        <dgm:if name="Name19" axis="root ch" ptType="all node" func="cnt" op="equ" val="1">
+          <dgm:layoutNode name="circ1TxSh" styleLbl="vennNode1">
+            <dgm:alg type="tx">
+              <dgm:param type="txAnchorHorzCh" val="ctr"/>
+              <dgm:param type="txAnchorVertCh" val="mid"/>
+            </dgm:alg>
+            <dgm:shape xmlns:r="http://schemas.openxmlformats.org/officeDocument/2006/relationships" type="ellipse" r:blip="">
+              <dgm:adjLst/>
+            </dgm:shape>
+            <dgm:choose name="Name20">
+              <dgm:if name="Name21" func="var" arg="dir" op="equ" val="norm">
+                <dgm:choose name="Name22">
+                  <dgm:if name="Name23" axis="root ch" ptType="all node" func="cnt" op="lte" val="4">
+                    <dgm:presOf axis="desOrSelf" ptType="node"/>
+                  </dgm:if>
+                  <dgm:else name="Name24">
+                    <dgm:presOf/>
+                  </dgm:else>
+                </dgm:choose>
+              </dgm:if>
+              <dgm:else name="Name25">
+                <dgm:choose name="Name26">
+                  <dgm:if name="Name27" axis="root ch" ptType="all node" func="cnt" op="equ" val="2">
+                    <dgm:presOf axis="root ch desOrSelf" ptType="all node node" st="1 2 1" cnt="1 1 0"/>
+                  </dgm:if>
+                  <dgm:else name="Name28">
+                    <dgm:presOf axis="desOrSelf" ptType="node"/>
+                  </dgm:else>
+                </dgm:choose>
+              </dgm:else>
+            </dgm:choose>
+            <dgm:constrLst>
+              <dgm:constr type="tMarg"/>
+              <dgm:constr type="bMarg"/>
+              <dgm:constr type="lMarg"/>
+              <dgm:constr type="rMarg"/>
+              <dgm:constr type="primFontSz" val="65"/>
+            </dgm:constrLst>
+            <dgm:ruleLst>
+              <dgm:rule type="primFontSz" val="5" fact="NaN" max="NaN"/>
+            </dgm:ruleLst>
+          </dgm:layoutNode>
+        </dgm:if>
+        <dgm:else name="Name29">
+          <dgm:layoutNode name="circ1" styleLbl="vennNode1">
+            <dgm:alg type="sp"/>
+            <dgm:shape xmlns:r="http://schemas.openxmlformats.org/officeDocument/2006/relationships" type="ellipse" r:blip="">
+              <dgm:adjLst/>
+            </dgm:shape>
+            <dgm:choose name="Name30">
+              <dgm:if name="Name31" func="var" arg="dir" op="equ" val="norm">
+                <dgm:choose name="Name32">
+                  <dgm:if name="Name33" axis="root ch" ptType="all node" func="cnt" op="lte" val="4">
+                    <dgm:presOf axis="desOrSelf" ptType="node"/>
+                  </dgm:if>
+                  <dgm:else name="Name34">
+                    <dgm:presOf/>
+                  </dgm:else>
+                </dgm:choose>
+              </dgm:if>
+              <dgm:else name="Name35">
+                <dgm:choose name="Name36">
+                  <dgm:if name="Name37" axis="root ch" ptType="all node" func="cnt" op="equ" val="2">
+                    <dgm:presOf axis="root ch desOrSelf" ptType="all node node" st="1 2 1" cnt="1 1 0"/>
+                  </dgm:if>
+                  <dgm:else name="Name38">
+                    <dgm:choose name="Name39">
+                      <dgm:if name="Name40" axis="root ch" ptType="all node" func="cnt" op="lte" val="4">
+                        <dgm:presOf axis="desOrSelf" ptType="node"/>
+                      </dgm:if>
+                      <dgm:else name="Name41">
+                        <dgm:presOf/>
+                      </dgm:else>
+                    </dgm:choose>
+                  </dgm:else>
+                </dgm:choose>
+              </dgm:else>
+            </dgm:choose>
+            <dgm:constrLst/>
+            <dgm:ruleLst/>
+          </dgm:layoutNode>
+          <dgm:layoutNode name="circ1Tx" styleLbl="revTx">
+            <dgm:varLst>
+              <dgm:chMax val="0"/>
+              <dgm:chPref val="0"/>
+              <dgm:bulletEnabled val="1"/>
+            </dgm:varLst>
+            <dgm:alg type="tx">
+              <dgm:param type="txAnchorHorzCh" val="ctr"/>
+              <dgm:param type="txAnchorVertCh" val="mid"/>
+            </dgm:alg>
+            <dgm:shape xmlns:r="http://schemas.openxmlformats.org/officeDocument/2006/relationships" type="rect" r:blip="" hideGeom="1">
+              <dgm:adjLst/>
+            </dgm:shape>
+            <dgm:choose name="Name42">
+              <dgm:if name="Name43" func="var" arg="dir" op="equ" val="norm">
+                <dgm:presOf axis="desOrSelf" ptType="node"/>
+              </dgm:if>
+              <dgm:else name="Name44">
+                <dgm:choose name="Name45">
+                  <dgm:if name="Name46" axis="root ch" ptType="all node" func="cnt" op="equ" val="2">
+                    <dgm:presOf axis="root ch desOrSelf" ptType="all node node" st="1 2 1" cnt="1 1 0"/>
+                  </dgm:if>
+                  <dgm:else name="Name47">
+                    <dgm:presOf axis="desOrSelf" ptType="node"/>
+                  </dgm:else>
+                </dgm:choose>
+              </dgm:else>
+            </dgm:choose>
+            <dgm:constrLst>
+              <dgm:constr type="tMarg"/>
+              <dgm:constr type="bMarg"/>
+              <dgm:constr type="lMarg"/>
+              <dgm:constr type="rMarg"/>
+              <dgm:constr type="primFontSz" val="65"/>
+            </dgm:constrLst>
+            <dgm:ruleLst>
+              <dgm:rule type="primFontSz" val="5" fact="NaN" max="NaN"/>
+            </dgm:ruleLst>
+          </dgm:layoutNode>
+        </dgm:else>
+      </dgm:choose>
+    </dgm:forEach>
+    <dgm:forEach name="Name48" axis="ch" ptType="node" st="2" cnt="1">
+      <dgm:layoutNode name="circ2" styleLbl="vennNode1">
+        <dgm:alg type="sp"/>
+        <dgm:shape xmlns:r="http://schemas.openxmlformats.org/officeDocument/2006/relationships" type="ellipse" r:blip="">
+          <dgm:adjLst/>
+        </dgm:shape>
+        <dgm:choose name="Name49">
+          <dgm:if name="Name50" func="var" arg="dir" op="equ" val="norm">
+            <dgm:choose name="Name51">
+              <dgm:if name="Name52" axis="root ch" ptType="all node" func="cnt" op="lte" val="4">
+                <dgm:presOf axis="desOrSelf" ptType="node"/>
+              </dgm:if>
+              <dgm:else name="Name53">
+                <dgm:presOf/>
+              </dgm:else>
+            </dgm:choose>
+          </dgm:if>
+          <dgm:else name="Name54">
+            <dgm:choose name="Name55">
+              <dgm:if name="Name56" axis="root ch" ptType="all node" func="cnt" op="equ" val="2">
+                <dgm:presOf axis="root ch desOrSelf" ptType="all node node" st="1 1 1" cnt="1 1 0"/>
+              </dgm:if>
+              <dgm:if name="Name57" axis="root ch" ptType="all node" func="cnt" op="equ" val="3">
+                <dgm:presOf axis="root ch desOrSelf" ptType="all node node" st="1 3 1" cnt="1 1 0"/>
+              </dgm:if>
+              <dgm:if name="Name58" axis="root ch" ptType="all node" func="cnt" op="equ" val="4">
+                <dgm:presOf axis="root ch desOrSelf" ptType="all node node" st="1 4 1" cnt="1 1 0"/>
+              </dgm:if>
+              <dgm:else name="Name59">
+                <dgm:presOf/>
+              </dgm:else>
+            </dgm:choose>
+          </dgm:else>
+        </dgm:choose>
+        <dgm:constrLst/>
+        <dgm:ruleLst/>
+      </dgm:layoutNode>
+      <dgm:layoutNode name="circ2Tx" styleLbl="revTx">
+        <dgm:varLst>
+          <dgm:chMax val="0"/>
+          <dgm:chPref val="0"/>
+          <dgm:bulletEnabled val="1"/>
+        </dgm:varLst>
+        <dgm:alg type="tx">
+          <dgm:param type="txAnchorHorzCh" val="ctr"/>
+          <dgm:param type="txAnchorVertCh" val="mid"/>
+        </dgm:alg>
+        <dgm:shape xmlns:r="http://schemas.openxmlformats.org/officeDocument/2006/relationships" type="rect" r:blip="" hideGeom="1">
+          <dgm:adjLst/>
+        </dgm:shape>
+        <dgm:choose name="Name60">
+          <dgm:if name="Name61" func="var" arg="dir" op="equ" val="norm">
+            <dgm:presOf axis="desOrSelf" ptType="node"/>
+          </dgm:if>
+          <dgm:else name="Name62">
+            <dgm:choose name="Name63">
+              <dgm:if name="Name64" axis="root ch" ptType="all node" func="cnt" op="equ" val="2">
+                <dgm:presOf axis="root ch desOrSelf" ptType="all node node" st="1 1 1" cnt="1 1 0"/>
+              </dgm:if>
+              <dgm:if name="Name65" axis="root ch" ptType="all node" func="cnt" op="equ" val="3">
+                <dgm:presOf axis="root ch desOrSelf" ptType="all node node" st="1 3 1" cnt="1 1 0"/>
+              </dgm:if>
+              <dgm:if name="Name66" axis="root ch" ptType="all node" func="cnt" op="equ" val="4">
+                <dgm:presOf axis="root ch desOrSelf" ptType="all node node" st="1 4 1" cnt="1 1 0"/>
+              </dgm:if>
+              <dgm:if name="Name67" axis="root ch" ptType="all node" func="cnt" op="equ" val="5">
+                <dgm:presOf axis="root ch desOrSelf" ptType="all node node" st="1 5 1" cnt="1 1 0"/>
+              </dgm:if>
+              <dgm:if name="Name68" axis="root ch" ptType="all node" func="cnt" op="equ" val="6">
+                <dgm:presOf axis="root ch desOrSelf" ptType="all node node" st="1 6 1" cnt="1 1 0"/>
+              </dgm:if>
+              <dgm:else name="Name69">
+                <dgm:presOf axis="root ch desOrSelf" ptType="all node node" st="1 7 1" cnt="1 1 0"/>
+              </dgm:else>
+            </dgm:choose>
+          </dgm:else>
+        </dgm:choose>
+        <dgm:constrLst>
+          <dgm:constr type="tMarg"/>
+          <dgm:constr type="bMarg"/>
+          <dgm:constr type="lMarg"/>
+          <dgm:constr type="rMarg"/>
+          <dgm:constr type="primFontSz" val="65"/>
+        </dgm:constrLst>
+        <dgm:ruleLst>
+          <dgm:rule type="primFontSz" val="5" fact="NaN" max="NaN"/>
+        </dgm:ruleLst>
+      </dgm:layoutNode>
+    </dgm:forEach>
+    <dgm:forEach name="Name70" axis="ch" ptType="node" st="3" cnt="1">
+      <dgm:layoutNode name="circ3" styleLbl="vennNode1">
+        <dgm:alg type="sp"/>
+        <dgm:shape xmlns:r="http://schemas.openxmlformats.org/officeDocument/2006/relationships" type="ellipse" r:blip="">
+          <dgm:adjLst/>
+        </dgm:shape>
+        <dgm:choose name="Name71">
+          <dgm:if name="Name72" func="var" arg="dir" op="equ" val="norm">
+            <dgm:choose name="Name73">
+              <dgm:if name="Name74" axis="root ch" ptType="all node" func="cnt" op="lte" val="4">
+                <dgm:presOf axis="desOrSelf" ptType="node"/>
+              </dgm:if>
+              <dgm:else name="Name75">
+                <dgm:presOf/>
+              </dgm:else>
+            </dgm:choose>
+          </dgm:if>
+          <dgm:else name="Name76">
+            <dgm:choose name="Name77">
+              <dgm:if name="Name78" axis="root ch" ptType="all node" func="cnt" op="equ" val="3">
+                <dgm:presOf axis="root ch desOrSelf" ptType="all node node" st="1 2 1" cnt="1 1 0"/>
+              </dgm:if>
+              <dgm:if name="Name79" axis="root ch" ptType="all node" func="cnt" op="equ" val="4">
+                <dgm:presOf axis="root ch desOrSelf" ptType="all node node" st="1 3 1" cnt="1 1 0"/>
+              </dgm:if>
+              <dgm:else name="Name80">
+                <dgm:presOf/>
+              </dgm:else>
+            </dgm:choose>
+          </dgm:else>
+        </dgm:choose>
+        <dgm:constrLst/>
+        <dgm:ruleLst/>
+      </dgm:layoutNode>
+      <dgm:layoutNode name="circ3Tx" styleLbl="revTx">
+        <dgm:varLst>
+          <dgm:chMax val="0"/>
+          <dgm:chPref val="0"/>
+          <dgm:bulletEnabled val="1"/>
+        </dgm:varLst>
+        <dgm:alg type="tx">
+          <dgm:param type="txAnchorHorzCh" val="ctr"/>
+          <dgm:param type="txAnchorVertCh" val="mid"/>
+        </dgm:alg>
+        <dgm:shape xmlns:r="http://schemas.openxmlformats.org/officeDocument/2006/relationships" type="rect" r:blip="" hideGeom="1">
+          <dgm:adjLst/>
+        </dgm:shape>
+        <dgm:choose name="Name81">
+          <dgm:if name="Name82" func="var" arg="dir" op="equ" val="norm">
+            <dgm:presOf axis="desOrSelf" ptType="node"/>
+          </dgm:if>
+          <dgm:else name="Name83">
+            <dgm:choose name="Name84">
+              <dgm:if name="Name85" axis="root ch" ptType="all node" func="cnt" op="equ" val="3">
+                <dgm:presOf axis="root ch desOrSelf" ptType="all node node" st="1 2 1" cnt="1 1 0"/>
+              </dgm:if>
+              <dgm:if name="Name86" axis="root ch" ptType="all node" func="cnt" op="equ" val="4">
+                <dgm:presOf axis="root ch desOrSelf" ptType="all node node" st="1 3 1" cnt="1 1 0"/>
+              </dgm:if>
+              <dgm:if name="Name87" axis="root ch" ptType="all node" func="cnt" op="equ" val="5">
+                <dgm:presOf axis="root ch desOrSelf" ptType="all node node" st="1 4 1" cnt="1 1 0"/>
+              </dgm:if>
+              <dgm:if name="Name88" axis="root ch" ptType="all node" func="cnt" op="equ" val="6">
+                <dgm:presOf axis="root ch desOrSelf" ptType="all node node" st="1 5 1" cnt="1 1 0"/>
+              </dgm:if>
+              <dgm:else name="Name89">
+                <dgm:presOf axis="root ch desOrSelf" ptType="all node node" st="1 6 1" cnt="1 1 0"/>
+              </dgm:else>
+            </dgm:choose>
+          </dgm:else>
+        </dgm:choose>
+        <dgm:constrLst>
+          <dgm:constr type="tMarg"/>
+          <dgm:constr type="bMarg"/>
+          <dgm:constr type="lMarg"/>
+          <dgm:constr type="rMarg"/>
+          <dgm:constr type="primFontSz" val="65"/>
+        </dgm:constrLst>
+        <dgm:ruleLst>
+          <dgm:rule type="primFontSz" val="5" fact="NaN" max="NaN"/>
+        </dgm:ruleLst>
+      </dgm:layoutNode>
+    </dgm:forEach>
+    <dgm:forEach name="Name90" axis="ch" ptType="node" st="4" cnt="1">
+      <dgm:layoutNode name="circ4" styleLbl="vennNode1">
+        <dgm:alg type="sp"/>
+        <dgm:shape xmlns:r="http://schemas.openxmlformats.org/officeDocument/2006/relationships" type="ellipse" r:blip="">
+          <dgm:adjLst/>
+        </dgm:shape>
+        <dgm:choose name="Name91">
+          <dgm:if name="Name92" func="var" arg="dir" op="equ" val="norm">
+            <dgm:choose name="Name93">
+              <dgm:if name="Name94" axis="root ch" ptType="all node" func="cnt" op="lte" val="4">
+                <dgm:presOf axis="desOrSelf" ptType="node"/>
+              </dgm:if>
+              <dgm:else name="Name95">
+                <dgm:presOf/>
+              </dgm:else>
+            </dgm:choose>
+          </dgm:if>
+          <dgm:else name="Name96">
+            <dgm:choose name="Name97">
+              <dgm:if name="Name98" axis="root ch" ptType="all node" func="cnt" op="equ" val="4">
+                <dgm:presOf axis="root ch desOrSelf" ptType="all node node" st="1 2 1" cnt="1 1 0"/>
+              </dgm:if>
+              <dgm:else name="Name99">
+                <dgm:presOf/>
+              </dgm:else>
+            </dgm:choose>
+          </dgm:else>
+        </dgm:choose>
+        <dgm:constrLst/>
+        <dgm:ruleLst/>
+      </dgm:layoutNode>
+      <dgm:layoutNode name="circ4Tx" styleLbl="revTx">
+        <dgm:varLst>
+          <dgm:chMax val="0"/>
+          <dgm:chPref val="0"/>
+          <dgm:bulletEnabled val="1"/>
+        </dgm:varLst>
+        <dgm:alg type="tx">
+          <dgm:param type="txAnchorHorzCh" val="ctr"/>
+          <dgm:param type="txAnchorVertCh" val="mid"/>
+        </dgm:alg>
+        <dgm:shape xmlns:r="http://schemas.openxmlformats.org/officeDocument/2006/relationships" type="rect" r:blip="" hideGeom="1">
+          <dgm:adjLst/>
+        </dgm:shape>
+        <dgm:choose name="Name100">
+          <dgm:if name="Name101" func="var" arg="dir" op="equ" val="norm">
+            <dgm:presOf axis="desOrSelf" ptType="node"/>
+          </dgm:if>
+          <dgm:else name="Name102">
+            <dgm:choose name="Name103">
+              <dgm:if name="Name104" axis="root ch" ptType="all node" func="cnt" op="equ" val="4">
+                <dgm:presOf axis="root ch desOrSelf" ptType="all node node" st="1 2 1" cnt="1 1 0"/>
+              </dgm:if>
+              <dgm:if name="Name105" axis="root ch" ptType="all node" func="cnt" op="equ" val="5">
+                <dgm:presOf axis="root ch desOrSelf" ptType="all node node" st="1 3 1" cnt="1 1 0"/>
+              </dgm:if>
+              <dgm:if name="Name106" axis="root ch" ptType="all node" func="cnt" op="equ" val="6">
+                <dgm:presOf axis="root ch desOrSelf" ptType="all node node" st="1 4 1" cnt="1 1 0"/>
+              </dgm:if>
+              <dgm:else name="Name107">
+                <dgm:presOf axis="root ch desOrSelf" ptType="all node node" st="1 5 1" cnt="1 1 0"/>
+              </dgm:else>
+            </dgm:choose>
+          </dgm:else>
+        </dgm:choose>
+        <dgm:constrLst>
+          <dgm:constr type="tMarg"/>
+          <dgm:constr type="bMarg"/>
+          <dgm:constr type="lMarg"/>
+          <dgm:constr type="rMarg"/>
+          <dgm:constr type="primFontSz" val="65"/>
+        </dgm:constrLst>
+        <dgm:ruleLst>
+          <dgm:rule type="primFontSz" val="5" fact="NaN" max="NaN"/>
+        </dgm:ruleLst>
+      </dgm:layoutNode>
+    </dgm:forEach>
+    <dgm:forEach name="Name108" axis="ch" ptType="node" st="5" cnt="1">
+      <dgm:layoutNode name="circ5" styleLbl="vennNode1">
+        <dgm:alg type="sp"/>
+        <dgm:shape xmlns:r="http://schemas.openxmlformats.org/officeDocument/2006/relationships" type="ellipse" r:blip="">
+          <dgm:adjLst/>
+        </dgm:shape>
+        <dgm:presOf/>
+        <dgm:constrLst/>
+        <dgm:ruleLst/>
+      </dgm:layoutNode>
+      <dgm:layoutNode name="circ5Tx" styleLbl="revTx">
+        <dgm:varLst>
+          <dgm:chMax val="0"/>
+          <dgm:chPref val="0"/>
+          <dgm:bulletEnabled val="1"/>
+        </dgm:varLst>
+        <dgm:alg type="tx">
+          <dgm:param type="txAnchorHorzCh" val="ctr"/>
+          <dgm:param type="txAnchorVertCh" val="mid"/>
+        </dgm:alg>
+        <dgm:shape xmlns:r="http://schemas.openxmlformats.org/officeDocument/2006/relationships" type="rect" r:blip="" hideGeom="1">
+          <dgm:adjLst/>
+        </dgm:shape>
+        <dgm:choose name="Name109">
+          <dgm:if name="Name110" func="var" arg="dir" op="equ" val="norm">
+            <dgm:presOf axis="desOrSelf" ptType="node"/>
+          </dgm:if>
+          <dgm:else name="Name111">
+            <dgm:choose name="Name112">
+              <dgm:if name="Name113" axis="root ch" ptType="all node" func="cnt" op="equ" val="5">
+                <dgm:presOf axis="root ch desOrSelf" ptType="all node node" st="1 2 1" cnt="1 1 0"/>
+              </dgm:if>
+              <dgm:if name="Name114" axis="root ch" ptType="all node" func="cnt" op="equ" val="6">
+                <dgm:presOf axis="root ch desOrSelf" ptType="all node node" st="1 3 1" cnt="1 1 0"/>
+              </dgm:if>
+              <dgm:else name="Name115">
+                <dgm:presOf axis="root ch desOrSelf" ptType="all node node" st="1 4 1" cnt="1 1 0"/>
+              </dgm:else>
+            </dgm:choose>
+          </dgm:else>
+        </dgm:choose>
+        <dgm:constrLst>
+          <dgm:constr type="tMarg"/>
+          <dgm:constr type="bMarg"/>
+          <dgm:constr type="lMarg"/>
+          <dgm:constr type="rMarg"/>
+          <dgm:constr type="primFontSz" val="65"/>
+        </dgm:constrLst>
+        <dgm:ruleLst>
+          <dgm:rule type="primFontSz" val="5" fact="NaN" max="NaN"/>
+        </dgm:ruleLst>
+      </dgm:layoutNode>
+    </dgm:forEach>
+    <dgm:forEach name="Name116" axis="ch" ptType="node" st="6" cnt="1">
+      <dgm:layoutNode name="circ6" styleLbl="vennNode1">
+        <dgm:alg type="sp"/>
+        <dgm:shape xmlns:r="http://schemas.openxmlformats.org/officeDocument/2006/relationships" type="ellipse" r:blip="">
+          <dgm:adjLst/>
+        </dgm:shape>
+        <dgm:presOf/>
+        <dgm:constrLst/>
+        <dgm:ruleLst/>
+      </dgm:layoutNode>
+      <dgm:layoutNode name="circ6Tx" styleLbl="revTx">
+        <dgm:varLst>
+          <dgm:chMax val="0"/>
+          <dgm:chPref val="0"/>
+          <dgm:bulletEnabled val="1"/>
+        </dgm:varLst>
+        <dgm:alg type="tx">
+          <dgm:param type="txAnchorHorzCh" val="ctr"/>
+          <dgm:param type="txAnchorVertCh" val="mid"/>
+        </dgm:alg>
+        <dgm:shape xmlns:r="http://schemas.openxmlformats.org/officeDocument/2006/relationships" type="rect" r:blip="" hideGeom="1">
+          <dgm:adjLst/>
+        </dgm:shape>
+        <dgm:choose name="Name117">
+          <dgm:if name="Name118" func="var" arg="dir" op="equ" val="norm">
+            <dgm:presOf axis="desOrSelf" ptType="node"/>
+          </dgm:if>
+          <dgm:else name="Name119">
+            <dgm:choose name="Name120">
+              <dgm:if name="Name121" axis="root ch" ptType="all node" func="cnt" op="equ" val="6">
+                <dgm:presOf axis="root ch desOrSelf" ptType="all node node" st="1 2 1" cnt="1 1 0"/>
+              </dgm:if>
+              <dgm:else name="Name122">
+                <dgm:presOf axis="root ch desOrSelf" ptType="all node node" st="1 3 1" cnt="1 1 0"/>
+              </dgm:else>
+            </dgm:choose>
+          </dgm:else>
+        </dgm:choose>
+        <dgm:constrLst>
+          <dgm:constr type="tMarg"/>
+          <dgm:constr type="bMarg"/>
+          <dgm:constr type="lMarg"/>
+          <dgm:constr type="rMarg"/>
+          <dgm:constr type="primFontSz" val="65"/>
+        </dgm:constrLst>
+        <dgm:ruleLst>
+          <dgm:rule type="primFontSz" val="5" fact="NaN" max="NaN"/>
+        </dgm:ruleLst>
+      </dgm:layoutNode>
+    </dgm:forEach>
+    <dgm:forEach name="Name123" axis="ch" ptType="node" st="7" cnt="1">
+      <dgm:layoutNode name="circ7" styleLbl="vennNode1">
+        <dgm:alg type="sp"/>
+        <dgm:shape xmlns:r="http://schemas.openxmlformats.org/officeDocument/2006/relationships" type="ellipse" r:blip="">
+          <dgm:adjLst/>
+        </dgm:shape>
+        <dgm:presOf/>
+        <dgm:constrLst/>
+        <dgm:ruleLst/>
+      </dgm:layoutNode>
+      <dgm:layoutNode name="circ7Tx" styleLbl="revTx">
+        <dgm:varLst>
+          <dgm:chMax val="0"/>
+          <dgm:chPref val="0"/>
+          <dgm:bulletEnabled val="1"/>
+        </dgm:varLst>
+        <dgm:alg type="tx">
+          <dgm:param type="txAnchorHorzCh" val="ctr"/>
+          <dgm:param type="txAnchorVertCh" val="mid"/>
+        </dgm:alg>
+        <dgm:shape xmlns:r="http://schemas.openxmlformats.org/officeDocument/2006/relationships" type="rect" r:blip="" hideGeom="1">
+          <dgm:adjLst/>
+        </dgm:shape>
+        <dgm:choose name="Name124">
+          <dgm:if name="Name125" func="var" arg="dir" op="equ" val="norm">
+            <dgm:presOf axis="desOrSelf" ptType="node"/>
+          </dgm:if>
+          <dgm:else name="Name126">
+            <dgm:presOf axis="root ch desOrSelf" ptType="all node node" st="1 2 1" cnt="1 1 0"/>
+          </dgm:else>
+        </dgm:choose>
+        <dgm:constrLst>
+          <dgm:constr type="tMarg"/>
+          <dgm:constr type="bMarg"/>
+          <dgm:constr type="lMarg"/>
+          <dgm:constr type="rMarg"/>
+          <dgm:constr type="primFontSz" val="65"/>
+        </dgm:constrLst>
+        <dgm:ruleLst>
+          <dgm:rule type="primFontSz" val="5" fact="NaN" max="NaN"/>
+        </dgm:ruleLst>
+      </dgm:layoutNode>
+    </dgm:forEach>
+  </dgm:layoutNode>
+</dgm:layoutDef>
+</file>
+
+<file path=ppt/diagrams/layout2.xml><?xml version="1.0" encoding="utf-8"?>
 <dgm:layoutDef xmlns:dgm="http://schemas.openxmlformats.org/drawingml/2006/diagram" xmlns:a="http://schemas.openxmlformats.org/drawingml/2006/main" uniqueId="urn:microsoft.com/office/officeart/2005/8/layout/venn1">
   <dgm:title val=""/>
   <dgm:desc val=""/>
@@ -3289,6 +5419,1040 @@
 </dgm:styleDef>
 </file>
 
+<file path=ppt/diagrams/quickStyle2.xml><?xml version="1.0" encoding="utf-8"?>
+<dgm:styleDef xmlns:dgm="http://schemas.openxmlformats.org/drawingml/2006/diagram" xmlns:a="http://schemas.openxmlformats.org/drawingml/2006/main" uniqueId="urn:microsoft.com/office/officeart/2005/8/quickstyle/simple4">
+  <dgm:title val=""/>
+  <dgm:desc val=""/>
+  <dgm:catLst>
+    <dgm:cat type="simple" pri="10400"/>
+  </dgm:catLst>
+  <dgm:scene3d>
+    <a:camera prst="orthographicFront"/>
+    <a:lightRig rig="threePt" dir="t"/>
+  </dgm:scene3d>
+  <dgm:styleLbl name="node0">
+    <dgm:scene3d>
+      <a:camera prst="orthographicFront"/>
+      <a:lightRig rig="threePt" dir="t"/>
+    </dgm:scene3d>
+    <dgm:sp3d/>
+    <dgm:txPr/>
+    <dgm:style>
+      <a:lnRef idx="0">
+        <a:scrgbClr r="0" g="0" b="0"/>
+      </a:lnRef>
+      <a:fillRef idx="3">
+        <a:scrgbClr r="0" g="0" b="0"/>
+      </a:fillRef>
+      <a:effectRef idx="2">
+        <a:scrgbClr r="0" g="0" b="0"/>
+      </a:effectRef>
+      <a:fontRef idx="minor">
+        <a:schemeClr val="lt1"/>
+      </a:fontRef>
+    </dgm:style>
+  </dgm:styleLbl>
+  <dgm:styleLbl name="lnNode1">
+    <dgm:scene3d>
+      <a:camera prst="orthographicFront"/>
+      <a:lightRig rig="threePt" dir="t"/>
+    </dgm:scene3d>
+    <dgm:sp3d/>
+    <dgm:txPr/>
+    <dgm:style>
+      <a:lnRef idx="1">
+        <a:scrgbClr r="0" g="0" b="0"/>
+      </a:lnRef>
+      <a:fillRef idx="3">
+        <a:scrgbClr r="0" g="0" b="0"/>
+      </a:fillRef>
+      <a:effectRef idx="2">
+        <a:scrgbClr r="0" g="0" b="0"/>
+      </a:effectRef>
+      <a:fontRef idx="minor">
+        <a:schemeClr val="lt1"/>
+      </a:fontRef>
+    </dgm:style>
+  </dgm:styleLbl>
+  <dgm:styleLbl name="vennNode1">
+    <dgm:scene3d>
+      <a:camera prst="orthographicFront"/>
+      <a:lightRig rig="threePt" dir="t"/>
+    </dgm:scene3d>
+    <dgm:sp3d/>
+    <dgm:txPr/>
+    <dgm:style>
+      <a:lnRef idx="0">
+        <a:scrgbClr r="0" g="0" b="0"/>
+      </a:lnRef>
+      <a:fillRef idx="3">
+        <a:scrgbClr r="0" g="0" b="0"/>
+      </a:fillRef>
+      <a:effectRef idx="0">
+        <a:scrgbClr r="0" g="0" b="0"/>
+      </a:effectRef>
+      <a:fontRef idx="minor">
+        <a:schemeClr val="tx1"/>
+      </a:fontRef>
+    </dgm:style>
+  </dgm:styleLbl>
+  <dgm:styleLbl name="alignNode1">
+    <dgm:scene3d>
+      <a:camera prst="orthographicFront"/>
+      <a:lightRig rig="threePt" dir="t"/>
+    </dgm:scene3d>
+    <dgm:sp3d/>
+    <dgm:txPr/>
+    <dgm:style>
+      <a:lnRef idx="1">
+        <a:scrgbClr r="0" g="0" b="0"/>
+      </a:lnRef>
+      <a:fillRef idx="3">
+        <a:scrgbClr r="0" g="0" b="0"/>
+      </a:fillRef>
+      <a:effectRef idx="2">
+        <a:scrgbClr r="0" g="0" b="0"/>
+      </a:effectRef>
+      <a:fontRef idx="minor">
+        <a:schemeClr val="lt1"/>
+      </a:fontRef>
+    </dgm:style>
+  </dgm:styleLbl>
+  <dgm:styleLbl name="node1">
+    <dgm:scene3d>
+      <a:camera prst="orthographicFront"/>
+      <a:lightRig rig="threePt" dir="t"/>
+    </dgm:scene3d>
+    <dgm:sp3d/>
+    <dgm:txPr/>
+    <dgm:style>
+      <a:lnRef idx="0">
+        <a:scrgbClr r="0" g="0" b="0"/>
+      </a:lnRef>
+      <a:fillRef idx="3">
+        <a:scrgbClr r="0" g="0" b="0"/>
+      </a:fillRef>
+      <a:effectRef idx="2">
+        <a:scrgbClr r="0" g="0" b="0"/>
+      </a:effectRef>
+      <a:fontRef idx="minor">
+        <a:schemeClr val="lt1"/>
+      </a:fontRef>
+    </dgm:style>
+  </dgm:styleLbl>
+  <dgm:styleLbl name="node2">
+    <dgm:scene3d>
+      <a:camera prst="orthographicFront"/>
+      <a:lightRig rig="threePt" dir="t"/>
+    </dgm:scene3d>
+    <dgm:sp3d/>
+    <dgm:txPr/>
+    <dgm:style>
+      <a:lnRef idx="0">
+        <a:scrgbClr r="0" g="0" b="0"/>
+      </a:lnRef>
+      <a:fillRef idx="3">
+        <a:scrgbClr r="0" g="0" b="0"/>
+      </a:fillRef>
+      <a:effectRef idx="2">
+        <a:scrgbClr r="0" g="0" b="0"/>
+      </a:effectRef>
+      <a:fontRef idx="minor">
+        <a:schemeClr val="lt1"/>
+      </a:fontRef>
+    </dgm:style>
+  </dgm:styleLbl>
+  <dgm:styleLbl name="node3">
+    <dgm:scene3d>
+      <a:camera prst="orthographicFront"/>
+      <a:lightRig rig="threePt" dir="t"/>
+    </dgm:scene3d>
+    <dgm:sp3d/>
+    <dgm:txPr/>
+    <dgm:style>
+      <a:lnRef idx="0">
+        <a:scrgbClr r="0" g="0" b="0"/>
+      </a:lnRef>
+      <a:fillRef idx="3">
+        <a:scrgbClr r="0" g="0" b="0"/>
+      </a:fillRef>
+      <a:effectRef idx="2">
+        <a:scrgbClr r="0" g="0" b="0"/>
+      </a:effectRef>
+      <a:fontRef idx="minor">
+        <a:schemeClr val="lt1"/>
+      </a:fontRef>
+    </dgm:style>
+  </dgm:styleLbl>
+  <dgm:styleLbl name="node4">
+    <dgm:scene3d>
+      <a:camera prst="orthographicFront"/>
+      <a:lightRig rig="threePt" dir="t"/>
+    </dgm:scene3d>
+    <dgm:sp3d/>
+    <dgm:txPr/>
+    <dgm:style>
+      <a:lnRef idx="0">
+        <a:scrgbClr r="0" g="0" b="0"/>
+      </a:lnRef>
+      <a:fillRef idx="3">
+        <a:scrgbClr r="0" g="0" b="0"/>
+      </a:fillRef>
+      <a:effectRef idx="2">
+        <a:scrgbClr r="0" g="0" b="0"/>
+      </a:effectRef>
+      <a:fontRef idx="minor">
+        <a:schemeClr val="lt1"/>
+      </a:fontRef>
+    </dgm:style>
+  </dgm:styleLbl>
+  <dgm:styleLbl name="fgImgPlace1">
+    <dgm:scene3d>
+      <a:camera prst="orthographicFront"/>
+      <a:lightRig rig="threePt" dir="t"/>
+    </dgm:scene3d>
+    <dgm:sp3d/>
+    <dgm:txPr/>
+    <dgm:style>
+      <a:lnRef idx="0">
+        <a:scrgbClr r="0" g="0" b="0"/>
+      </a:lnRef>
+      <a:fillRef idx="1">
+        <a:scrgbClr r="0" g="0" b="0"/>
+      </a:fillRef>
+      <a:effectRef idx="2">
+        <a:scrgbClr r="0" g="0" b="0"/>
+      </a:effectRef>
+      <a:fontRef idx="minor"/>
+    </dgm:style>
+  </dgm:styleLbl>
+  <dgm:styleLbl name="alignImgPlace1">
+    <dgm:scene3d>
+      <a:camera prst="orthographicFront"/>
+      <a:lightRig rig="threePt" dir="t"/>
+    </dgm:scene3d>
+    <dgm:sp3d/>
+    <dgm:txPr/>
+    <dgm:style>
+      <a:lnRef idx="0">
+        <a:scrgbClr r="0" g="0" b="0"/>
+      </a:lnRef>
+      <a:fillRef idx="1">
+        <a:scrgbClr r="0" g="0" b="0"/>
+      </a:fillRef>
+      <a:effectRef idx="2">
+        <a:scrgbClr r="0" g="0" b="0"/>
+      </a:effectRef>
+      <a:fontRef idx="minor"/>
+    </dgm:style>
+  </dgm:styleLbl>
+  <dgm:styleLbl name="bgImgPlace1">
+    <dgm:scene3d>
+      <a:camera prst="orthographicFront"/>
+      <a:lightRig rig="threePt" dir="t"/>
+    </dgm:scene3d>
+    <dgm:sp3d/>
+    <dgm:txPr/>
+    <dgm:style>
+      <a:lnRef idx="0">
+        <a:scrgbClr r="0" g="0" b="0"/>
+      </a:lnRef>
+      <a:fillRef idx="1">
+        <a:scrgbClr r="0" g="0" b="0"/>
+      </a:fillRef>
+      <a:effectRef idx="2">
+        <a:scrgbClr r="0" g="0" b="0"/>
+      </a:effectRef>
+      <a:fontRef idx="minor"/>
+    </dgm:style>
+  </dgm:styleLbl>
+  <dgm:styleLbl name="sibTrans2D1">
+    <dgm:scene3d>
+      <a:camera prst="orthographicFront"/>
+      <a:lightRig rig="threePt" dir="t"/>
+    </dgm:scene3d>
+    <dgm:sp3d/>
+    <dgm:txPr/>
+    <dgm:style>
+      <a:lnRef idx="0">
+        <a:scrgbClr r="0" g="0" b="0"/>
+      </a:lnRef>
+      <a:fillRef idx="3">
+        <a:scrgbClr r="0" g="0" b="0"/>
+      </a:fillRef>
+      <a:effectRef idx="2">
+        <a:scrgbClr r="0" g="0" b="0"/>
+      </a:effectRef>
+      <a:fontRef idx="minor">
+        <a:schemeClr val="lt1"/>
+      </a:fontRef>
+    </dgm:style>
+  </dgm:styleLbl>
+  <dgm:styleLbl name="fgSibTrans2D1">
+    <dgm:scene3d>
+      <a:camera prst="orthographicFront"/>
+      <a:lightRig rig="threePt" dir="t"/>
+    </dgm:scene3d>
+    <dgm:sp3d/>
+    <dgm:txPr/>
+    <dgm:style>
+      <a:lnRef idx="0">
+        <a:scrgbClr r="0" g="0" b="0"/>
+      </a:lnRef>
+      <a:fillRef idx="3">
+        <a:scrgbClr r="0" g="0" b="0"/>
+      </a:fillRef>
+      <a:effectRef idx="2">
+        <a:scrgbClr r="0" g="0" b="0"/>
+      </a:effectRef>
+      <a:fontRef idx="minor">
+        <a:schemeClr val="lt1"/>
+      </a:fontRef>
+    </dgm:style>
+  </dgm:styleLbl>
+  <dgm:styleLbl name="bgSibTrans2D1">
+    <dgm:scene3d>
+      <a:camera prst="orthographicFront"/>
+      <a:lightRig rig="threePt" dir="t"/>
+    </dgm:scene3d>
+    <dgm:sp3d/>
+    <dgm:txPr/>
+    <dgm:style>
+      <a:lnRef idx="0">
+        <a:scrgbClr r="0" g="0" b="0"/>
+      </a:lnRef>
+      <a:fillRef idx="3">
+        <a:scrgbClr r="0" g="0" b="0"/>
+      </a:fillRef>
+      <a:effectRef idx="2">
+        <a:scrgbClr r="0" g="0" b="0"/>
+      </a:effectRef>
+      <a:fontRef idx="minor">
+        <a:schemeClr val="lt1"/>
+      </a:fontRef>
+    </dgm:style>
+  </dgm:styleLbl>
+  <dgm:styleLbl name="sibTrans1D1">
+    <dgm:scene3d>
+      <a:camera prst="orthographicFront"/>
+      <a:lightRig rig="threePt" dir="t"/>
+    </dgm:scene3d>
+    <dgm:sp3d/>
+    <dgm:txPr/>
+    <dgm:style>
+      <a:lnRef idx="1">
+        <a:scrgbClr r="0" g="0" b="0"/>
+      </a:lnRef>
+      <a:fillRef idx="0">
+        <a:scrgbClr r="0" g="0" b="0"/>
+      </a:fillRef>
+      <a:effectRef idx="0">
+        <a:scrgbClr r="0" g="0" b="0"/>
+      </a:effectRef>
+      <a:fontRef idx="minor"/>
+    </dgm:style>
+  </dgm:styleLbl>
+  <dgm:styleLbl name="callout">
+    <dgm:scene3d>
+      <a:camera prst="orthographicFront"/>
+      <a:lightRig rig="threePt" dir="t"/>
+    </dgm:scene3d>
+    <dgm:sp3d/>
+    <dgm:txPr/>
+    <dgm:style>
+      <a:lnRef idx="2">
+        <a:scrgbClr r="0" g="0" b="0"/>
+      </a:lnRef>
+      <a:fillRef idx="1">
+        <a:scrgbClr r="0" g="0" b="0"/>
+      </a:fillRef>
+      <a:effectRef idx="1">
+        <a:scrgbClr r="0" g="0" b="0"/>
+      </a:effectRef>
+      <a:fontRef idx="minor"/>
+    </dgm:style>
+  </dgm:styleLbl>
+  <dgm:styleLbl name="asst0">
+    <dgm:scene3d>
+      <a:camera prst="orthographicFront"/>
+      <a:lightRig rig="threePt" dir="t"/>
+    </dgm:scene3d>
+    <dgm:sp3d/>
+    <dgm:txPr/>
+    <dgm:style>
+      <a:lnRef idx="0">
+        <a:scrgbClr r="0" g="0" b="0"/>
+      </a:lnRef>
+      <a:fillRef idx="3">
+        <a:scrgbClr r="0" g="0" b="0"/>
+      </a:fillRef>
+      <a:effectRef idx="2">
+        <a:scrgbClr r="0" g="0" b="0"/>
+      </a:effectRef>
+      <a:fontRef idx="minor">
+        <a:schemeClr val="lt1"/>
+      </a:fontRef>
+    </dgm:style>
+  </dgm:styleLbl>
+  <dgm:styleLbl name="asst1">
+    <dgm:scene3d>
+      <a:camera prst="orthographicFront"/>
+      <a:lightRig rig="threePt" dir="t"/>
+    </dgm:scene3d>
+    <dgm:sp3d/>
+    <dgm:txPr/>
+    <dgm:style>
+      <a:lnRef idx="0">
+        <a:scrgbClr r="0" g="0" b="0"/>
+      </a:lnRef>
+      <a:fillRef idx="3">
+        <a:scrgbClr r="0" g="0" b="0"/>
+      </a:fillRef>
+      <a:effectRef idx="2">
+        <a:scrgbClr r="0" g="0" b="0"/>
+      </a:effectRef>
+      <a:fontRef idx="minor">
+        <a:schemeClr val="lt1"/>
+      </a:fontRef>
+    </dgm:style>
+  </dgm:styleLbl>
+  <dgm:styleLbl name="asst2">
+    <dgm:scene3d>
+      <a:camera prst="orthographicFront"/>
+      <a:lightRig rig="threePt" dir="t"/>
+    </dgm:scene3d>
+    <dgm:sp3d/>
+    <dgm:txPr/>
+    <dgm:style>
+      <a:lnRef idx="0">
+        <a:scrgbClr r="0" g="0" b="0"/>
+      </a:lnRef>
+      <a:fillRef idx="3">
+        <a:scrgbClr r="0" g="0" b="0"/>
+      </a:fillRef>
+      <a:effectRef idx="2">
+        <a:scrgbClr r="0" g="0" b="0"/>
+      </a:effectRef>
+      <a:fontRef idx="minor">
+        <a:schemeClr val="lt1"/>
+      </a:fontRef>
+    </dgm:style>
+  </dgm:styleLbl>
+  <dgm:styleLbl name="asst3">
+    <dgm:scene3d>
+      <a:camera prst="orthographicFront"/>
+      <a:lightRig rig="threePt" dir="t"/>
+    </dgm:scene3d>
+    <dgm:sp3d/>
+    <dgm:txPr/>
+    <dgm:style>
+      <a:lnRef idx="0">
+        <a:scrgbClr r="0" g="0" b="0"/>
+      </a:lnRef>
+      <a:fillRef idx="3">
+        <a:scrgbClr r="0" g="0" b="0"/>
+      </a:fillRef>
+      <a:effectRef idx="2">
+        <a:scrgbClr r="0" g="0" b="0"/>
+      </a:effectRef>
+      <a:fontRef idx="minor">
+        <a:schemeClr val="lt1"/>
+      </a:fontRef>
+    </dgm:style>
+  </dgm:styleLbl>
+  <dgm:styleLbl name="asst4">
+    <dgm:scene3d>
+      <a:camera prst="orthographicFront"/>
+      <a:lightRig rig="threePt" dir="t"/>
+    </dgm:scene3d>
+    <dgm:sp3d/>
+    <dgm:txPr/>
+    <dgm:style>
+      <a:lnRef idx="0">
+        <a:scrgbClr r="0" g="0" b="0"/>
+      </a:lnRef>
+      <a:fillRef idx="3">
+        <a:scrgbClr r="0" g="0" b="0"/>
+      </a:fillRef>
+      <a:effectRef idx="2">
+        <a:scrgbClr r="0" g="0" b="0"/>
+      </a:effectRef>
+      <a:fontRef idx="minor">
+        <a:schemeClr val="lt1"/>
+      </a:fontRef>
+    </dgm:style>
+  </dgm:styleLbl>
+  <dgm:styleLbl name="parChTrans2D1">
+    <dgm:scene3d>
+      <a:camera prst="orthographicFront"/>
+      <a:lightRig rig="threePt" dir="t"/>
+    </dgm:scene3d>
+    <dgm:sp3d/>
+    <dgm:txPr/>
+    <dgm:style>
+      <a:lnRef idx="0">
+        <a:scrgbClr r="0" g="0" b="0"/>
+      </a:lnRef>
+      <a:fillRef idx="3">
+        <a:scrgbClr r="0" g="0" b="0"/>
+      </a:fillRef>
+      <a:effectRef idx="2">
+        <a:scrgbClr r="0" g="0" b="0"/>
+      </a:effectRef>
+      <a:fontRef idx="minor">
+        <a:schemeClr val="lt1"/>
+      </a:fontRef>
+    </dgm:style>
+  </dgm:styleLbl>
+  <dgm:styleLbl name="parChTrans2D2">
+    <dgm:scene3d>
+      <a:camera prst="orthographicFront"/>
+      <a:lightRig rig="threePt" dir="t"/>
+    </dgm:scene3d>
+    <dgm:sp3d/>
+    <dgm:txPr/>
+    <dgm:style>
+      <a:lnRef idx="0">
+        <a:scrgbClr r="0" g="0" b="0"/>
+      </a:lnRef>
+      <a:fillRef idx="3">
+        <a:scrgbClr r="0" g="0" b="0"/>
+      </a:fillRef>
+      <a:effectRef idx="2">
+        <a:scrgbClr r="0" g="0" b="0"/>
+      </a:effectRef>
+      <a:fontRef idx="minor">
+        <a:schemeClr val="lt1"/>
+      </a:fontRef>
+    </dgm:style>
+  </dgm:styleLbl>
+  <dgm:styleLbl name="parChTrans2D3">
+    <dgm:scene3d>
+      <a:camera prst="orthographicFront"/>
+      <a:lightRig rig="threePt" dir="t"/>
+    </dgm:scene3d>
+    <dgm:sp3d/>
+    <dgm:txPr/>
+    <dgm:style>
+      <a:lnRef idx="1">
+        <a:scrgbClr r="0" g="0" b="0"/>
+      </a:lnRef>
+      <a:fillRef idx="3">
+        <a:scrgbClr r="0" g="0" b="0"/>
+      </a:fillRef>
+      <a:effectRef idx="2">
+        <a:scrgbClr r="0" g="0" b="0"/>
+      </a:effectRef>
+      <a:fontRef idx="minor">
+        <a:schemeClr val="lt1"/>
+      </a:fontRef>
+    </dgm:style>
+  </dgm:styleLbl>
+  <dgm:styleLbl name="parChTrans2D4">
+    <dgm:scene3d>
+      <a:camera prst="orthographicFront"/>
+      <a:lightRig rig="threePt" dir="t"/>
+    </dgm:scene3d>
+    <dgm:sp3d/>
+    <dgm:txPr/>
+    <dgm:style>
+      <a:lnRef idx="1">
+        <a:scrgbClr r="0" g="0" b="0"/>
+      </a:lnRef>
+      <a:fillRef idx="3">
+        <a:scrgbClr r="0" g="0" b="0"/>
+      </a:fillRef>
+      <a:effectRef idx="2">
+        <a:scrgbClr r="0" g="0" b="0"/>
+      </a:effectRef>
+      <a:fontRef idx="minor">
+        <a:schemeClr val="lt1"/>
+      </a:fontRef>
+    </dgm:style>
+  </dgm:styleLbl>
+  <dgm:styleLbl name="parChTrans1D1">
+    <dgm:scene3d>
+      <a:camera prst="orthographicFront"/>
+      <a:lightRig rig="threePt" dir="t"/>
+    </dgm:scene3d>
+    <dgm:sp3d/>
+    <dgm:txPr/>
+    <dgm:style>
+      <a:lnRef idx="1">
+        <a:scrgbClr r="0" g="0" b="0"/>
+      </a:lnRef>
+      <a:fillRef idx="0">
+        <a:scrgbClr r="0" g="0" b="0"/>
+      </a:fillRef>
+      <a:effectRef idx="0">
+        <a:scrgbClr r="0" g="0" b="0"/>
+      </a:effectRef>
+      <a:fontRef idx="minor"/>
+    </dgm:style>
+  </dgm:styleLbl>
+  <dgm:styleLbl name="parChTrans1D2">
+    <dgm:scene3d>
+      <a:camera prst="orthographicFront"/>
+      <a:lightRig rig="threePt" dir="t"/>
+    </dgm:scene3d>
+    <dgm:sp3d/>
+    <dgm:txPr/>
+    <dgm:style>
+      <a:lnRef idx="1">
+        <a:scrgbClr r="0" g="0" b="0"/>
+      </a:lnRef>
+      <a:fillRef idx="0">
+        <a:scrgbClr r="0" g="0" b="0"/>
+      </a:fillRef>
+      <a:effectRef idx="0">
+        <a:scrgbClr r="0" g="0" b="0"/>
+      </a:effectRef>
+      <a:fontRef idx="minor"/>
+    </dgm:style>
+  </dgm:styleLbl>
+  <dgm:styleLbl name="parChTrans1D3">
+    <dgm:scene3d>
+      <a:camera prst="orthographicFront"/>
+      <a:lightRig rig="threePt" dir="t"/>
+    </dgm:scene3d>
+    <dgm:sp3d/>
+    <dgm:txPr/>
+    <dgm:style>
+      <a:lnRef idx="1">
+        <a:scrgbClr r="0" g="0" b="0"/>
+      </a:lnRef>
+      <a:fillRef idx="0">
+        <a:scrgbClr r="0" g="0" b="0"/>
+      </a:fillRef>
+      <a:effectRef idx="0">
+        <a:scrgbClr r="0" g="0" b="0"/>
+      </a:effectRef>
+      <a:fontRef idx="minor"/>
+    </dgm:style>
+  </dgm:styleLbl>
+  <dgm:styleLbl name="parChTrans1D4">
+    <dgm:scene3d>
+      <a:camera prst="orthographicFront"/>
+      <a:lightRig rig="threePt" dir="t"/>
+    </dgm:scene3d>
+    <dgm:sp3d/>
+    <dgm:txPr/>
+    <dgm:style>
+      <a:lnRef idx="1">
+        <a:scrgbClr r="0" g="0" b="0"/>
+      </a:lnRef>
+      <a:fillRef idx="0">
+        <a:scrgbClr r="0" g="0" b="0"/>
+      </a:fillRef>
+      <a:effectRef idx="0">
+        <a:scrgbClr r="0" g="0" b="0"/>
+      </a:effectRef>
+      <a:fontRef idx="minor"/>
+    </dgm:style>
+  </dgm:styleLbl>
+  <dgm:styleLbl name="fgAcc1">
+    <dgm:scene3d>
+      <a:camera prst="orthographicFront"/>
+      <a:lightRig rig="threePt" dir="t"/>
+    </dgm:scene3d>
+    <dgm:sp3d/>
+    <dgm:txPr/>
+    <dgm:style>
+      <a:lnRef idx="1">
+        <a:scrgbClr r="0" g="0" b="0"/>
+      </a:lnRef>
+      <a:fillRef idx="1">
+        <a:scrgbClr r="0" g="0" b="0"/>
+      </a:fillRef>
+      <a:effectRef idx="0">
+        <a:scrgbClr r="0" g="0" b="0"/>
+      </a:effectRef>
+      <a:fontRef idx="minor"/>
+    </dgm:style>
+  </dgm:styleLbl>
+  <dgm:styleLbl name="conFgAcc1">
+    <dgm:scene3d>
+      <a:camera prst="orthographicFront"/>
+      <a:lightRig rig="threePt" dir="t"/>
+    </dgm:scene3d>
+    <dgm:sp3d/>
+    <dgm:txPr/>
+    <dgm:style>
+      <a:lnRef idx="1">
+        <a:scrgbClr r="0" g="0" b="0"/>
+      </a:lnRef>
+      <a:fillRef idx="1">
+        <a:scrgbClr r="0" g="0" b="0"/>
+      </a:fillRef>
+      <a:effectRef idx="0">
+        <a:scrgbClr r="0" g="0" b="0"/>
+      </a:effectRef>
+      <a:fontRef idx="minor"/>
+    </dgm:style>
+  </dgm:styleLbl>
+  <dgm:styleLbl name="alignAcc1">
+    <dgm:scene3d>
+      <a:camera prst="orthographicFront"/>
+      <a:lightRig rig="threePt" dir="t"/>
+    </dgm:scene3d>
+    <dgm:sp3d/>
+    <dgm:txPr/>
+    <dgm:style>
+      <a:lnRef idx="1">
+        <a:scrgbClr r="0" g="0" b="0"/>
+      </a:lnRef>
+      <a:fillRef idx="1">
+        <a:scrgbClr r="0" g="0" b="0"/>
+      </a:fillRef>
+      <a:effectRef idx="0">
+        <a:scrgbClr r="0" g="0" b="0"/>
+      </a:effectRef>
+      <a:fontRef idx="minor"/>
+    </dgm:style>
+  </dgm:styleLbl>
+  <dgm:styleLbl name="trAlignAcc1">
+    <dgm:scene3d>
+      <a:camera prst="orthographicFront"/>
+      <a:lightRig rig="threePt" dir="t"/>
+    </dgm:scene3d>
+    <dgm:sp3d/>
+    <dgm:txPr/>
+    <dgm:style>
+      <a:lnRef idx="1">
+        <a:scrgbClr r="0" g="0" b="0"/>
+      </a:lnRef>
+      <a:fillRef idx="1">
+        <a:scrgbClr r="0" g="0" b="0"/>
+      </a:fillRef>
+      <a:effectRef idx="0">
+        <a:scrgbClr r="0" g="0" b="0"/>
+      </a:effectRef>
+      <a:fontRef idx="minor"/>
+    </dgm:style>
+  </dgm:styleLbl>
+  <dgm:styleLbl name="bgAcc1">
+    <dgm:scene3d>
+      <a:camera prst="orthographicFront"/>
+      <a:lightRig rig="threePt" dir="t"/>
+    </dgm:scene3d>
+    <dgm:sp3d/>
+    <dgm:txPr/>
+    <dgm:style>
+      <a:lnRef idx="1">
+        <a:scrgbClr r="0" g="0" b="0"/>
+      </a:lnRef>
+      <a:fillRef idx="1">
+        <a:scrgbClr r="0" g="0" b="0"/>
+      </a:fillRef>
+      <a:effectRef idx="0">
+        <a:scrgbClr r="0" g="0" b="0"/>
+      </a:effectRef>
+      <a:fontRef idx="minor"/>
+    </dgm:style>
+  </dgm:styleLbl>
+  <dgm:styleLbl name="solidFgAcc1">
+    <dgm:scene3d>
+      <a:camera prst="orthographicFront"/>
+      <a:lightRig rig="threePt" dir="t"/>
+    </dgm:scene3d>
+    <dgm:sp3d/>
+    <dgm:txPr/>
+    <dgm:style>
+      <a:lnRef idx="1">
+        <a:scrgbClr r="0" g="0" b="0"/>
+      </a:lnRef>
+      <a:fillRef idx="1">
+        <a:scrgbClr r="0" g="0" b="0"/>
+      </a:fillRef>
+      <a:effectRef idx="0">
+        <a:scrgbClr r="0" g="0" b="0"/>
+      </a:effectRef>
+      <a:fontRef idx="minor"/>
+    </dgm:style>
+  </dgm:styleLbl>
+  <dgm:styleLbl name="solidAlignAcc1">
+    <dgm:scene3d>
+      <a:camera prst="orthographicFront"/>
+      <a:lightRig rig="threePt" dir="t"/>
+    </dgm:scene3d>
+    <dgm:sp3d/>
+    <dgm:txPr/>
+    <dgm:style>
+      <a:lnRef idx="1">
+        <a:scrgbClr r="0" g="0" b="0"/>
+      </a:lnRef>
+      <a:fillRef idx="1">
+        <a:scrgbClr r="0" g="0" b="0"/>
+      </a:fillRef>
+      <a:effectRef idx="0">
+        <a:scrgbClr r="0" g="0" b="0"/>
+      </a:effectRef>
+      <a:fontRef idx="minor"/>
+    </dgm:style>
+  </dgm:styleLbl>
+  <dgm:styleLbl name="solidBgAcc1">
+    <dgm:scene3d>
+      <a:camera prst="orthographicFront"/>
+      <a:lightRig rig="threePt" dir="t"/>
+    </dgm:scene3d>
+    <dgm:sp3d/>
+    <dgm:txPr/>
+    <dgm:style>
+      <a:lnRef idx="1">
+        <a:scrgbClr r="0" g="0" b="0"/>
+      </a:lnRef>
+      <a:fillRef idx="1">
+        <a:scrgbClr r="0" g="0" b="0"/>
+      </a:fillRef>
+      <a:effectRef idx="0">
+        <a:scrgbClr r="0" g="0" b="0"/>
+      </a:effectRef>
+      <a:fontRef idx="minor"/>
+    </dgm:style>
+  </dgm:styleLbl>
+  <dgm:styleLbl name="fgAccFollowNode1">
+    <dgm:scene3d>
+      <a:camera prst="orthographicFront"/>
+      <a:lightRig rig="threePt" dir="t"/>
+    </dgm:scene3d>
+    <dgm:sp3d/>
+    <dgm:txPr/>
+    <dgm:style>
+      <a:lnRef idx="1">
+        <a:scrgbClr r="0" g="0" b="0"/>
+      </a:lnRef>
+      <a:fillRef idx="1">
+        <a:scrgbClr r="0" g="0" b="0"/>
+      </a:fillRef>
+      <a:effectRef idx="0">
+        <a:scrgbClr r="0" g="0" b="0"/>
+      </a:effectRef>
+      <a:fontRef idx="minor"/>
+    </dgm:style>
+  </dgm:styleLbl>
+  <dgm:styleLbl name="alignAccFollowNode1">
+    <dgm:scene3d>
+      <a:camera prst="orthographicFront"/>
+      <a:lightRig rig="threePt" dir="t"/>
+    </dgm:scene3d>
+    <dgm:sp3d/>
+    <dgm:txPr/>
+    <dgm:style>
+      <a:lnRef idx="1">
+        <a:scrgbClr r="0" g="0" b="0"/>
+      </a:lnRef>
+      <a:fillRef idx="1">
+        <a:scrgbClr r="0" g="0" b="0"/>
+      </a:fillRef>
+      <a:effectRef idx="0">
+        <a:scrgbClr r="0" g="0" b="0"/>
+      </a:effectRef>
+      <a:fontRef idx="minor"/>
+    </dgm:style>
+  </dgm:styleLbl>
+  <dgm:styleLbl name="bgAccFollowNode1">
+    <dgm:scene3d>
+      <a:camera prst="orthographicFront"/>
+      <a:lightRig rig="threePt" dir="t"/>
+    </dgm:scene3d>
+    <dgm:sp3d/>
+    <dgm:txPr/>
+    <dgm:style>
+      <a:lnRef idx="1">
+        <a:scrgbClr r="0" g="0" b="0"/>
+      </a:lnRef>
+      <a:fillRef idx="1">
+        <a:scrgbClr r="0" g="0" b="0"/>
+      </a:fillRef>
+      <a:effectRef idx="0">
+        <a:scrgbClr r="0" g="0" b="0"/>
+      </a:effectRef>
+      <a:fontRef idx="minor"/>
+    </dgm:style>
+  </dgm:styleLbl>
+  <dgm:styleLbl name="fgAcc0">
+    <dgm:scene3d>
+      <a:camera prst="orthographicFront"/>
+      <a:lightRig rig="threePt" dir="t"/>
+    </dgm:scene3d>
+    <dgm:sp3d/>
+    <dgm:txPr/>
+    <dgm:style>
+      <a:lnRef idx="1">
+        <a:scrgbClr r="0" g="0" b="0"/>
+      </a:lnRef>
+      <a:fillRef idx="1">
+        <a:scrgbClr r="0" g="0" b="0"/>
+      </a:fillRef>
+      <a:effectRef idx="0">
+        <a:scrgbClr r="0" g="0" b="0"/>
+      </a:effectRef>
+      <a:fontRef idx="minor"/>
+    </dgm:style>
+  </dgm:styleLbl>
+  <dgm:styleLbl name="fgAcc2">
+    <dgm:scene3d>
+      <a:camera prst="orthographicFront"/>
+      <a:lightRig rig="threePt" dir="t"/>
+    </dgm:scene3d>
+    <dgm:sp3d/>
+    <dgm:txPr/>
+    <dgm:style>
+      <a:lnRef idx="1">
+        <a:scrgbClr r="0" g="0" b="0"/>
+      </a:lnRef>
+      <a:fillRef idx="1">
+        <a:scrgbClr r="0" g="0" b="0"/>
+      </a:fillRef>
+      <a:effectRef idx="0">
+        <a:scrgbClr r="0" g="0" b="0"/>
+      </a:effectRef>
+      <a:fontRef idx="minor"/>
+    </dgm:style>
+  </dgm:styleLbl>
+  <dgm:styleLbl name="fgAcc3">
+    <dgm:scene3d>
+      <a:camera prst="orthographicFront"/>
+      <a:lightRig rig="threePt" dir="t"/>
+    </dgm:scene3d>
+    <dgm:sp3d/>
+    <dgm:txPr/>
+    <dgm:style>
+      <a:lnRef idx="1">
+        <a:scrgbClr r="0" g="0" b="0"/>
+      </a:lnRef>
+      <a:fillRef idx="1">
+        <a:scrgbClr r="0" g="0" b="0"/>
+      </a:fillRef>
+      <a:effectRef idx="0">
+        <a:scrgbClr r="0" g="0" b="0"/>
+      </a:effectRef>
+      <a:fontRef idx="minor"/>
+    </dgm:style>
+  </dgm:styleLbl>
+  <dgm:styleLbl name="fgAcc4">
+    <dgm:scene3d>
+      <a:camera prst="orthographicFront"/>
+      <a:lightRig rig="threePt" dir="t"/>
+    </dgm:scene3d>
+    <dgm:sp3d/>
+    <dgm:txPr/>
+    <dgm:style>
+      <a:lnRef idx="1">
+        <a:scrgbClr r="0" g="0" b="0"/>
+      </a:lnRef>
+      <a:fillRef idx="1">
+        <a:scrgbClr r="0" g="0" b="0"/>
+      </a:fillRef>
+      <a:effectRef idx="0">
+        <a:scrgbClr r="0" g="0" b="0"/>
+      </a:effectRef>
+      <a:fontRef idx="minor"/>
+    </dgm:style>
+  </dgm:styleLbl>
+  <dgm:styleLbl name="bgShp">
+    <dgm:scene3d>
+      <a:camera prst="orthographicFront"/>
+      <a:lightRig rig="threePt" dir="t"/>
+    </dgm:scene3d>
+    <dgm:sp3d/>
+    <dgm:txPr/>
+    <dgm:style>
+      <a:lnRef idx="0">
+        <a:scrgbClr r="0" g="0" b="0"/>
+      </a:lnRef>
+      <a:fillRef idx="1">
+        <a:scrgbClr r="0" g="0" b="0"/>
+      </a:fillRef>
+      <a:effectRef idx="2">
+        <a:scrgbClr r="0" g="0" b="0"/>
+      </a:effectRef>
+      <a:fontRef idx="minor"/>
+    </dgm:style>
+  </dgm:styleLbl>
+  <dgm:styleLbl name="dkBgShp">
+    <dgm:scene3d>
+      <a:camera prst="orthographicFront"/>
+      <a:lightRig rig="threePt" dir="t"/>
+    </dgm:scene3d>
+    <dgm:sp3d/>
+    <dgm:txPr/>
+    <dgm:style>
+      <a:lnRef idx="0">
+        <a:scrgbClr r="0" g="0" b="0"/>
+      </a:lnRef>
+      <a:fillRef idx="1">
+        <a:scrgbClr r="0" g="0" b="0"/>
+      </a:fillRef>
+      <a:effectRef idx="2">
+        <a:scrgbClr r="0" g="0" b="0"/>
+      </a:effectRef>
+      <a:fontRef idx="minor"/>
+    </dgm:style>
+  </dgm:styleLbl>
+  <dgm:styleLbl name="trBgShp">
+    <dgm:scene3d>
+      <a:camera prst="orthographicFront"/>
+      <a:lightRig rig="threePt" dir="t"/>
+    </dgm:scene3d>
+    <dgm:sp3d/>
+    <dgm:txPr/>
+    <dgm:style>
+      <a:lnRef idx="0">
+        <a:scrgbClr r="0" g="0" b="0"/>
+      </a:lnRef>
+      <a:fillRef idx="1">
+        <a:scrgbClr r="0" g="0" b="0"/>
+      </a:fillRef>
+      <a:effectRef idx="0">
+        <a:scrgbClr r="0" g="0" b="0"/>
+      </a:effectRef>
+      <a:fontRef idx="minor"/>
+    </dgm:style>
+  </dgm:styleLbl>
+  <dgm:styleLbl name="fgShp">
+    <dgm:scene3d>
+      <a:camera prst="orthographicFront"/>
+      <a:lightRig rig="threePt" dir="t"/>
+    </dgm:scene3d>
+    <dgm:sp3d/>
+    <dgm:txPr/>
+    <dgm:style>
+      <a:lnRef idx="0">
+        <a:scrgbClr r="0" g="0" b="0"/>
+      </a:lnRef>
+      <a:fillRef idx="3">
+        <a:scrgbClr r="0" g="0" b="0"/>
+      </a:fillRef>
+      <a:effectRef idx="2">
+        <a:scrgbClr r="0" g="0" b="0"/>
+      </a:effectRef>
+      <a:fontRef idx="minor"/>
+    </dgm:style>
+  </dgm:styleLbl>
+  <dgm:styleLbl name="revTx">
+    <dgm:scene3d>
+      <a:camera prst="orthographicFront"/>
+      <a:lightRig rig="threePt" dir="t"/>
+    </dgm:scene3d>
+    <dgm:sp3d/>
+    <dgm:txPr/>
+    <dgm:style>
+      <a:lnRef idx="0">
+        <a:scrgbClr r="0" g="0" b="0"/>
+      </a:lnRef>
+      <a:fillRef idx="0">
+        <a:scrgbClr r="0" g="0" b="0"/>
+      </a:fillRef>
+      <a:effectRef idx="0">
+        <a:scrgbClr r="0" g="0" b="0"/>
+      </a:effectRef>
+      <a:fontRef idx="minor"/>
+    </dgm:style>
+  </dgm:styleLbl>
+</dgm:styleDef>
+</file>
+
 <file path=ppt/notesMasters/notesMaster1.xml><?xml version="1.0" encoding="utf-8"?>
 <p:notesMaster xmlns:a="http://schemas.openxmlformats.org/drawingml/2006/main" xmlns:r="http://schemas.openxmlformats.org/officeDocument/2006/relationships" xmlns:p="http://schemas.openxmlformats.org/presentationml/2006/main">
   <p:cSld>
@@ -3371,7 +6535,7 @@
           <a:p>
             <a:fld id="{7387B26F-73A1-F24A-B06B-222FD4748F54}" type="datetimeFigureOut">
               <a:rPr lang="fr-FR" smtClean="0"/>
-              <a:t>11/07/2017</a:t>
+              <a:t>17/07/2017</a:t>
             </a:fld>
             <a:endParaRPr lang="fr-FR"/>
           </a:p>
@@ -15612,7 +18776,62 @@
             <p:ph type="pic" idx="1"/>
             <p:extLst>
               <p:ext uri="{D42A27DB-BD31-4B8C-83A1-F6EECF244321}">
-                <p14:modId xmlns:p14="http://schemas.microsoft.com/office/powerpoint/2010/main" val="947834436"/>
+                <p14:modId xmlns:p14="http://schemas.microsoft.com/office/powerpoint/2010/main" val="231837464"/>
+              </p:ext>
+            </p:extLst>
+          </p:nvPr>
+        </p:nvGraphicFramePr>
+        <p:xfrm>
+          <a:off x="0" y="730250"/>
+          <a:ext cx="9144000" cy="5578475"/>
+        </p:xfrm>
+        <a:graphic>
+          <a:graphicData uri="http://schemas.openxmlformats.org/drawingml/2006/diagram">
+            <dgm:relIds xmlns:dgm="http://schemas.openxmlformats.org/drawingml/2006/diagram" xmlns:r="http://schemas.openxmlformats.org/officeDocument/2006/relationships" r:dm="rId2" r:lo="rId3" r:qs="rId4" r:cs="rId5"/>
+          </a:graphicData>
+        </a:graphic>
+      </p:graphicFrame>
+    </p:spTree>
+    <p:extLst>
+      <p:ext uri="{BB962C8B-B14F-4D97-AF65-F5344CB8AC3E}">
+        <p14:creationId xmlns:p14="http://schemas.microsoft.com/office/powerpoint/2010/main" val="275888990"/>
+      </p:ext>
+    </p:extLst>
+  </p:cSld>
+  <p:clrMapOvr>
+    <a:masterClrMapping/>
+  </p:clrMapOvr>
+</p:sld>
+</file>
+
+<file path=ppt/slides/slide2.xml><?xml version="1.0" encoding="utf-8"?>
+<p:sld xmlns:a="http://schemas.openxmlformats.org/drawingml/2006/main" xmlns:r="http://schemas.openxmlformats.org/officeDocument/2006/relationships" xmlns:p="http://schemas.openxmlformats.org/presentationml/2006/main">
+  <p:cSld>
+    <p:spTree>
+      <p:nvGrpSpPr>
+        <p:cNvPr id="1" name=""/>
+        <p:cNvGrpSpPr/>
+        <p:nvPr/>
+      </p:nvGrpSpPr>
+      <p:grpSpPr>
+        <a:xfrm>
+          <a:off x="0" y="0"/>
+          <a:ext cx="0" cy="0"/>
+          <a:chOff x="0" y="0"/>
+          <a:chExt cx="0" cy="0"/>
+        </a:xfrm>
+      </p:grpSpPr>
+      <p:graphicFrame>
+        <p:nvGraphicFramePr>
+          <p:cNvPr id="4" name="Espace réservé pour une image  3"/>
+          <p:cNvGraphicFramePr>
+            <a:graphicFrameLocks noGrp="1"/>
+          </p:cNvGraphicFramePr>
+          <p:nvPr>
+            <p:ph type="pic" idx="1"/>
+            <p:extLst>
+              <p:ext uri="{D42A27DB-BD31-4B8C-83A1-F6EECF244321}">
+                <p14:modId xmlns:p14="http://schemas.microsoft.com/office/powerpoint/2010/main" val="988518982"/>
               </p:ext>
             </p:extLst>
           </p:nvPr>
@@ -15629,27 +18848,428 @@
       </p:graphicFrame>
       <p:sp>
         <p:nvSpPr>
-          <p:cNvPr id="3" name="Titre 2"/>
-          <p:cNvSpPr>
-            <a:spLocks noGrp="1"/>
-          </p:cNvSpPr>
-          <p:nvPr>
-            <p:ph type="title"/>
-          </p:nvPr>
+          <p:cNvPr id="6" name="ZoneTexte 5"/>
+          <p:cNvSpPr txBox="1"/>
+          <p:nvPr/>
         </p:nvSpPr>
-        <p:spPr/>
+        <p:spPr>
+          <a:xfrm>
+            <a:off x="1926431" y="5124450"/>
+            <a:ext cx="1590675" cy="646331"/>
+          </a:xfrm>
+          <a:prstGeom prst="rect">
+            <a:avLst/>
+          </a:prstGeom>
+          <a:noFill/>
+        </p:spPr>
         <p:txBody>
-          <a:bodyPr/>
+          <a:bodyPr wrap="square" rtlCol="0">
+            <a:spAutoFit/>
+          </a:bodyPr>
           <a:lstStyle/>
           <a:p>
-            <a:endParaRPr lang="fr-FR"/>
+            <a:r>
+              <a:rPr lang="fr-FR" sz="1200" dirty="0" smtClean="0">
+                <a:solidFill>
+                  <a:schemeClr val="bg1"/>
+                </a:solidFill>
+                <a:latin typeface="+mn-lt"/>
+              </a:rPr>
+              <a:t>Services</a:t>
+            </a:r>
+          </a:p>
+          <a:p>
+            <a:r>
+              <a:rPr lang="fr-FR" sz="1200" dirty="0" smtClean="0">
+                <a:solidFill>
+                  <a:schemeClr val="bg1"/>
+                </a:solidFill>
+              </a:rPr>
+              <a:t>distants</a:t>
+            </a:r>
+            <a:r>
+              <a:rPr lang="fr-FR" sz="1200" dirty="0" smtClean="0">
+                <a:solidFill>
+                  <a:schemeClr val="bg1"/>
+                </a:solidFill>
+                <a:latin typeface="+mn-lt"/>
+              </a:rPr>
+              <a:t/>
+            </a:r>
+            <a:br>
+              <a:rPr lang="fr-FR" sz="1200" dirty="0" smtClean="0">
+                <a:solidFill>
+                  <a:schemeClr val="bg1"/>
+                </a:solidFill>
+                <a:latin typeface="+mn-lt"/>
+              </a:rPr>
+            </a:br>
+            <a:r>
+              <a:rPr lang="fr-FR" sz="1200" dirty="0" smtClean="0">
+                <a:solidFill>
+                  <a:schemeClr val="bg1"/>
+                </a:solidFill>
+                <a:latin typeface="+mn-lt"/>
+              </a:rPr>
+              <a:t>instables</a:t>
+            </a:r>
+            <a:endParaRPr lang="fr-FR" sz="1200" dirty="0" smtClean="0">
+              <a:solidFill>
+                <a:schemeClr val="bg1"/>
+              </a:solidFill>
+              <a:latin typeface="+mn-lt"/>
+            </a:endParaRPr>
+          </a:p>
+        </p:txBody>
+      </p:sp>
+      <p:sp>
+        <p:nvSpPr>
+          <p:cNvPr id="7" name="ZoneTexte 6"/>
+          <p:cNvSpPr txBox="1"/>
+          <p:nvPr/>
+        </p:nvSpPr>
+        <p:spPr>
+          <a:xfrm>
+            <a:off x="5654312" y="5124449"/>
+            <a:ext cx="1590675" cy="646331"/>
+          </a:xfrm>
+          <a:prstGeom prst="rect">
+            <a:avLst/>
+          </a:prstGeom>
+          <a:noFill/>
+        </p:spPr>
+        <p:txBody>
+          <a:bodyPr wrap="square" rtlCol="0">
+            <a:spAutoFit/>
+          </a:bodyPr>
+          <a:lstStyle/>
+          <a:p>
+            <a:pPr algn="r"/>
+            <a:r>
+              <a:rPr lang="fr-FR" sz="1200" dirty="0" smtClean="0">
+                <a:solidFill>
+                  <a:schemeClr val="bg1"/>
+                </a:solidFill>
+                <a:latin typeface="+mn-lt"/>
+              </a:rPr>
+              <a:t>Asynchronisme</a:t>
+            </a:r>
+            <a:endParaRPr lang="fr-FR" sz="1200" dirty="0" smtClean="0">
+              <a:solidFill>
+                <a:schemeClr val="bg1"/>
+              </a:solidFill>
+            </a:endParaRPr>
+          </a:p>
+          <a:p>
+            <a:pPr algn="r"/>
+            <a:r>
+              <a:rPr lang="fr-FR" sz="1200" dirty="0">
+                <a:solidFill>
+                  <a:schemeClr val="bg1"/>
+                </a:solidFill>
+              </a:rPr>
+              <a:t>l</a:t>
+            </a:r>
+            <a:r>
+              <a:rPr lang="fr-FR" sz="1200" dirty="0" smtClean="0">
+                <a:solidFill>
+                  <a:schemeClr val="bg1"/>
+                </a:solidFill>
+              </a:rPr>
+              <a:t>ocal</a:t>
+            </a:r>
+          </a:p>
+          <a:p>
+            <a:pPr algn="r"/>
+            <a:r>
+              <a:rPr lang="fr-FR" sz="1200" dirty="0" smtClean="0">
+                <a:solidFill>
+                  <a:schemeClr val="bg1"/>
+                </a:solidFill>
+                <a:latin typeface="+mn-lt"/>
+              </a:rPr>
+              <a:t>instable</a:t>
+            </a:r>
+            <a:endParaRPr lang="fr-FR" sz="1200" dirty="0" smtClean="0">
+              <a:solidFill>
+                <a:schemeClr val="bg1"/>
+              </a:solidFill>
+              <a:latin typeface="+mn-lt"/>
+            </a:endParaRPr>
+          </a:p>
+        </p:txBody>
+      </p:sp>
+      <p:sp>
+        <p:nvSpPr>
+          <p:cNvPr id="9" name="ZoneTexte 8"/>
+          <p:cNvSpPr txBox="1"/>
+          <p:nvPr/>
+        </p:nvSpPr>
+        <p:spPr>
+          <a:xfrm>
+            <a:off x="2981325" y="3105128"/>
+            <a:ext cx="1590675" cy="461665"/>
+          </a:xfrm>
+          <a:prstGeom prst="rect">
+            <a:avLst/>
+          </a:prstGeom>
+          <a:noFill/>
+        </p:spPr>
+        <p:txBody>
+          <a:bodyPr wrap="square" rtlCol="0">
+            <a:spAutoFit/>
+          </a:bodyPr>
+          <a:lstStyle/>
+          <a:p>
+            <a:r>
+              <a:rPr lang="fr-FR" sz="1200" smtClean="0">
+                <a:solidFill>
+                  <a:schemeClr val="bg1"/>
+                </a:solidFill>
+                <a:latin typeface="+mn-lt"/>
+              </a:rPr>
+              <a:t>Services distants</a:t>
+            </a:r>
+            <a:br>
+              <a:rPr lang="fr-FR" sz="1200" smtClean="0">
+                <a:solidFill>
+                  <a:schemeClr val="bg1"/>
+                </a:solidFill>
+                <a:latin typeface="+mn-lt"/>
+              </a:rPr>
+            </a:br>
+            <a:r>
+              <a:rPr lang="fr-FR" sz="1200" smtClean="0">
+                <a:solidFill>
+                  <a:schemeClr val="bg1"/>
+                </a:solidFill>
+                <a:latin typeface="+mn-lt"/>
+              </a:rPr>
+              <a:t>stables</a:t>
+            </a:r>
+            <a:endParaRPr lang="fr-FR" sz="1200" dirty="0" smtClean="0">
+              <a:solidFill>
+                <a:schemeClr val="bg1"/>
+              </a:solidFill>
+              <a:latin typeface="+mn-lt"/>
+            </a:endParaRPr>
+          </a:p>
+        </p:txBody>
+      </p:sp>
+      <p:sp>
+        <p:nvSpPr>
+          <p:cNvPr id="10" name="ZoneTexte 9"/>
+          <p:cNvSpPr txBox="1"/>
+          <p:nvPr/>
+        </p:nvSpPr>
+        <p:spPr>
+          <a:xfrm>
+            <a:off x="3755231" y="3550740"/>
+            <a:ext cx="1590675" cy="646331"/>
+          </a:xfrm>
+          <a:prstGeom prst="rect">
+            <a:avLst/>
+          </a:prstGeom>
+          <a:noFill/>
+        </p:spPr>
+        <p:txBody>
+          <a:bodyPr wrap="square" rtlCol="0">
+            <a:spAutoFit/>
+          </a:bodyPr>
+          <a:lstStyle/>
+          <a:p>
+            <a:pPr algn="ctr"/>
+            <a:r>
+              <a:rPr lang="fr-FR" sz="1200" dirty="0" smtClean="0">
+                <a:solidFill>
+                  <a:schemeClr val="bg1"/>
+                </a:solidFill>
+                <a:latin typeface="+mn-lt"/>
+              </a:rPr>
+              <a:t>Systèmes</a:t>
+            </a:r>
+            <a:br>
+              <a:rPr lang="fr-FR" sz="1200" dirty="0" smtClean="0">
+                <a:solidFill>
+                  <a:schemeClr val="bg1"/>
+                </a:solidFill>
+                <a:latin typeface="+mn-lt"/>
+              </a:rPr>
+            </a:br>
+            <a:r>
+              <a:rPr lang="fr-FR" sz="1200" dirty="0" smtClean="0">
+                <a:solidFill>
+                  <a:schemeClr val="bg1"/>
+                </a:solidFill>
+                <a:latin typeface="+mn-lt"/>
+              </a:rPr>
+              <a:t>asynchrones</a:t>
+            </a:r>
+            <a:br>
+              <a:rPr lang="fr-FR" sz="1200" dirty="0" smtClean="0">
+                <a:solidFill>
+                  <a:schemeClr val="bg1"/>
+                </a:solidFill>
+                <a:latin typeface="+mn-lt"/>
+              </a:rPr>
+            </a:br>
+            <a:r>
+              <a:rPr lang="fr-FR" sz="1200" dirty="0" smtClean="0">
+                <a:solidFill>
+                  <a:schemeClr val="bg1"/>
+                </a:solidFill>
+                <a:latin typeface="+mn-lt"/>
+              </a:rPr>
+              <a:t>stables</a:t>
+            </a:r>
+            <a:endParaRPr lang="fr-FR" sz="1200" dirty="0" smtClean="0">
+              <a:solidFill>
+                <a:schemeClr val="bg1"/>
+              </a:solidFill>
+              <a:latin typeface="+mn-lt"/>
+            </a:endParaRPr>
+          </a:p>
+        </p:txBody>
+      </p:sp>
+      <p:sp>
+        <p:nvSpPr>
+          <p:cNvPr id="11" name="ZoneTexte 10"/>
+          <p:cNvSpPr txBox="1"/>
+          <p:nvPr/>
+        </p:nvSpPr>
+        <p:spPr>
+          <a:xfrm>
+            <a:off x="4482703" y="3012795"/>
+            <a:ext cx="1590675" cy="646331"/>
+          </a:xfrm>
+          <a:prstGeom prst="rect">
+            <a:avLst/>
+          </a:prstGeom>
+          <a:noFill/>
+        </p:spPr>
+        <p:txBody>
+          <a:bodyPr wrap="square" rtlCol="0">
+            <a:spAutoFit/>
+          </a:bodyPr>
+          <a:lstStyle/>
+          <a:p>
+            <a:pPr algn="r"/>
+            <a:r>
+              <a:rPr lang="fr-FR" sz="1200" dirty="0" smtClean="0">
+                <a:solidFill>
+                  <a:schemeClr val="bg1"/>
+                </a:solidFill>
+                <a:latin typeface="+mn-lt"/>
+              </a:rPr>
+              <a:t>Asynchronisme</a:t>
+            </a:r>
+            <a:endParaRPr lang="fr-FR" sz="1200" dirty="0" smtClean="0">
+              <a:solidFill>
+                <a:schemeClr val="bg1"/>
+              </a:solidFill>
+            </a:endParaRPr>
+          </a:p>
+          <a:p>
+            <a:pPr algn="r"/>
+            <a:r>
+              <a:rPr lang="fr-FR" sz="1200" dirty="0">
+                <a:solidFill>
+                  <a:schemeClr val="bg1"/>
+                </a:solidFill>
+              </a:rPr>
+              <a:t>l</a:t>
+            </a:r>
+            <a:r>
+              <a:rPr lang="fr-FR" sz="1200" dirty="0" smtClean="0">
+                <a:solidFill>
+                  <a:schemeClr val="bg1"/>
+                </a:solidFill>
+              </a:rPr>
+              <a:t>ocal</a:t>
+            </a:r>
+          </a:p>
+          <a:p>
+            <a:pPr algn="r"/>
+            <a:r>
+              <a:rPr lang="fr-FR" sz="1200" dirty="0" smtClean="0">
+                <a:solidFill>
+                  <a:schemeClr val="bg1"/>
+                </a:solidFill>
+                <a:latin typeface="+mn-lt"/>
+              </a:rPr>
+              <a:t>stable</a:t>
+            </a:r>
+            <a:endParaRPr lang="fr-FR" sz="1200" dirty="0" smtClean="0">
+              <a:solidFill>
+                <a:schemeClr val="bg1"/>
+              </a:solidFill>
+              <a:latin typeface="+mn-lt"/>
+            </a:endParaRPr>
+          </a:p>
+        </p:txBody>
+      </p:sp>
+      <p:sp>
+        <p:nvSpPr>
+          <p:cNvPr id="13" name="ZoneTexte 12"/>
+          <p:cNvSpPr txBox="1"/>
+          <p:nvPr/>
+        </p:nvSpPr>
+        <p:spPr>
+          <a:xfrm>
+            <a:off x="3776662" y="730250"/>
+            <a:ext cx="1590675" cy="461665"/>
+          </a:xfrm>
+          <a:prstGeom prst="rect">
+            <a:avLst/>
+          </a:prstGeom>
+          <a:noFill/>
+        </p:spPr>
+        <p:txBody>
+          <a:bodyPr wrap="square" rtlCol="0">
+            <a:spAutoFit/>
+          </a:bodyPr>
+          <a:lstStyle/>
+          <a:p>
+            <a:pPr algn="ctr"/>
+            <a:r>
+              <a:rPr lang="fr-FR" sz="1200" dirty="0" smtClean="0">
+                <a:solidFill>
+                  <a:schemeClr val="bg1"/>
+                </a:solidFill>
+                <a:latin typeface="+mn-lt"/>
+              </a:rPr>
+              <a:t>Modules applicatifs</a:t>
+            </a:r>
+            <a:br>
+              <a:rPr lang="fr-FR" sz="1200" dirty="0" smtClean="0">
+                <a:solidFill>
+                  <a:schemeClr val="bg1"/>
+                </a:solidFill>
+                <a:latin typeface="+mn-lt"/>
+              </a:rPr>
+            </a:br>
+            <a:r>
+              <a:rPr lang="fr-FR" sz="1200" dirty="0" smtClean="0">
+                <a:solidFill>
+                  <a:schemeClr val="bg1"/>
+                </a:solidFill>
+                <a:latin typeface="+mn-lt"/>
+              </a:rPr>
+              <a:t>stables</a:t>
+            </a:r>
+            <a:endParaRPr lang="fr-FR" sz="1200" dirty="0" smtClean="0">
+              <a:solidFill>
+                <a:schemeClr val="bg1"/>
+              </a:solidFill>
+              <a:latin typeface="+mn-lt"/>
+            </a:endParaRPr>
           </a:p>
         </p:txBody>
       </p:sp>
     </p:spTree>
     <p:extLst>
       <p:ext uri="{BB962C8B-B14F-4D97-AF65-F5344CB8AC3E}">
-        <p14:creationId xmlns:p14="http://schemas.microsoft.com/office/powerpoint/2010/main" val="275888990"/>
+        <p14:creationId xmlns:p14="http://schemas.microsoft.com/office/powerpoint/2010/main" val="1149199366"/>
       </p:ext>
     </p:extLst>
   </p:cSld>

--- a/wip/decouplage/illus.pptx
+++ b/wip/decouplage/illus.pptx
@@ -5,11 +5,10 @@
     <p:sldMasterId id="2147483660" r:id="rId1"/>
   </p:sldMasterIdLst>
   <p:notesMasterIdLst>
-    <p:notesMasterId r:id="rId4"/>
+    <p:notesMasterId r:id="rId3"/>
   </p:notesMasterIdLst>
   <p:sldIdLst>
     <p:sldId id="273" r:id="rId2"/>
-    <p:sldId id="274" r:id="rId3"/>
   </p:sldIdLst>
   <p:sldSz cx="9144000" cy="6858000" type="screen4x3"/>
   <p:notesSz cx="6858000" cy="9144000"/>
@@ -128,788 +127,6 @@
 </file>
 
 <file path=ppt/diagrams/colors1.xml><?xml version="1.0" encoding="utf-8"?>
-<dgm:colorsDef xmlns:dgm="http://schemas.openxmlformats.org/drawingml/2006/diagram" xmlns:a="http://schemas.openxmlformats.org/drawingml/2006/main" uniqueId="urn:microsoft.com/office/officeart/2005/8/colors/colorful2">
-  <dgm:title val=""/>
-  <dgm:desc val=""/>
-  <dgm:catLst>
-    <dgm:cat type="colorful" pri="10200"/>
-  </dgm:catLst>
-  <dgm:styleLbl name="node0">
-    <dgm:fillClrLst meth="repeat">
-      <a:schemeClr val="accent1"/>
-    </dgm:fillClrLst>
-    <dgm:linClrLst meth="repeat">
-      <a:schemeClr val="lt1"/>
-    </dgm:linClrLst>
-    <dgm:effectClrLst/>
-    <dgm:txLinClrLst/>
-    <dgm:txFillClrLst/>
-    <dgm:txEffectClrLst/>
-  </dgm:styleLbl>
-  <dgm:styleLbl name="node1">
-    <dgm:fillClrLst>
-      <a:schemeClr val="accent2"/>
-      <a:schemeClr val="accent3"/>
-    </dgm:fillClrLst>
-    <dgm:linClrLst meth="repeat">
-      <a:schemeClr val="lt1"/>
-    </dgm:linClrLst>
-    <dgm:effectClrLst/>
-    <dgm:txLinClrLst/>
-    <dgm:txFillClrLst/>
-    <dgm:txEffectClrLst/>
-  </dgm:styleLbl>
-  <dgm:styleLbl name="alignNode1">
-    <dgm:fillClrLst>
-      <a:schemeClr val="accent2"/>
-      <a:schemeClr val="accent3"/>
-    </dgm:fillClrLst>
-    <dgm:linClrLst>
-      <a:schemeClr val="accent2"/>
-      <a:schemeClr val="accent3"/>
-    </dgm:linClrLst>
-    <dgm:effectClrLst/>
-    <dgm:txLinClrLst/>
-    <dgm:txFillClrLst/>
-    <dgm:txEffectClrLst/>
-  </dgm:styleLbl>
-  <dgm:styleLbl name="lnNode1">
-    <dgm:fillClrLst>
-      <a:schemeClr val="accent2"/>
-      <a:schemeClr val="accent3"/>
-    </dgm:fillClrLst>
-    <dgm:linClrLst meth="repeat">
-      <a:schemeClr val="lt1"/>
-    </dgm:linClrLst>
-    <dgm:effectClrLst/>
-    <dgm:txLinClrLst/>
-    <dgm:txFillClrLst/>
-    <dgm:txEffectClrLst/>
-  </dgm:styleLbl>
-  <dgm:styleLbl name="vennNode1">
-    <dgm:fillClrLst>
-      <a:schemeClr val="accent2">
-        <a:alpha val="50000"/>
-      </a:schemeClr>
-      <a:schemeClr val="accent3">
-        <a:alpha val="50000"/>
-      </a:schemeClr>
-    </dgm:fillClrLst>
-    <dgm:linClrLst meth="repeat">
-      <a:schemeClr val="lt1"/>
-    </dgm:linClrLst>
-    <dgm:effectClrLst/>
-    <dgm:txLinClrLst/>
-    <dgm:txFillClrLst/>
-    <dgm:txEffectClrLst/>
-  </dgm:styleLbl>
-  <dgm:styleLbl name="node2">
-    <dgm:fillClrLst>
-      <a:schemeClr val="accent3"/>
-    </dgm:fillClrLst>
-    <dgm:linClrLst meth="repeat">
-      <a:schemeClr val="lt1"/>
-    </dgm:linClrLst>
-    <dgm:effectClrLst/>
-    <dgm:txLinClrLst/>
-    <dgm:txFillClrLst/>
-    <dgm:txEffectClrLst/>
-  </dgm:styleLbl>
-  <dgm:styleLbl name="node3">
-    <dgm:fillClrLst>
-      <a:schemeClr val="accent4"/>
-    </dgm:fillClrLst>
-    <dgm:linClrLst meth="repeat">
-      <a:schemeClr val="lt1"/>
-    </dgm:linClrLst>
-    <dgm:effectClrLst/>
-    <dgm:txLinClrLst/>
-    <dgm:txFillClrLst/>
-    <dgm:txEffectClrLst/>
-  </dgm:styleLbl>
-  <dgm:styleLbl name="node4">
-    <dgm:fillClrLst>
-      <a:schemeClr val="accent5"/>
-    </dgm:fillClrLst>
-    <dgm:linClrLst meth="repeat">
-      <a:schemeClr val="lt1"/>
-    </dgm:linClrLst>
-    <dgm:effectClrLst/>
-    <dgm:txLinClrLst/>
-    <dgm:txFillClrLst/>
-    <dgm:txEffectClrLst/>
-  </dgm:styleLbl>
-  <dgm:styleLbl name="fgImgPlace1">
-    <dgm:fillClrLst>
-      <a:schemeClr val="accent2">
-        <a:tint val="50000"/>
-      </a:schemeClr>
-      <a:schemeClr val="accent3">
-        <a:tint val="50000"/>
-      </a:schemeClr>
-    </dgm:fillClrLst>
-    <dgm:linClrLst meth="repeat">
-      <a:schemeClr val="lt1"/>
-    </dgm:linClrLst>
-    <dgm:effectClrLst/>
-    <dgm:txLinClrLst/>
-    <dgm:txFillClrLst meth="repeat">
-      <a:schemeClr val="lt1"/>
-    </dgm:txFillClrLst>
-    <dgm:txEffectClrLst/>
-  </dgm:styleLbl>
-  <dgm:styleLbl name="alignImgPlace1">
-    <dgm:fillClrLst>
-      <a:schemeClr val="accent2">
-        <a:tint val="50000"/>
-      </a:schemeClr>
-      <a:schemeClr val="accent3">
-        <a:tint val="20000"/>
-      </a:schemeClr>
-    </dgm:fillClrLst>
-    <dgm:linClrLst meth="repeat">
-      <a:schemeClr val="lt1"/>
-    </dgm:linClrLst>
-    <dgm:effectClrLst/>
-    <dgm:txLinClrLst/>
-    <dgm:txFillClrLst meth="repeat">
-      <a:schemeClr val="lt1"/>
-    </dgm:txFillClrLst>
-    <dgm:txEffectClrLst/>
-  </dgm:styleLbl>
-  <dgm:styleLbl name="bgImgPlace1">
-    <dgm:fillClrLst>
-      <a:schemeClr val="accent2">
-        <a:tint val="50000"/>
-      </a:schemeClr>
-      <a:schemeClr val="accent3">
-        <a:tint val="20000"/>
-      </a:schemeClr>
-    </dgm:fillClrLst>
-    <dgm:linClrLst meth="repeat">
-      <a:schemeClr val="lt1"/>
-    </dgm:linClrLst>
-    <dgm:effectClrLst/>
-    <dgm:txLinClrLst/>
-    <dgm:txFillClrLst meth="repeat">
-      <a:schemeClr val="lt1"/>
-    </dgm:txFillClrLst>
-    <dgm:txEffectClrLst/>
-  </dgm:styleLbl>
-  <dgm:styleLbl name="sibTrans2D1">
-    <dgm:fillClrLst>
-      <a:schemeClr val="accent2"/>
-      <a:schemeClr val="accent3"/>
-    </dgm:fillClrLst>
-    <dgm:linClrLst meth="repeat">
-      <a:schemeClr val="lt1"/>
-    </dgm:linClrLst>
-    <dgm:effectClrLst/>
-    <dgm:txLinClrLst/>
-    <dgm:txFillClrLst/>
-    <dgm:txEffectClrLst/>
-  </dgm:styleLbl>
-  <dgm:styleLbl name="fgSibTrans2D1">
-    <dgm:fillClrLst>
-      <a:schemeClr val="accent2"/>
-      <a:schemeClr val="accent3"/>
-    </dgm:fillClrLst>
-    <dgm:linClrLst meth="repeat">
-      <a:schemeClr val="lt1"/>
-    </dgm:linClrLst>
-    <dgm:effectClrLst/>
-    <dgm:txLinClrLst/>
-    <dgm:txFillClrLst meth="repeat">
-      <a:schemeClr val="lt1"/>
-    </dgm:txFillClrLst>
-    <dgm:txEffectClrLst/>
-  </dgm:styleLbl>
-  <dgm:styleLbl name="bgSibTrans2D1">
-    <dgm:fillClrLst>
-      <a:schemeClr val="accent2"/>
-      <a:schemeClr val="accent3"/>
-    </dgm:fillClrLst>
-    <dgm:linClrLst meth="repeat">
-      <a:schemeClr val="lt1"/>
-    </dgm:linClrLst>
-    <dgm:effectClrLst/>
-    <dgm:txLinClrLst/>
-    <dgm:txFillClrLst meth="repeat">
-      <a:schemeClr val="lt1"/>
-    </dgm:txFillClrLst>
-    <dgm:txEffectClrLst/>
-  </dgm:styleLbl>
-  <dgm:styleLbl name="sibTrans1D1">
-    <dgm:fillClrLst/>
-    <dgm:linClrLst>
-      <a:schemeClr val="accent2"/>
-      <a:schemeClr val="accent3"/>
-    </dgm:linClrLst>
-    <dgm:effectClrLst/>
-    <dgm:txLinClrLst/>
-    <dgm:txFillClrLst meth="repeat">
-      <a:schemeClr val="tx1"/>
-    </dgm:txFillClrLst>
-    <dgm:txEffectClrLst/>
-  </dgm:styleLbl>
-  <dgm:styleLbl name="callout">
-    <dgm:fillClrLst meth="repeat">
-      <a:schemeClr val="accent2"/>
-    </dgm:fillClrLst>
-    <dgm:linClrLst meth="repeat">
-      <a:schemeClr val="accent2">
-        <a:tint val="50000"/>
-      </a:schemeClr>
-    </dgm:linClrLst>
-    <dgm:effectClrLst/>
-    <dgm:txLinClrLst/>
-    <dgm:txFillClrLst meth="repeat">
-      <a:schemeClr val="tx1"/>
-    </dgm:txFillClrLst>
-    <dgm:txEffectClrLst/>
-  </dgm:styleLbl>
-  <dgm:styleLbl name="asst0">
-    <dgm:fillClrLst meth="repeat">
-      <a:schemeClr val="accent2"/>
-    </dgm:fillClrLst>
-    <dgm:linClrLst meth="repeat">
-      <a:schemeClr val="lt1">
-        <a:shade val="80000"/>
-      </a:schemeClr>
-    </dgm:linClrLst>
-    <dgm:effectClrLst/>
-    <dgm:txLinClrLst/>
-    <dgm:txFillClrLst/>
-    <dgm:txEffectClrLst/>
-  </dgm:styleLbl>
-  <dgm:styleLbl name="asst1">
-    <dgm:fillClrLst meth="repeat">
-      <a:schemeClr val="accent3"/>
-    </dgm:fillClrLst>
-    <dgm:linClrLst meth="repeat">
-      <a:schemeClr val="lt1">
-        <a:shade val="80000"/>
-      </a:schemeClr>
-    </dgm:linClrLst>
-    <dgm:effectClrLst/>
-    <dgm:txLinClrLst/>
-    <dgm:txFillClrLst/>
-    <dgm:txEffectClrLst/>
-  </dgm:styleLbl>
-  <dgm:styleLbl name="asst2">
-    <dgm:fillClrLst>
-      <a:schemeClr val="accent4"/>
-    </dgm:fillClrLst>
-    <dgm:linClrLst meth="repeat">
-      <a:schemeClr val="lt1"/>
-    </dgm:linClrLst>
-    <dgm:effectClrLst/>
-    <dgm:txLinClrLst/>
-    <dgm:txFillClrLst/>
-    <dgm:txEffectClrLst/>
-  </dgm:styleLbl>
-  <dgm:styleLbl name="asst3">
-    <dgm:fillClrLst>
-      <a:schemeClr val="accent5"/>
-    </dgm:fillClrLst>
-    <dgm:linClrLst meth="repeat">
-      <a:schemeClr val="lt1"/>
-    </dgm:linClrLst>
-    <dgm:effectClrLst/>
-    <dgm:txLinClrLst/>
-    <dgm:txFillClrLst/>
-    <dgm:txEffectClrLst/>
-  </dgm:styleLbl>
-  <dgm:styleLbl name="asst4">
-    <dgm:fillClrLst>
-      <a:schemeClr val="accent6"/>
-    </dgm:fillClrLst>
-    <dgm:linClrLst meth="repeat">
-      <a:schemeClr val="lt1"/>
-    </dgm:linClrLst>
-    <dgm:effectClrLst/>
-    <dgm:txLinClrLst/>
-    <dgm:txFillClrLst/>
-    <dgm:txEffectClrLst/>
-  </dgm:styleLbl>
-  <dgm:styleLbl name="parChTrans2D1">
-    <dgm:fillClrLst meth="repeat">
-      <a:schemeClr val="accent2"/>
-    </dgm:fillClrLst>
-    <dgm:linClrLst meth="repeat">
-      <a:schemeClr val="lt1"/>
-    </dgm:linClrLst>
-    <dgm:effectClrLst/>
-    <dgm:txLinClrLst/>
-    <dgm:txFillClrLst meth="repeat">
-      <a:schemeClr val="lt1"/>
-    </dgm:txFillClrLst>
-    <dgm:txEffectClrLst/>
-  </dgm:styleLbl>
-  <dgm:styleLbl name="parChTrans2D2">
-    <dgm:fillClrLst meth="repeat">
-      <a:schemeClr val="accent3"/>
-    </dgm:fillClrLst>
-    <dgm:linClrLst meth="repeat">
-      <a:schemeClr val="lt1"/>
-    </dgm:linClrLst>
-    <dgm:effectClrLst/>
-    <dgm:txLinClrLst/>
-    <dgm:txFillClrLst/>
-    <dgm:txEffectClrLst/>
-  </dgm:styleLbl>
-  <dgm:styleLbl name="parChTrans2D3">
-    <dgm:fillClrLst meth="repeat">
-      <a:schemeClr val="accent4"/>
-    </dgm:fillClrLst>
-    <dgm:linClrLst meth="repeat">
-      <a:schemeClr val="lt1"/>
-    </dgm:linClrLst>
-    <dgm:effectClrLst/>
-    <dgm:txLinClrLst/>
-    <dgm:txFillClrLst/>
-    <dgm:txEffectClrLst/>
-  </dgm:styleLbl>
-  <dgm:styleLbl name="parChTrans2D4">
-    <dgm:fillClrLst meth="repeat">
-      <a:schemeClr val="accent5"/>
-    </dgm:fillClrLst>
-    <dgm:linClrLst meth="repeat">
-      <a:schemeClr val="lt1"/>
-    </dgm:linClrLst>
-    <dgm:effectClrLst/>
-    <dgm:txLinClrLst/>
-    <dgm:txFillClrLst meth="repeat">
-      <a:schemeClr val="lt1"/>
-    </dgm:txFillClrLst>
-    <dgm:txEffectClrLst/>
-  </dgm:styleLbl>
-  <dgm:styleLbl name="parChTrans1D1">
-    <dgm:fillClrLst meth="repeat">
-      <a:schemeClr val="accent2"/>
-    </dgm:fillClrLst>
-    <dgm:linClrLst meth="repeat">
-      <a:schemeClr val="accent2"/>
-    </dgm:linClrLst>
-    <dgm:effectClrLst/>
-    <dgm:txLinClrLst/>
-    <dgm:txFillClrLst meth="repeat">
-      <a:schemeClr val="tx1"/>
-    </dgm:txFillClrLst>
-    <dgm:txEffectClrLst/>
-  </dgm:styleLbl>
-  <dgm:styleLbl name="parChTrans1D2">
-    <dgm:fillClrLst meth="repeat">
-      <a:schemeClr val="accent2">
-        <a:tint val="90000"/>
-      </a:schemeClr>
-    </dgm:fillClrLst>
-    <dgm:linClrLst meth="repeat">
-      <a:schemeClr val="accent3"/>
-    </dgm:linClrLst>
-    <dgm:effectClrLst/>
-    <dgm:txLinClrLst/>
-    <dgm:txFillClrLst meth="repeat">
-      <a:schemeClr val="tx1"/>
-    </dgm:txFillClrLst>
-    <dgm:txEffectClrLst/>
-  </dgm:styleLbl>
-  <dgm:styleLbl name="parChTrans1D3">
-    <dgm:fillClrLst meth="repeat">
-      <a:schemeClr val="accent2">
-        <a:tint val="70000"/>
-      </a:schemeClr>
-    </dgm:fillClrLst>
-    <dgm:linClrLst meth="repeat">
-      <a:schemeClr val="accent4"/>
-    </dgm:linClrLst>
-    <dgm:effectClrLst/>
-    <dgm:txLinClrLst/>
-    <dgm:txFillClrLst meth="repeat">
-      <a:schemeClr val="tx1"/>
-    </dgm:txFillClrLst>
-    <dgm:txEffectClrLst/>
-  </dgm:styleLbl>
-  <dgm:styleLbl name="parChTrans1D4">
-    <dgm:fillClrLst meth="repeat">
-      <a:schemeClr val="accent2">
-        <a:tint val="50000"/>
-      </a:schemeClr>
-    </dgm:fillClrLst>
-    <dgm:linClrLst meth="repeat">
-      <a:schemeClr val="accent5"/>
-    </dgm:linClrLst>
-    <dgm:effectClrLst/>
-    <dgm:txLinClrLst/>
-    <dgm:txFillClrLst meth="repeat">
-      <a:schemeClr val="tx1"/>
-    </dgm:txFillClrLst>
-    <dgm:txEffectClrLst/>
-  </dgm:styleLbl>
-  <dgm:styleLbl name="fgAcc1">
-    <dgm:fillClrLst meth="repeat">
-      <a:schemeClr val="lt1">
-        <a:alpha val="90000"/>
-      </a:schemeClr>
-    </dgm:fillClrLst>
-    <dgm:linClrLst>
-      <a:schemeClr val="accent2"/>
-      <a:schemeClr val="accent3"/>
-    </dgm:linClrLst>
-    <dgm:effectClrLst/>
-    <dgm:txLinClrLst/>
-    <dgm:txFillClrLst meth="repeat">
-      <a:schemeClr val="dk1"/>
-    </dgm:txFillClrLst>
-    <dgm:txEffectClrLst/>
-  </dgm:styleLbl>
-  <dgm:styleLbl name="conFgAcc1">
-    <dgm:fillClrLst meth="repeat">
-      <a:schemeClr val="lt1">
-        <a:alpha val="90000"/>
-      </a:schemeClr>
-    </dgm:fillClrLst>
-    <dgm:linClrLst>
-      <a:schemeClr val="accent2"/>
-      <a:schemeClr val="accent3"/>
-    </dgm:linClrLst>
-    <dgm:effectClrLst/>
-    <dgm:txLinClrLst/>
-    <dgm:txFillClrLst meth="repeat">
-      <a:schemeClr val="dk1"/>
-    </dgm:txFillClrLst>
-    <dgm:txEffectClrLst/>
-  </dgm:styleLbl>
-  <dgm:styleLbl name="alignAcc1">
-    <dgm:fillClrLst meth="repeat">
-      <a:schemeClr val="lt1">
-        <a:alpha val="90000"/>
-      </a:schemeClr>
-    </dgm:fillClrLst>
-    <dgm:linClrLst>
-      <a:schemeClr val="accent2"/>
-      <a:schemeClr val="accent3"/>
-    </dgm:linClrLst>
-    <dgm:effectClrLst/>
-    <dgm:txLinClrLst/>
-    <dgm:txFillClrLst meth="repeat">
-      <a:schemeClr val="dk1"/>
-    </dgm:txFillClrLst>
-    <dgm:txEffectClrLst/>
-  </dgm:styleLbl>
-  <dgm:styleLbl name="trAlignAcc1">
-    <dgm:fillClrLst meth="repeat">
-      <a:schemeClr val="lt1">
-        <a:alpha val="40000"/>
-      </a:schemeClr>
-    </dgm:fillClrLst>
-    <dgm:linClrLst meth="repeat">
-      <a:schemeClr val="accent2"/>
-    </dgm:linClrLst>
-    <dgm:effectClrLst/>
-    <dgm:txLinClrLst/>
-    <dgm:txFillClrLst meth="repeat">
-      <a:schemeClr val="dk1"/>
-    </dgm:txFillClrLst>
-    <dgm:txEffectClrLst/>
-  </dgm:styleLbl>
-  <dgm:styleLbl name="bgAcc1">
-    <dgm:fillClrLst meth="repeat">
-      <a:schemeClr val="lt1">
-        <a:alpha val="90000"/>
-      </a:schemeClr>
-    </dgm:fillClrLst>
-    <dgm:linClrLst>
-      <a:schemeClr val="accent2"/>
-      <a:schemeClr val="accent3"/>
-    </dgm:linClrLst>
-    <dgm:effectClrLst/>
-    <dgm:txLinClrLst/>
-    <dgm:txFillClrLst meth="repeat">
-      <a:schemeClr val="dk1"/>
-    </dgm:txFillClrLst>
-    <dgm:txEffectClrLst/>
-  </dgm:styleLbl>
-  <dgm:styleLbl name="solidFgAcc1">
-    <dgm:fillClrLst meth="repeat">
-      <a:schemeClr val="lt1"/>
-    </dgm:fillClrLst>
-    <dgm:linClrLst>
-      <a:schemeClr val="accent2"/>
-      <a:schemeClr val="accent3"/>
-    </dgm:linClrLst>
-    <dgm:effectClrLst/>
-    <dgm:txLinClrLst/>
-    <dgm:txFillClrLst meth="repeat">
-      <a:schemeClr val="dk1"/>
-    </dgm:txFillClrLst>
-    <dgm:txEffectClrLst/>
-  </dgm:styleLbl>
-  <dgm:styleLbl name="solidAlignAcc1">
-    <dgm:fillClrLst meth="repeat">
-      <a:schemeClr val="lt1"/>
-    </dgm:fillClrLst>
-    <dgm:linClrLst>
-      <a:schemeClr val="accent2"/>
-      <a:schemeClr val="accent3"/>
-    </dgm:linClrLst>
-    <dgm:effectClrLst/>
-    <dgm:txLinClrLst/>
-    <dgm:txFillClrLst meth="repeat">
-      <a:schemeClr val="dk1"/>
-    </dgm:txFillClrLst>
-    <dgm:txEffectClrLst/>
-  </dgm:styleLbl>
-  <dgm:styleLbl name="solidBgAcc1">
-    <dgm:fillClrLst meth="repeat">
-      <a:schemeClr val="lt1"/>
-    </dgm:fillClrLst>
-    <dgm:linClrLst>
-      <a:schemeClr val="accent2"/>
-      <a:schemeClr val="accent3"/>
-    </dgm:linClrLst>
-    <dgm:effectClrLst/>
-    <dgm:txLinClrLst/>
-    <dgm:txFillClrLst meth="repeat">
-      <a:schemeClr val="dk1"/>
-    </dgm:txFillClrLst>
-    <dgm:txEffectClrLst/>
-  </dgm:styleLbl>
-  <dgm:styleLbl name="fgAccFollowNode1">
-    <dgm:fillClrLst>
-      <a:schemeClr val="accent2">
-        <a:tint val="40000"/>
-        <a:alpha val="90000"/>
-      </a:schemeClr>
-      <a:schemeClr val="accent3">
-        <a:tint val="40000"/>
-        <a:alpha val="90000"/>
-      </a:schemeClr>
-    </dgm:fillClrLst>
-    <dgm:linClrLst>
-      <a:schemeClr val="accent2">
-        <a:tint val="40000"/>
-        <a:alpha val="90000"/>
-      </a:schemeClr>
-      <a:schemeClr val="accent3">
-        <a:tint val="40000"/>
-        <a:alpha val="90000"/>
-      </a:schemeClr>
-    </dgm:linClrLst>
-    <dgm:effectClrLst/>
-    <dgm:txLinClrLst/>
-    <dgm:txFillClrLst meth="repeat">
-      <a:schemeClr val="dk1"/>
-    </dgm:txFillClrLst>
-    <dgm:txEffectClrLst/>
-  </dgm:styleLbl>
-  <dgm:styleLbl name="alignAccFollowNode1">
-    <dgm:fillClrLst>
-      <a:schemeClr val="accent2">
-        <a:tint val="40000"/>
-        <a:alpha val="90000"/>
-      </a:schemeClr>
-      <a:schemeClr val="accent3">
-        <a:tint val="40000"/>
-        <a:alpha val="90000"/>
-      </a:schemeClr>
-    </dgm:fillClrLst>
-    <dgm:linClrLst>
-      <a:schemeClr val="accent2">
-        <a:tint val="40000"/>
-        <a:alpha val="90000"/>
-      </a:schemeClr>
-      <a:schemeClr val="accent3">
-        <a:tint val="40000"/>
-        <a:alpha val="90000"/>
-      </a:schemeClr>
-    </dgm:linClrLst>
-    <dgm:effectClrLst/>
-    <dgm:txLinClrLst/>
-    <dgm:txFillClrLst meth="repeat">
-      <a:schemeClr val="dk1"/>
-    </dgm:txFillClrLst>
-    <dgm:txEffectClrLst/>
-  </dgm:styleLbl>
-  <dgm:styleLbl name="bgAccFollowNode1">
-    <dgm:fillClrLst>
-      <a:schemeClr val="accent2">
-        <a:tint val="40000"/>
-        <a:alpha val="90000"/>
-      </a:schemeClr>
-      <a:schemeClr val="accent3">
-        <a:tint val="40000"/>
-        <a:alpha val="90000"/>
-      </a:schemeClr>
-    </dgm:fillClrLst>
-    <dgm:linClrLst>
-      <a:schemeClr val="accent2">
-        <a:tint val="40000"/>
-        <a:alpha val="90000"/>
-      </a:schemeClr>
-      <a:schemeClr val="accent3">
-        <a:tint val="40000"/>
-        <a:alpha val="90000"/>
-      </a:schemeClr>
-    </dgm:linClrLst>
-    <dgm:effectClrLst/>
-    <dgm:txLinClrLst/>
-    <dgm:txFillClrLst meth="repeat">
-      <a:schemeClr val="dk1"/>
-    </dgm:txFillClrLst>
-    <dgm:txEffectClrLst/>
-  </dgm:styleLbl>
-  <dgm:styleLbl name="fgAcc0">
-    <dgm:fillClrLst meth="repeat">
-      <a:schemeClr val="lt1">
-        <a:alpha val="90000"/>
-      </a:schemeClr>
-    </dgm:fillClrLst>
-    <dgm:linClrLst>
-      <a:schemeClr val="accent1"/>
-    </dgm:linClrLst>
-    <dgm:effectClrLst/>
-    <dgm:txLinClrLst/>
-    <dgm:txFillClrLst meth="repeat">
-      <a:schemeClr val="dk1"/>
-    </dgm:txFillClrLst>
-    <dgm:txEffectClrLst/>
-  </dgm:styleLbl>
-  <dgm:styleLbl name="fgAcc2">
-    <dgm:fillClrLst meth="repeat">
-      <a:schemeClr val="lt1">
-        <a:alpha val="90000"/>
-      </a:schemeClr>
-    </dgm:fillClrLst>
-    <dgm:linClrLst>
-      <a:schemeClr val="accent3"/>
-    </dgm:linClrLst>
-    <dgm:effectClrLst/>
-    <dgm:txLinClrLst/>
-    <dgm:txFillClrLst meth="repeat">
-      <a:schemeClr val="dk1"/>
-    </dgm:txFillClrLst>
-    <dgm:txEffectClrLst/>
-  </dgm:styleLbl>
-  <dgm:styleLbl name="fgAcc3">
-    <dgm:fillClrLst meth="repeat">
-      <a:schemeClr val="lt1">
-        <a:alpha val="90000"/>
-      </a:schemeClr>
-    </dgm:fillClrLst>
-    <dgm:linClrLst>
-      <a:schemeClr val="accent4"/>
-    </dgm:linClrLst>
-    <dgm:effectClrLst/>
-    <dgm:txLinClrLst/>
-    <dgm:txFillClrLst meth="repeat">
-      <a:schemeClr val="dk1"/>
-    </dgm:txFillClrLst>
-    <dgm:txEffectClrLst/>
-  </dgm:styleLbl>
-  <dgm:styleLbl name="fgAcc4">
-    <dgm:fillClrLst meth="repeat">
-      <a:schemeClr val="lt1">
-        <a:alpha val="90000"/>
-      </a:schemeClr>
-    </dgm:fillClrLst>
-    <dgm:linClrLst>
-      <a:schemeClr val="accent5"/>
-    </dgm:linClrLst>
-    <dgm:effectClrLst/>
-    <dgm:txLinClrLst/>
-    <dgm:txFillClrLst meth="repeat">
-      <a:schemeClr val="dk1"/>
-    </dgm:txFillClrLst>
-    <dgm:txEffectClrLst/>
-  </dgm:styleLbl>
-  <dgm:styleLbl name="bgShp">
-    <dgm:fillClrLst meth="repeat">
-      <a:schemeClr val="accent2">
-        <a:tint val="40000"/>
-      </a:schemeClr>
-    </dgm:fillClrLst>
-    <dgm:linClrLst meth="repeat">
-      <a:schemeClr val="dk1"/>
-    </dgm:linClrLst>
-    <dgm:effectClrLst/>
-    <dgm:txLinClrLst/>
-    <dgm:txFillClrLst meth="repeat">
-      <a:schemeClr val="dk1"/>
-    </dgm:txFillClrLst>
-    <dgm:txEffectClrLst/>
-  </dgm:styleLbl>
-  <dgm:styleLbl name="dkBgShp">
-    <dgm:fillClrLst meth="repeat">
-      <a:schemeClr val="accent2">
-        <a:shade val="90000"/>
-      </a:schemeClr>
-    </dgm:fillClrLst>
-    <dgm:linClrLst meth="repeat">
-      <a:schemeClr val="dk1"/>
-    </dgm:linClrLst>
-    <dgm:effectClrLst/>
-    <dgm:txLinClrLst/>
-    <dgm:txFillClrLst meth="repeat">
-      <a:schemeClr val="lt1"/>
-    </dgm:txFillClrLst>
-    <dgm:txEffectClrLst/>
-  </dgm:styleLbl>
-  <dgm:styleLbl name="trBgShp">
-    <dgm:fillClrLst meth="repeat">
-      <a:schemeClr val="accent2">
-        <a:tint val="50000"/>
-        <a:alpha val="40000"/>
-      </a:schemeClr>
-    </dgm:fillClrLst>
-    <dgm:linClrLst meth="repeat">
-      <a:schemeClr val="accent2"/>
-    </dgm:linClrLst>
-    <dgm:effectClrLst/>
-    <dgm:txLinClrLst/>
-    <dgm:txFillClrLst meth="repeat">
-      <a:schemeClr val="lt1"/>
-    </dgm:txFillClrLst>
-    <dgm:txEffectClrLst/>
-  </dgm:styleLbl>
-  <dgm:styleLbl name="fgShp">
-    <dgm:fillClrLst meth="repeat">
-      <a:schemeClr val="accent2">
-        <a:tint val="40000"/>
-      </a:schemeClr>
-    </dgm:fillClrLst>
-    <dgm:linClrLst meth="repeat">
-      <a:schemeClr val="lt1"/>
-    </dgm:linClrLst>
-    <dgm:effectClrLst/>
-    <dgm:txLinClrLst/>
-    <dgm:txFillClrLst meth="repeat">
-      <a:schemeClr val="dk1"/>
-    </dgm:txFillClrLst>
-    <dgm:txEffectClrLst/>
-  </dgm:styleLbl>
-  <dgm:styleLbl name="revTx">
-    <dgm:fillClrLst meth="repeat">
-      <a:schemeClr val="lt1">
-        <a:alpha val="0"/>
-      </a:schemeClr>
-    </dgm:fillClrLst>
-    <dgm:linClrLst meth="repeat">
-      <a:schemeClr val="dk1">
-        <a:alpha val="0"/>
-      </a:schemeClr>
-    </dgm:linClrLst>
-    <dgm:effectClrLst/>
-    <dgm:txLinClrLst/>
-    <dgm:txFillClrLst meth="repeat">
-      <a:schemeClr val="tx1"/>
-    </dgm:txFillClrLst>
-    <dgm:txEffectClrLst/>
-  </dgm:styleLbl>
-</dgm:colorsDef>
-</file>
-
-<file path=ppt/diagrams/colors2.xml><?xml version="1.0" encoding="utf-8"?>
 <dgm:colorsDef xmlns:dgm="http://schemas.openxmlformats.org/drawingml/2006/diagram" xmlns:a="http://schemas.openxmlformats.org/drawingml/2006/main" uniqueId="urn:microsoft.com/office/officeart/2005/8/colors/colorful2">
   <dgm:title val=""/>
   <dgm:desc val=""/>
@@ -1953,268 +1170,6 @@
 </dgm:dataModel>
 </file>
 
-<file path=ppt/diagrams/data2.xml><?xml version="1.0" encoding="utf-8"?>
-<dgm:dataModel xmlns:dgm="http://schemas.openxmlformats.org/drawingml/2006/diagram" xmlns:a="http://schemas.openxmlformats.org/drawingml/2006/main">
-  <dgm:ptLst>
-    <dgm:pt modelId="{07454628-6EB8-B649-B8F1-151258B4515F}" type="doc">
-      <dgm:prSet loTypeId="urn:microsoft.com/office/officeart/2005/8/layout/venn1" loCatId="" qsTypeId="urn:microsoft.com/office/officeart/2005/8/quickstyle/simple4" qsCatId="simple" csTypeId="urn:microsoft.com/office/officeart/2005/8/colors/colorful2" csCatId="colorful" phldr="1"/>
-      <dgm:spPr/>
-    </dgm:pt>
-    <dgm:pt modelId="{CD00A919-06AB-0F40-A1A5-BF62B8C2D8CA}">
-      <dgm:prSet phldrT="[Texte]"/>
-      <dgm:spPr>
-        <a:solidFill>
-          <a:srgbClr val="E63527">
-            <a:alpha val="74902"/>
-          </a:srgbClr>
-        </a:solidFill>
-      </dgm:spPr>
-      <dgm:t>
-        <a:bodyPr/>
-        <a:lstStyle/>
-        <a:p>
-          <a:r>
-            <a:rPr lang="fr-FR" b="1" dirty="0" smtClean="0"/>
-            <a:t>Format	</a:t>
-          </a:r>
-          <a:endParaRPr lang="fr-FR" b="1" dirty="0"/>
-        </a:p>
-      </dgm:t>
-    </dgm:pt>
-    <dgm:pt modelId="{FCC1254A-0FCA-8749-AE01-9F47E4D76228}" type="parTrans" cxnId="{3198ADD8-22E7-9146-BFF3-0F951A0D60F1}">
-      <dgm:prSet/>
-      <dgm:spPr/>
-      <dgm:t>
-        <a:bodyPr/>
-        <a:lstStyle/>
-        <a:p>
-          <a:endParaRPr lang="fr-FR"/>
-        </a:p>
-      </dgm:t>
-    </dgm:pt>
-    <dgm:pt modelId="{78B7B6A5-18F3-9E47-B2BE-9742D65F4614}" type="sibTrans" cxnId="{3198ADD8-22E7-9146-BFF3-0F951A0D60F1}">
-      <dgm:prSet/>
-      <dgm:spPr/>
-      <dgm:t>
-        <a:bodyPr/>
-        <a:lstStyle/>
-        <a:p>
-          <a:endParaRPr lang="fr-FR"/>
-        </a:p>
-      </dgm:t>
-    </dgm:pt>
-    <dgm:pt modelId="{58BCAAB8-25B5-5043-A39C-58CAF2200CC4}">
-      <dgm:prSet phldrT="[Texte]"/>
-      <dgm:spPr>
-        <a:solidFill>
-          <a:srgbClr val="78B755">
-            <a:alpha val="74902"/>
-          </a:srgbClr>
-        </a:solidFill>
-      </dgm:spPr>
-      <dgm:t>
-        <a:bodyPr/>
-        <a:lstStyle/>
-        <a:p>
-          <a:r>
-            <a:rPr lang="fr-FR" b="1" dirty="0" smtClean="0"/>
-            <a:t>Temporalité</a:t>
-          </a:r>
-          <a:endParaRPr lang="fr-FR" b="1" dirty="0"/>
-        </a:p>
-      </dgm:t>
-    </dgm:pt>
-    <dgm:pt modelId="{A37E90DE-B713-194C-849D-71908880540B}" type="parTrans" cxnId="{6922BAE6-6E39-184C-A808-5AC170334A70}">
-      <dgm:prSet/>
-      <dgm:spPr/>
-      <dgm:t>
-        <a:bodyPr/>
-        <a:lstStyle/>
-        <a:p>
-          <a:endParaRPr lang="fr-FR"/>
-        </a:p>
-      </dgm:t>
-    </dgm:pt>
-    <dgm:pt modelId="{E8245067-8E89-B241-B0BD-509112A59054}" type="sibTrans" cxnId="{6922BAE6-6E39-184C-A808-5AC170334A70}">
-      <dgm:prSet/>
-      <dgm:spPr/>
-      <dgm:t>
-        <a:bodyPr/>
-        <a:lstStyle/>
-        <a:p>
-          <a:endParaRPr lang="fr-FR"/>
-        </a:p>
-      </dgm:t>
-    </dgm:pt>
-    <dgm:pt modelId="{AAE58991-8DA8-5342-A22B-DEC3346F7865}">
-      <dgm:prSet phldrT="[Texte]"/>
-      <dgm:spPr>
-        <a:solidFill>
-          <a:srgbClr val="00A2D8">
-            <a:alpha val="74902"/>
-          </a:srgbClr>
-        </a:solidFill>
-      </dgm:spPr>
-      <dgm:t>
-        <a:bodyPr/>
-        <a:lstStyle/>
-        <a:p>
-          <a:r>
-            <a:rPr lang="fr-FR" b="1" dirty="0" smtClean="0"/>
-            <a:t>Localisation</a:t>
-          </a:r>
-          <a:endParaRPr lang="fr-FR" b="1" dirty="0"/>
-        </a:p>
-      </dgm:t>
-    </dgm:pt>
-    <dgm:pt modelId="{3AE02B2C-1E9B-7B41-8021-47DB2D499173}" type="parTrans" cxnId="{ED07310F-7A08-9D4A-AD44-A68AC93E1A59}">
-      <dgm:prSet/>
-      <dgm:spPr/>
-      <dgm:t>
-        <a:bodyPr/>
-        <a:lstStyle/>
-        <a:p>
-          <a:endParaRPr lang="fr-FR"/>
-        </a:p>
-      </dgm:t>
-    </dgm:pt>
-    <dgm:pt modelId="{65AC720F-831B-684A-A628-E1E706751D45}" type="sibTrans" cxnId="{ED07310F-7A08-9D4A-AD44-A68AC93E1A59}">
-      <dgm:prSet/>
-      <dgm:spPr/>
-      <dgm:t>
-        <a:bodyPr/>
-        <a:lstStyle/>
-        <a:p>
-          <a:endParaRPr lang="fr-FR"/>
-        </a:p>
-      </dgm:t>
-    </dgm:pt>
-    <dgm:pt modelId="{16706AA6-BF9C-704A-85C9-662D6D60C4E9}" type="pres">
-      <dgm:prSet presAssocID="{07454628-6EB8-B649-B8F1-151258B4515F}" presName="compositeShape" presStyleCnt="0">
-        <dgm:presLayoutVars>
-          <dgm:chMax val="7"/>
-          <dgm:dir/>
-          <dgm:resizeHandles val="exact"/>
-        </dgm:presLayoutVars>
-      </dgm:prSet>
-      <dgm:spPr/>
-    </dgm:pt>
-    <dgm:pt modelId="{6C1BB058-6908-0743-97CD-FC99BAC49090}" type="pres">
-      <dgm:prSet presAssocID="{CD00A919-06AB-0F40-A1A5-BF62B8C2D8CA}" presName="circ1" presStyleLbl="vennNode1" presStyleIdx="0" presStyleCnt="3" custScaleX="107556" custScaleY="113364"/>
-      <dgm:spPr/>
-      <dgm:t>
-        <a:bodyPr/>
-        <a:lstStyle/>
-        <a:p>
-          <a:endParaRPr lang="fr-FR"/>
-        </a:p>
-      </dgm:t>
-    </dgm:pt>
-    <dgm:pt modelId="{E037AC10-2233-0F49-8ED1-DD86A639C8ED}" type="pres">
-      <dgm:prSet presAssocID="{CD00A919-06AB-0F40-A1A5-BF62B8C2D8CA}" presName="circ1Tx" presStyleLbl="revTx" presStyleIdx="0" presStyleCnt="0">
-        <dgm:presLayoutVars>
-          <dgm:chMax val="0"/>
-          <dgm:chPref val="0"/>
-          <dgm:bulletEnabled val="1"/>
-        </dgm:presLayoutVars>
-      </dgm:prSet>
-      <dgm:spPr/>
-      <dgm:t>
-        <a:bodyPr/>
-        <a:lstStyle/>
-        <a:p>
-          <a:endParaRPr lang="fr-FR"/>
-        </a:p>
-      </dgm:t>
-    </dgm:pt>
-    <dgm:pt modelId="{18E75E97-3297-D242-B6E8-3A02FD6C5AF2}" type="pres">
-      <dgm:prSet presAssocID="{58BCAAB8-25B5-5043-A39C-58CAF2200CC4}" presName="circ2" presStyleLbl="vennNode1" presStyleIdx="1" presStyleCnt="3" custScaleX="107556" custScaleY="113364"/>
-      <dgm:spPr/>
-      <dgm:t>
-        <a:bodyPr/>
-        <a:lstStyle/>
-        <a:p>
-          <a:endParaRPr lang="fr-FR"/>
-        </a:p>
-      </dgm:t>
-    </dgm:pt>
-    <dgm:pt modelId="{70A3E2A6-7BEA-4041-A841-2C09A45BD649}" type="pres">
-      <dgm:prSet presAssocID="{58BCAAB8-25B5-5043-A39C-58CAF2200CC4}" presName="circ2Tx" presStyleLbl="revTx" presStyleIdx="0" presStyleCnt="0">
-        <dgm:presLayoutVars>
-          <dgm:chMax val="0"/>
-          <dgm:chPref val="0"/>
-          <dgm:bulletEnabled val="1"/>
-        </dgm:presLayoutVars>
-      </dgm:prSet>
-      <dgm:spPr/>
-      <dgm:t>
-        <a:bodyPr/>
-        <a:lstStyle/>
-        <a:p>
-          <a:endParaRPr lang="fr-FR"/>
-        </a:p>
-      </dgm:t>
-    </dgm:pt>
-    <dgm:pt modelId="{731A626E-758E-764F-8E19-2FA76D6CBEF0}" type="pres">
-      <dgm:prSet presAssocID="{AAE58991-8DA8-5342-A22B-DEC3346F7865}" presName="circ3" presStyleLbl="vennNode1" presStyleIdx="2" presStyleCnt="3" custScaleX="107556" custScaleY="113364"/>
-      <dgm:spPr/>
-      <dgm:t>
-        <a:bodyPr/>
-        <a:lstStyle/>
-        <a:p>
-          <a:endParaRPr lang="fr-FR"/>
-        </a:p>
-      </dgm:t>
-    </dgm:pt>
-    <dgm:pt modelId="{3247627B-D52B-7B47-9BF6-4BB5AFE19750}" type="pres">
-      <dgm:prSet presAssocID="{AAE58991-8DA8-5342-A22B-DEC3346F7865}" presName="circ3Tx" presStyleLbl="revTx" presStyleIdx="0" presStyleCnt="0">
-        <dgm:presLayoutVars>
-          <dgm:chMax val="0"/>
-          <dgm:chPref val="0"/>
-          <dgm:bulletEnabled val="1"/>
-        </dgm:presLayoutVars>
-      </dgm:prSet>
-      <dgm:spPr/>
-      <dgm:t>
-        <a:bodyPr/>
-        <a:lstStyle/>
-        <a:p>
-          <a:endParaRPr lang="fr-FR"/>
-        </a:p>
-      </dgm:t>
-    </dgm:pt>
-  </dgm:ptLst>
-  <dgm:cxnLst>
-    <dgm:cxn modelId="{3198ADD8-22E7-9146-BFF3-0F951A0D60F1}" srcId="{07454628-6EB8-B649-B8F1-151258B4515F}" destId="{CD00A919-06AB-0F40-A1A5-BF62B8C2D8CA}" srcOrd="0" destOrd="0" parTransId="{FCC1254A-0FCA-8749-AE01-9F47E4D76228}" sibTransId="{78B7B6A5-18F3-9E47-B2BE-9742D65F4614}"/>
-    <dgm:cxn modelId="{3AAE3152-C780-6641-9D2B-951D42F18943}" type="presOf" srcId="{CD00A919-06AB-0F40-A1A5-BF62B8C2D8CA}" destId="{6C1BB058-6908-0743-97CD-FC99BAC49090}" srcOrd="0" destOrd="0" presId="urn:microsoft.com/office/officeart/2005/8/layout/venn1"/>
-    <dgm:cxn modelId="{537F84FD-8D4B-BF49-981C-79F7ABDD35F3}" type="presOf" srcId="{58BCAAB8-25B5-5043-A39C-58CAF2200CC4}" destId="{70A3E2A6-7BEA-4041-A841-2C09A45BD649}" srcOrd="1" destOrd="0" presId="urn:microsoft.com/office/officeart/2005/8/layout/venn1"/>
-    <dgm:cxn modelId="{F803A7FA-3A30-A746-946F-F70286C9ACC9}" type="presOf" srcId="{AAE58991-8DA8-5342-A22B-DEC3346F7865}" destId="{731A626E-758E-764F-8E19-2FA76D6CBEF0}" srcOrd="0" destOrd="0" presId="urn:microsoft.com/office/officeart/2005/8/layout/venn1"/>
-    <dgm:cxn modelId="{6922BAE6-6E39-184C-A808-5AC170334A70}" srcId="{07454628-6EB8-B649-B8F1-151258B4515F}" destId="{58BCAAB8-25B5-5043-A39C-58CAF2200CC4}" srcOrd="1" destOrd="0" parTransId="{A37E90DE-B713-194C-849D-71908880540B}" sibTransId="{E8245067-8E89-B241-B0BD-509112A59054}"/>
-    <dgm:cxn modelId="{2CA850CE-42E3-C946-B73A-4F87CFD51509}" type="presOf" srcId="{58BCAAB8-25B5-5043-A39C-58CAF2200CC4}" destId="{18E75E97-3297-D242-B6E8-3A02FD6C5AF2}" srcOrd="0" destOrd="0" presId="urn:microsoft.com/office/officeart/2005/8/layout/venn1"/>
-    <dgm:cxn modelId="{1AFC0BE9-7C6D-AB4A-87D1-E4930811873D}" type="presOf" srcId="{AAE58991-8DA8-5342-A22B-DEC3346F7865}" destId="{3247627B-D52B-7B47-9BF6-4BB5AFE19750}" srcOrd="1" destOrd="0" presId="urn:microsoft.com/office/officeart/2005/8/layout/venn1"/>
-    <dgm:cxn modelId="{ED07310F-7A08-9D4A-AD44-A68AC93E1A59}" srcId="{07454628-6EB8-B649-B8F1-151258B4515F}" destId="{AAE58991-8DA8-5342-A22B-DEC3346F7865}" srcOrd="2" destOrd="0" parTransId="{3AE02B2C-1E9B-7B41-8021-47DB2D499173}" sibTransId="{65AC720F-831B-684A-A628-E1E706751D45}"/>
-    <dgm:cxn modelId="{F1235CC5-AC28-934B-B075-D28EDD4E68E8}" type="presOf" srcId="{07454628-6EB8-B649-B8F1-151258B4515F}" destId="{16706AA6-BF9C-704A-85C9-662D6D60C4E9}" srcOrd="0" destOrd="0" presId="urn:microsoft.com/office/officeart/2005/8/layout/venn1"/>
-    <dgm:cxn modelId="{D8145151-4DFF-DD47-B05C-285C8B75321F}" type="presOf" srcId="{CD00A919-06AB-0F40-A1A5-BF62B8C2D8CA}" destId="{E037AC10-2233-0F49-8ED1-DD86A639C8ED}" srcOrd="1" destOrd="0" presId="urn:microsoft.com/office/officeart/2005/8/layout/venn1"/>
-    <dgm:cxn modelId="{8071B22A-07F9-1145-BCA2-4A8B30CAA6FB}" type="presParOf" srcId="{16706AA6-BF9C-704A-85C9-662D6D60C4E9}" destId="{6C1BB058-6908-0743-97CD-FC99BAC49090}" srcOrd="0" destOrd="0" presId="urn:microsoft.com/office/officeart/2005/8/layout/venn1"/>
-    <dgm:cxn modelId="{95331905-92C4-4947-97B7-02A8747CB321}" type="presParOf" srcId="{16706AA6-BF9C-704A-85C9-662D6D60C4E9}" destId="{E037AC10-2233-0F49-8ED1-DD86A639C8ED}" srcOrd="1" destOrd="0" presId="urn:microsoft.com/office/officeart/2005/8/layout/venn1"/>
-    <dgm:cxn modelId="{A35AFA8D-161F-3B4B-916A-1DEF803194A7}" type="presParOf" srcId="{16706AA6-BF9C-704A-85C9-662D6D60C4E9}" destId="{18E75E97-3297-D242-B6E8-3A02FD6C5AF2}" srcOrd="2" destOrd="0" presId="urn:microsoft.com/office/officeart/2005/8/layout/venn1"/>
-    <dgm:cxn modelId="{574AD8DB-1304-1444-9FE6-3DAA64D4C71E}" type="presParOf" srcId="{16706AA6-BF9C-704A-85C9-662D6D60C4E9}" destId="{70A3E2A6-7BEA-4041-A841-2C09A45BD649}" srcOrd="3" destOrd="0" presId="urn:microsoft.com/office/officeart/2005/8/layout/venn1"/>
-    <dgm:cxn modelId="{EAA74FA6-C624-A940-A84D-902A464EF0A0}" type="presParOf" srcId="{16706AA6-BF9C-704A-85C9-662D6D60C4E9}" destId="{731A626E-758E-764F-8E19-2FA76D6CBEF0}" srcOrd="4" destOrd="0" presId="urn:microsoft.com/office/officeart/2005/8/layout/venn1"/>
-    <dgm:cxn modelId="{1215D59F-F4E2-2E41-B738-3100F87AE56F}" type="presParOf" srcId="{16706AA6-BF9C-704A-85C9-662D6D60C4E9}" destId="{3247627B-D52B-7B47-9BF6-4BB5AFE19750}" srcOrd="5" destOrd="0" presId="urn:microsoft.com/office/officeart/2005/8/layout/venn1"/>
-  </dgm:cxnLst>
-  <dgm:bg/>
-  <dgm:whole/>
-  <dgm:extLst>
-    <a:ext uri="http://schemas.microsoft.com/office/drawing/2008/diagram">
-      <dsp:dataModelExt xmlns:dsp="http://schemas.microsoft.com/office/drawing/2008/diagram" relId="rId6" minVer="http://schemas.openxmlformats.org/drawingml/2006/diagram"/>
-    </a:ext>
-    <a:ext uri="{C62137D5-CB1D-491B-B009-E17868A290BF}">
-      <dgm14:recolorImg xmlns:dgm14="http://schemas.microsoft.com/office/drawing/2010/diagram" val="1"/>
-    </a:ext>
-  </dgm:extLst>
-</dgm:dataModel>
-</file>
-
 <file path=ppt/diagrams/drawing1.xml><?xml version="1.0" encoding="utf-8"?>
 <dsp:drawing xmlns:dgm="http://schemas.openxmlformats.org/drawingml/2006/diagram" xmlns:dsp="http://schemas.microsoft.com/office/drawing/2008/diagram" xmlns:a="http://schemas.openxmlformats.org/drawingml/2006/main">
   <dsp:spTree>
@@ -2425,1092 +1380,7 @@
 </dsp:drawing>
 </file>
 
-<file path=ppt/diagrams/drawing2.xml><?xml version="1.0" encoding="utf-8"?>
-<dsp:drawing xmlns:dgm="http://schemas.openxmlformats.org/drawingml/2006/diagram" xmlns:dsp="http://schemas.microsoft.com/office/drawing/2008/diagram" xmlns:a="http://schemas.openxmlformats.org/drawingml/2006/main">
-  <dsp:spTree>
-    <dsp:nvGrpSpPr>
-      <dsp:cNvPr id="0" name=""/>
-      <dsp:cNvGrpSpPr/>
-    </dsp:nvGrpSpPr>
-    <dsp:grpSpPr/>
-    <dsp:sp modelId="{6C1BB058-6908-0743-97CD-FC99BAC49090}">
-      <dsp:nvSpPr>
-        <dsp:cNvPr id="0" name=""/>
-        <dsp:cNvSpPr/>
-      </dsp:nvSpPr>
-      <dsp:spPr>
-        <a:xfrm>
-          <a:off x="2772004" y="-153921"/>
-          <a:ext cx="3599990" cy="3794389"/>
-        </a:xfrm>
-        <a:prstGeom prst="ellipse">
-          <a:avLst/>
-        </a:prstGeom>
-        <a:solidFill>
-          <a:srgbClr val="E63527">
-            <a:alpha val="74902"/>
-          </a:srgbClr>
-        </a:solidFill>
-        <a:ln>
-          <a:noFill/>
-        </a:ln>
-        <a:effectLst/>
-      </dsp:spPr>
-      <dsp:style>
-        <a:lnRef idx="0">
-          <a:scrgbClr r="0" g="0" b="0"/>
-        </a:lnRef>
-        <a:fillRef idx="3">
-          <a:scrgbClr r="0" g="0" b="0"/>
-        </a:fillRef>
-        <a:effectRef idx="0">
-          <a:scrgbClr r="0" g="0" b="0"/>
-        </a:effectRef>
-        <a:fontRef idx="minor">
-          <a:schemeClr val="tx1"/>
-        </a:fontRef>
-      </dsp:style>
-      <dsp:txBody>
-        <a:bodyPr spcFirstLastPara="0" vert="horz" wrap="square" lIns="0" tIns="0" rIns="0" bIns="0" numCol="1" spcCol="1270" anchor="ctr" anchorCtr="0">
-          <a:noAutofit/>
-        </a:bodyPr>
-        <a:lstStyle/>
-        <a:p>
-          <a:pPr lvl="0" algn="ctr" defTabSz="1289050">
-            <a:lnSpc>
-              <a:spcPct val="90000"/>
-            </a:lnSpc>
-            <a:spcBef>
-              <a:spcPct val="0"/>
-            </a:spcBef>
-            <a:spcAft>
-              <a:spcPct val="35000"/>
-            </a:spcAft>
-          </a:pPr>
-          <a:r>
-            <a:rPr lang="fr-FR" sz="2900" b="1" kern="1200" dirty="0" smtClean="0"/>
-            <a:t>Format	</a:t>
-          </a:r>
-          <a:endParaRPr lang="fr-FR" sz="2900" b="1" kern="1200" dirty="0"/>
-        </a:p>
-      </dsp:txBody>
-      <dsp:txXfrm>
-        <a:off x="3252003" y="510096"/>
-        <a:ext cx="2639993" cy="1707475"/>
-      </dsp:txXfrm>
-    </dsp:sp>
-    <dsp:sp modelId="{18E75E97-3297-D242-B6E8-3A02FD6C5AF2}">
-      <dsp:nvSpPr>
-        <dsp:cNvPr id="0" name=""/>
-        <dsp:cNvSpPr/>
-      </dsp:nvSpPr>
-      <dsp:spPr>
-        <a:xfrm>
-          <a:off x="3979744" y="1938006"/>
-          <a:ext cx="3599990" cy="3794389"/>
-        </a:xfrm>
-        <a:prstGeom prst="ellipse">
-          <a:avLst/>
-        </a:prstGeom>
-        <a:solidFill>
-          <a:srgbClr val="78B755">
-            <a:alpha val="74902"/>
-          </a:srgbClr>
-        </a:solidFill>
-        <a:ln>
-          <a:noFill/>
-        </a:ln>
-        <a:effectLst/>
-      </dsp:spPr>
-      <dsp:style>
-        <a:lnRef idx="0">
-          <a:scrgbClr r="0" g="0" b="0"/>
-        </a:lnRef>
-        <a:fillRef idx="3">
-          <a:scrgbClr r="0" g="0" b="0"/>
-        </a:fillRef>
-        <a:effectRef idx="0">
-          <a:scrgbClr r="0" g="0" b="0"/>
-        </a:effectRef>
-        <a:fontRef idx="minor">
-          <a:schemeClr val="tx1"/>
-        </a:fontRef>
-      </dsp:style>
-      <dsp:txBody>
-        <a:bodyPr spcFirstLastPara="0" vert="horz" wrap="square" lIns="0" tIns="0" rIns="0" bIns="0" numCol="1" spcCol="1270" anchor="ctr" anchorCtr="0">
-          <a:noAutofit/>
-        </a:bodyPr>
-        <a:lstStyle/>
-        <a:p>
-          <a:pPr lvl="0" algn="ctr" defTabSz="1244600">
-            <a:lnSpc>
-              <a:spcPct val="90000"/>
-            </a:lnSpc>
-            <a:spcBef>
-              <a:spcPct val="0"/>
-            </a:spcBef>
-            <a:spcAft>
-              <a:spcPct val="35000"/>
-            </a:spcAft>
-          </a:pPr>
-          <a:r>
-            <a:rPr lang="fr-FR" sz="2800" b="1" kern="1200" dirty="0" smtClean="0"/>
-            <a:t>Temporalité</a:t>
-          </a:r>
-          <a:endParaRPr lang="fr-FR" sz="2800" b="1" kern="1200" dirty="0"/>
-        </a:p>
-      </dsp:txBody>
-      <dsp:txXfrm>
-        <a:off x="5080741" y="2918224"/>
-        <a:ext cx="2159994" cy="2086914"/>
-      </dsp:txXfrm>
-    </dsp:sp>
-    <dsp:sp modelId="{731A626E-758E-764F-8E19-2FA76D6CBEF0}">
-      <dsp:nvSpPr>
-        <dsp:cNvPr id="0" name=""/>
-        <dsp:cNvSpPr/>
-      </dsp:nvSpPr>
-      <dsp:spPr>
-        <a:xfrm>
-          <a:off x="1564264" y="1938006"/>
-          <a:ext cx="3599990" cy="3794389"/>
-        </a:xfrm>
-        <a:prstGeom prst="ellipse">
-          <a:avLst/>
-        </a:prstGeom>
-        <a:solidFill>
-          <a:srgbClr val="00A2D8">
-            <a:alpha val="74902"/>
-          </a:srgbClr>
-        </a:solidFill>
-        <a:ln>
-          <a:noFill/>
-        </a:ln>
-        <a:effectLst/>
-      </dsp:spPr>
-      <dsp:style>
-        <a:lnRef idx="0">
-          <a:scrgbClr r="0" g="0" b="0"/>
-        </a:lnRef>
-        <a:fillRef idx="3">
-          <a:scrgbClr r="0" g="0" b="0"/>
-        </a:fillRef>
-        <a:effectRef idx="0">
-          <a:scrgbClr r="0" g="0" b="0"/>
-        </a:effectRef>
-        <a:fontRef idx="minor">
-          <a:schemeClr val="tx1"/>
-        </a:fontRef>
-      </dsp:style>
-      <dsp:txBody>
-        <a:bodyPr spcFirstLastPara="0" vert="horz" wrap="square" lIns="0" tIns="0" rIns="0" bIns="0" numCol="1" spcCol="1270" anchor="ctr" anchorCtr="0">
-          <a:noAutofit/>
-        </a:bodyPr>
-        <a:lstStyle/>
-        <a:p>
-          <a:pPr lvl="0" algn="ctr" defTabSz="1200150">
-            <a:lnSpc>
-              <a:spcPct val="90000"/>
-            </a:lnSpc>
-            <a:spcBef>
-              <a:spcPct val="0"/>
-            </a:spcBef>
-            <a:spcAft>
-              <a:spcPct val="35000"/>
-            </a:spcAft>
-          </a:pPr>
-          <a:r>
-            <a:rPr lang="fr-FR" sz="2700" b="1" kern="1200" dirty="0" smtClean="0"/>
-            <a:t>Localisation</a:t>
-          </a:r>
-          <a:endParaRPr lang="fr-FR" sz="2700" b="1" kern="1200" dirty="0"/>
-        </a:p>
-      </dsp:txBody>
-      <dsp:txXfrm>
-        <a:off x="1903263" y="2918224"/>
-        <a:ext cx="2159994" cy="2086914"/>
-      </dsp:txXfrm>
-    </dsp:sp>
-  </dsp:spTree>
-</dsp:drawing>
-</file>
-
 <file path=ppt/diagrams/layout1.xml><?xml version="1.0" encoding="utf-8"?>
-<dgm:layoutDef xmlns:dgm="http://schemas.openxmlformats.org/drawingml/2006/diagram" xmlns:a="http://schemas.openxmlformats.org/drawingml/2006/main" uniqueId="urn:microsoft.com/office/officeart/2005/8/layout/venn1">
-  <dgm:title val=""/>
-  <dgm:desc val=""/>
-  <dgm:catLst>
-    <dgm:cat type="relationship" pri="28000"/>
-    <dgm:cat type="convert" pri="19000"/>
-  </dgm:catLst>
-  <dgm:sampData useDef="1">
-    <dgm:dataModel>
-      <dgm:ptLst/>
-      <dgm:bg/>
-      <dgm:whole/>
-    </dgm:dataModel>
-  </dgm:sampData>
-  <dgm:styleData useDef="1">
-    <dgm:dataModel>
-      <dgm:ptLst/>
-      <dgm:bg/>
-      <dgm:whole/>
-    </dgm:dataModel>
-  </dgm:styleData>
-  <dgm:clrData>
-    <dgm:dataModel>
-      <dgm:ptLst>
-        <dgm:pt modelId="0" type="doc"/>
-        <dgm:pt modelId="1"/>
-        <dgm:pt modelId="2"/>
-        <dgm:pt modelId="3"/>
-        <dgm:pt modelId="4"/>
-      </dgm:ptLst>
-      <dgm:cxnLst>
-        <dgm:cxn modelId="7" srcId="0" destId="1" srcOrd="0" destOrd="0"/>
-        <dgm:cxn modelId="8" srcId="0" destId="2" srcOrd="1" destOrd="0"/>
-        <dgm:cxn modelId="9" srcId="0" destId="3" srcOrd="2" destOrd="0"/>
-        <dgm:cxn modelId="10" srcId="0" destId="4" srcOrd="3" destOrd="0"/>
-      </dgm:cxnLst>
-      <dgm:bg/>
-      <dgm:whole/>
-    </dgm:dataModel>
-  </dgm:clrData>
-  <dgm:layoutNode name="compositeShape">
-    <dgm:varLst>
-      <dgm:chMax val="7"/>
-      <dgm:dir/>
-      <dgm:resizeHandles val="exact"/>
-    </dgm:varLst>
-    <dgm:choose name="Name0">
-      <dgm:if name="Name1" axis="ch" ptType="node" func="cnt" op="equ" val="1">
-        <dgm:alg type="composite">
-          <dgm:param type="ar" val="1"/>
-        </dgm:alg>
-      </dgm:if>
-      <dgm:if name="Name2" axis="ch" ptType="node" func="cnt" op="equ" val="2">
-        <dgm:alg type="composite">
-          <dgm:param type="ar" val="1.792"/>
-        </dgm:alg>
-      </dgm:if>
-      <dgm:if name="Name3" axis="ch" ptType="node" func="cnt" op="equ" val="3">
-        <dgm:alg type="composite">
-          <dgm:param type="ar" val="1"/>
-        </dgm:alg>
-      </dgm:if>
-      <dgm:if name="Name4" axis="ch" ptType="node" func="cnt" op="equ" val="4">
-        <dgm:alg type="composite">
-          <dgm:param type="ar" val="1"/>
-        </dgm:alg>
-      </dgm:if>
-      <dgm:if name="Name5" axis="ch" ptType="node" func="cnt" op="equ" val="5">
-        <dgm:alg type="composite">
-          <dgm:param type="ar" val="1.4"/>
-        </dgm:alg>
-      </dgm:if>
-      <dgm:if name="Name6" axis="ch" ptType="node" func="cnt" op="equ" val="6">
-        <dgm:alg type="composite">
-          <dgm:param type="ar" val="1.285"/>
-        </dgm:alg>
-      </dgm:if>
-      <dgm:if name="Name7" axis="ch" ptType="node" func="cnt" op="equ" val="7">
-        <dgm:alg type="composite">
-          <dgm:param type="ar" val="1.359"/>
-        </dgm:alg>
-      </dgm:if>
-      <dgm:else name="Name8">
-        <dgm:alg type="composite">
-          <dgm:param type="ar" val="1.359"/>
-        </dgm:alg>
-      </dgm:else>
-    </dgm:choose>
-    <dgm:shape xmlns:r="http://schemas.openxmlformats.org/officeDocument/2006/relationships" r:blip="">
-      <dgm:adjLst/>
-    </dgm:shape>
-    <dgm:presOf/>
-    <dgm:choose name="Name9">
-      <dgm:if name="Name10" axis="ch" ptType="node" func="cnt" op="equ" val="1">
-        <dgm:constrLst>
-          <dgm:constr type="ctrX" for="ch" forName="circ1TxSh" refType="w" fact="0.5"/>
-          <dgm:constr type="ctrY" for="ch" forName="circ1TxSh" refType="h" fact="0.5"/>
-          <dgm:constr type="w" for="ch" forName="circ1TxSh" refType="w"/>
-          <dgm:constr type="h" for="ch" forName="circ1TxSh" refType="h"/>
-          <dgm:constr type="primFontSz" for="ch" ptType="node" op="equ"/>
-        </dgm:constrLst>
-      </dgm:if>
-      <dgm:if name="Name11" axis="ch" ptType="node" func="cnt" op="equ" val="2">
-        <dgm:constrLst>
-          <dgm:constr type="ctrX" for="ch" forName="circ1" refType="w" fact="0.3"/>
-          <dgm:constr type="ctrY" for="ch" forName="circ1" refType="h" fact="0.5"/>
-          <dgm:constr type="w" for="ch" forName="circ1" refType="w" fact="0.555"/>
-          <dgm:constr type="h" for="ch" forName="circ1" refType="h" fact="0.99456"/>
-          <dgm:constr type="l" for="ch" forName="circ1Tx" refType="w" fact="0.1"/>
-          <dgm:constr type="t" for="ch" forName="circ1Tx" refType="h" fact="0.12"/>
-          <dgm:constr type="w" for="ch" forName="circ1Tx" refType="w" fact="0.32"/>
-          <dgm:constr type="h" for="ch" forName="circ1Tx" refType="h" fact="0.76"/>
-          <dgm:constr type="ctrX" for="ch" forName="circ2" refType="w" fact="0.7"/>
-          <dgm:constr type="ctrY" for="ch" forName="circ2" refType="h" fact="0.5"/>
-          <dgm:constr type="w" for="ch" forName="circ2" refType="w" fact="0.555"/>
-          <dgm:constr type="h" for="ch" forName="circ2" refType="h" fact="0.99456"/>
-          <dgm:constr type="l" for="ch" forName="circ2Tx" refType="w" fact="0.58"/>
-          <dgm:constr type="t" for="ch" forName="circ2Tx" refType="h" fact="0.12"/>
-          <dgm:constr type="w" for="ch" forName="circ2Tx" refType="w" fact="0.32"/>
-          <dgm:constr type="h" for="ch" forName="circ2Tx" refType="h" fact="0.76"/>
-          <dgm:constr type="primFontSz" for="ch" ptType="node" op="equ"/>
-        </dgm:constrLst>
-      </dgm:if>
-      <dgm:if name="Name12" axis="ch" ptType="node" func="cnt" op="equ" val="3">
-        <dgm:constrLst>
-          <dgm:constr type="ctrX" for="ch" forName="circ1" refType="w" fact="0.5"/>
-          <dgm:constr type="ctrY" for="ch" forName="circ1" refType="w" fact="0.25"/>
-          <dgm:constr type="w" for="ch" forName="circ1" refType="w" fact="0.6"/>
-          <dgm:constr type="h" for="ch" forName="circ1" refType="h" fact="0.6"/>
-          <dgm:constr type="l" for="ch" forName="circ1Tx" refType="w" fact="0.28"/>
-          <dgm:constr type="t" for="ch" forName="circ1Tx" refType="h" fact="0.055"/>
-          <dgm:constr type="w" for="ch" forName="circ1Tx" refType="w" fact="0.44"/>
-          <dgm:constr type="h" for="ch" forName="circ1Tx" refType="h" fact="0.27"/>
-          <dgm:constr type="ctrX" for="ch" forName="circ2" refType="w" fact="0.7165"/>
-          <dgm:constr type="ctrY" for="ch" forName="circ2" refType="w" fact="0.625"/>
-          <dgm:constr type="w" for="ch" forName="circ2" refType="w" fact="0.6"/>
-          <dgm:constr type="h" for="ch" forName="circ2" refType="h" fact="0.6"/>
-          <dgm:constr type="l" for="ch" forName="circ2Tx" refType="w" fact="0.6"/>
-          <dgm:constr type="t" for="ch" forName="circ2Tx" refType="h" fact="0.48"/>
-          <dgm:constr type="w" for="ch" forName="circ2Tx" refType="w" fact="0.36"/>
-          <dgm:constr type="h" for="ch" forName="circ2Tx" refType="h" fact="0.33"/>
-          <dgm:constr type="ctrX" for="ch" forName="circ3" refType="w" fact="0.2835"/>
-          <dgm:constr type="ctrY" for="ch" forName="circ3" refType="w" fact="0.625"/>
-          <dgm:constr type="w" for="ch" forName="circ3" refType="w" fact="0.6"/>
-          <dgm:constr type="h" for="ch" forName="circ3" refType="h" fact="0.6"/>
-          <dgm:constr type="l" for="ch" forName="circ3Tx" refType="w" fact="0.04"/>
-          <dgm:constr type="t" for="ch" forName="circ3Tx" refType="h" fact="0.48"/>
-          <dgm:constr type="w" for="ch" forName="circ3Tx" refType="w" fact="0.36"/>
-          <dgm:constr type="h" for="ch" forName="circ3Tx" refType="h" fact="0.33"/>
-          <dgm:constr type="primFontSz" for="ch" ptType="node" op="equ"/>
-        </dgm:constrLst>
-      </dgm:if>
-      <dgm:if name="Name13" axis="ch" ptType="node" func="cnt" op="equ" val="4">
-        <dgm:constrLst>
-          <dgm:constr type="ctrX" for="ch" forName="circ1" refType="w" fact="0.5"/>
-          <dgm:constr type="ctrY" for="ch" forName="circ1" refType="w" fact="0.27"/>
-          <dgm:constr type="w" for="ch" forName="circ1" refType="w" fact="0.52"/>
-          <dgm:constr type="h" for="ch" forName="circ1" refType="h" fact="0.52"/>
-          <dgm:constr type="l" for="ch" forName="circ1Tx" refType="w" fact="0.3"/>
-          <dgm:constr type="t" for="ch" forName="circ1Tx" refType="h" fact="0.08"/>
-          <dgm:constr type="w" for="ch" forName="circ1Tx" refType="w" fact="0.4"/>
-          <dgm:constr type="h" for="ch" forName="circ1Tx" refType="h" fact="0.165"/>
-          <dgm:constr type="ctrX" for="ch" forName="circ2" refType="w" fact="0.73"/>
-          <dgm:constr type="ctrY" for="ch" forName="circ2" refType="w" fact="0.5"/>
-          <dgm:constr type="w" for="ch" forName="circ2" refType="w" fact="0.52"/>
-          <dgm:constr type="h" for="ch" forName="circ2" refType="h" fact="0.52"/>
-          <dgm:constr type="r" for="ch" forName="circ2Tx" refType="w" fact="0.95"/>
-          <dgm:constr type="t" for="ch" forName="circ2Tx" refType="h" fact="0.3"/>
-          <dgm:constr type="w" for="ch" forName="circ2Tx" refType="w" fact="0.2"/>
-          <dgm:constr type="h" for="ch" forName="circ2Tx" refType="h" fact="0.4"/>
-          <dgm:constr type="ctrX" for="ch" forName="circ3" refType="w" fact="0.5"/>
-          <dgm:constr type="ctrY" for="ch" forName="circ3" refType="w" fact="0.73"/>
-          <dgm:constr type="w" for="ch" forName="circ3" refType="w" fact="0.52"/>
-          <dgm:constr type="h" for="ch" forName="circ3" refType="h" fact="0.52"/>
-          <dgm:constr type="l" for="ch" forName="circ3Tx" refType="w" fact="0.3"/>
-          <dgm:constr type="b" for="ch" forName="circ3Tx" refType="h" fact="0.92"/>
-          <dgm:constr type="w" for="ch" forName="circ3Tx" refType="w" fact="0.4"/>
-          <dgm:constr type="h" for="ch" forName="circ3Tx" refType="h" fact="0.165"/>
-          <dgm:constr type="ctrX" for="ch" forName="circ4" refType="w" fact="0.27"/>
-          <dgm:constr type="ctrY" for="ch" forName="circ4" refType="h" fact="0.5"/>
-          <dgm:constr type="w" for="ch" forName="circ4" refType="w" fact="0.52"/>
-          <dgm:constr type="h" for="ch" forName="circ4" refType="h" fact="0.52"/>
-          <dgm:constr type="l" for="ch" forName="circ4Tx" refType="w" fact="0.05"/>
-          <dgm:constr type="t" for="ch" forName="circ4Tx" refType="h" fact="0.3"/>
-          <dgm:constr type="w" for="ch" forName="circ4Tx" refType="w" fact="0.2"/>
-          <dgm:constr type="h" for="ch" forName="circ4Tx" refType="h" fact="0.4"/>
-          <dgm:constr type="primFontSz" for="ch" ptType="node" op="equ"/>
-        </dgm:constrLst>
-      </dgm:if>
-      <dgm:if name="Name14" axis="ch" ptType="node" func="cnt" op="equ" val="5">
-        <dgm:constrLst>
-          <dgm:constr type="ctrX" for="ch" forName="circ1" refType="w" fact="0.5"/>
-          <dgm:constr type="ctrY" for="ch" forName="circ1" refType="h" fact="0.46"/>
-          <dgm:constr type="w" for="ch" forName="circ1" refType="w" fact="0.25"/>
-          <dgm:constr type="h" for="ch" forName="circ1" refType="h" fact="0.35"/>
-          <dgm:constr type="l" for="ch" forName="circ1Tx" refType="w" fact="0.355"/>
-          <dgm:constr type="t" for="ch" forName="circ1Tx"/>
-          <dgm:constr type="w" for="ch" forName="circ1Tx" refType="w" fact="0.29"/>
-          <dgm:constr type="h" for="ch" forName="circ1Tx" refType="h" fact="0.235"/>
-          <dgm:constr type="ctrX" for="ch" forName="circ2" refType="w" fact="0.5951"/>
-          <dgm:constr type="ctrY" for="ch" forName="circ2" refType="h" fact="0.5567"/>
-          <dgm:constr type="w" for="ch" forName="circ2" refType="w" fact="0.25"/>
-          <dgm:constr type="h" for="ch" forName="circ2" refType="h" fact="0.35"/>
-          <dgm:constr type="l" for="ch" forName="circ2Tx" refType="w" fact="0.74"/>
-          <dgm:constr type="t" for="ch" forName="circ2Tx" refType="h" fact="0.31"/>
-          <dgm:constr type="w" for="ch" forName="circ2Tx" refType="w" fact="0.26"/>
-          <dgm:constr type="h" for="ch" forName="circ2Tx" refType="h" fact="0.255"/>
-          <dgm:constr type="ctrX" for="ch" forName="circ3" refType="w" fact="0.5588"/>
-          <dgm:constr type="ctrY" for="ch" forName="circ3" refType="h" fact="0.7133"/>
-          <dgm:constr type="w" for="ch" forName="circ3" refType="w" fact="0.25"/>
-          <dgm:constr type="h" for="ch" forName="circ3" refType="h" fact="0.35"/>
-          <dgm:constr type="l" for="ch" forName="circ3Tx" refType="w" fact="0.7"/>
-          <dgm:constr type="t" for="ch" forName="circ3Tx" refType="h" fact="0.745"/>
-          <dgm:constr type="w" for="ch" forName="circ3Tx" refType="w" fact="0.26"/>
-          <dgm:constr type="h" for="ch" forName="circ3Tx" refType="h" fact="0.255"/>
-          <dgm:constr type="ctrX" for="ch" forName="circ4" refType="w" fact="0.4412"/>
-          <dgm:constr type="ctrY" for="ch" forName="circ4" refType="h" fact="0.7133"/>
-          <dgm:constr type="w" for="ch" forName="circ4" refType="w" fact="0.25"/>
-          <dgm:constr type="h" for="ch" forName="circ4" refType="h" fact="0.35"/>
-          <dgm:constr type="l" for="ch" forName="circ4Tx" refType="w" fact="0.04"/>
-          <dgm:constr type="t" for="ch" forName="circ4Tx" refType="h" fact="0.745"/>
-          <dgm:constr type="w" for="ch" forName="circ4Tx" refType="w" fact="0.26"/>
-          <dgm:constr type="h" for="ch" forName="circ4Tx" refType="h" fact="0.255"/>
-          <dgm:constr type="ctrX" for="ch" forName="circ5" refType="w" fact="0.4049"/>
-          <dgm:constr type="ctrY" for="ch" forName="circ5" refType="h" fact="0.5567"/>
-          <dgm:constr type="w" for="ch" forName="circ5" refType="w" fact="0.25"/>
-          <dgm:constr type="h" for="ch" forName="circ5" refType="h" fact="0.35"/>
-          <dgm:constr type="l" for="ch" forName="circ5Tx"/>
-          <dgm:constr type="t" for="ch" forName="circ5Tx" refType="h" fact="0.31"/>
-          <dgm:constr type="w" for="ch" forName="circ5Tx" refType="w" fact="0.26"/>
-          <dgm:constr type="h" for="ch" forName="circ5Tx" refType="h" fact="0.255"/>
-          <dgm:constr type="primFontSz" for="ch" ptType="node" op="equ"/>
-        </dgm:constrLst>
-      </dgm:if>
-      <dgm:if name="Name15" axis="ch" ptType="node" func="cnt" op="equ" val="6">
-        <dgm:constrLst>
-          <dgm:constr type="ctrX" for="ch" forName="circ1" refType="w" fact="0.5"/>
-          <dgm:constr type="ctrY" for="ch" forName="circ1" refType="h" fact="0.3844"/>
-          <dgm:constr type="w" for="ch" forName="circ1" refType="w" fact="0.24"/>
-          <dgm:constr type="h" for="ch" forName="circ1" refType="h" fact="0.3084"/>
-          <dgm:constr type="l" for="ch" forName="circ1Tx" refType="w" fact="0.35"/>
-          <dgm:constr type="t" for="ch" forName="circ1Tx"/>
-          <dgm:constr type="w" for="ch" forName="circ1Tx" refType="w" fact="0.3"/>
-          <dgm:constr type="h" for="ch" forName="circ1Tx" refType="h" fact="0.21"/>
-          <dgm:constr type="ctrX" for="ch" forName="circ2" refType="w" fact="0.5779"/>
-          <dgm:constr type="ctrY" for="ch" forName="circ2" refType="h" fact="0.4422"/>
-          <dgm:constr type="w" for="ch" forName="circ2" refType="w" fact="0.24"/>
-          <dgm:constr type="h" for="ch" forName="circ2" refType="h" fact="0.3084"/>
-          <dgm:constr type="l" for="ch" forName="circ2Tx" refType="w" fact="0.7157"/>
-          <dgm:constr type="t" for="ch" forName="circ2Tx" refType="h" fact="0.2"/>
-          <dgm:constr type="w" for="ch" forName="circ2Tx" refType="w" fact="0.2843"/>
-          <dgm:constr type="h" for="ch" forName="circ2Tx" refType="h" fact="0.23"/>
-          <dgm:constr type="ctrX" for="ch" forName="circ3" refType="w" fact="0.5779"/>
-          <dgm:constr type="ctrY" for="ch" forName="circ3" refType="h" fact="0.5578"/>
-          <dgm:constr type="w" for="ch" forName="circ3" refType="w" fact="0.24"/>
-          <dgm:constr type="h" for="ch" forName="circ3" refType="h" fact="0.3084"/>
-          <dgm:constr type="l" for="ch" forName="circ3Tx" refType="w" fact="0.7157"/>
-          <dgm:constr type="t" for="ch" forName="circ3Tx" refType="h" fact="0.543"/>
-          <dgm:constr type="w" for="ch" forName="circ3Tx" refType="w" fact="0.2843"/>
-          <dgm:constr type="h" for="ch" forName="circ3Tx" refType="h" fact="0.257"/>
-          <dgm:constr type="ctrX" for="ch" forName="circ4" refType="w" fact="0.5"/>
-          <dgm:constr type="ctrY" for="ch" forName="circ4" refType="h" fact="0.6157"/>
-          <dgm:constr type="w" for="ch" forName="circ4" refType="w" fact="0.24"/>
-          <dgm:constr type="h" for="ch" forName="circ4" refType="h" fact="0.3084"/>
-          <dgm:constr type="l" for="ch" forName="circ4Tx" refType="w" fact="0.35"/>
-          <dgm:constr type="t" for="ch" forName="circ4Tx" refType="h" fact="0.79"/>
-          <dgm:constr type="w" for="ch" forName="circ4Tx" refType="w" fact="0.3"/>
-          <dgm:constr type="h" for="ch" forName="circ4Tx" refType="h" fact="0.21"/>
-          <dgm:constr type="ctrX" for="ch" forName="circ5" refType="w" fact="0.4221"/>
-          <dgm:constr type="ctrY" for="ch" forName="circ5" refType="h" fact="0.5578"/>
-          <dgm:constr type="w" for="ch" forName="circ5" refType="w" fact="0.24"/>
-          <dgm:constr type="h" for="ch" forName="circ5" refType="h" fact="0.3084"/>
-          <dgm:constr type="l" for="ch" forName="circ5Tx" refType="w" fact="0"/>
-          <dgm:constr type="t" for="ch" forName="circ5Tx" refType="h" fact="0.543"/>
-          <dgm:constr type="w" for="ch" forName="circ5Tx" refType="w" fact="0.2843"/>
-          <dgm:constr type="h" for="ch" forName="circ5Tx" refType="h" fact="0.257"/>
-          <dgm:constr type="ctrX" for="ch" forName="circ6" refType="w" fact="0.4221"/>
-          <dgm:constr type="ctrY" for="ch" forName="circ6" refType="h" fact="0.4422"/>
-          <dgm:constr type="w" for="ch" forName="circ6" refType="w" fact="0.24"/>
-          <dgm:constr type="h" for="ch" forName="circ6" refType="h" fact="0.3084"/>
-          <dgm:constr type="l" for="ch" forName="circ6Tx" refType="w" fact="0"/>
-          <dgm:constr type="t" for="ch" forName="circ6Tx" refType="h" fact="0.2"/>
-          <dgm:constr type="w" for="ch" forName="circ6Tx" refType="w" fact="0.2843"/>
-          <dgm:constr type="h" for="ch" forName="circ6Tx" refType="h" fact="0.257"/>
-          <dgm:constr type="primFontSz" for="ch" ptType="node" op="equ"/>
-        </dgm:constrLst>
-      </dgm:if>
-      <dgm:else name="Name16">
-        <dgm:constrLst>
-          <dgm:constr type="ctrX" for="ch" forName="circ1" refType="w" fact="0.5"/>
-          <dgm:constr type="ctrY" for="ch" forName="circ1" refType="h" fact="0.4177"/>
-          <dgm:constr type="w" for="ch" forName="circ1" refType="w" fact="0.24"/>
-          <dgm:constr type="h" for="ch" forName="circ1" refType="h" fact="0.3262"/>
-          <dgm:constr type="l" for="ch" forName="circ1Tx" refType="w" fact="0.3625"/>
-          <dgm:constr type="t" for="ch" forName="circ1Tx"/>
-          <dgm:constr type="w" for="ch" forName="circ1Tx" refType="w" fact="0.275"/>
-          <dgm:constr type="h" for="ch" forName="circ1Tx" refType="h" fact="0.2"/>
-          <dgm:constr type="ctrX" for="ch" forName="circ2" refType="w" fact="0.5704"/>
-          <dgm:constr type="ctrY" for="ch" forName="circ2" refType="h" fact="0.4637"/>
-          <dgm:constr type="w" for="ch" forName="circ2" refType="w" fact="0.24"/>
-          <dgm:constr type="h" for="ch" forName="circ2" refType="h" fact="0.3262"/>
-          <dgm:constr type="l" for="ch" forName="circ2Tx" refType="w" fact="0.72"/>
-          <dgm:constr type="t" for="ch" forName="circ2Tx" refType="h" fact="0.19"/>
-          <dgm:constr type="w" for="ch" forName="circ2Tx" refType="w" fact="0.26"/>
-          <dgm:constr type="h" for="ch" forName="circ2Tx" refType="h" fact="0.22"/>
-          <dgm:constr type="ctrX" for="ch" forName="circ3" refType="w" fact="0.5877"/>
-          <dgm:constr type="ctrY" for="ch" forName="circ3" refType="h" fact="0.5672"/>
-          <dgm:constr type="w" for="ch" forName="circ3" refType="w" fact="0.24"/>
-          <dgm:constr type="h" for="ch" forName="circ3" refType="h" fact="0.3262"/>
-          <dgm:constr type="l" for="ch" forName="circ3Tx" refType="w" fact="0.745"/>
-          <dgm:constr type="t" for="ch" forName="circ3Tx" refType="h" fact="0.47"/>
-          <dgm:constr type="w" for="ch" forName="circ3Tx" refType="w" fact="0.255"/>
-          <dgm:constr type="h" for="ch" forName="circ3Tx" refType="h" fact="0.235"/>
-          <dgm:constr type="ctrX" for="ch" forName="circ4" refType="w" fact="0.539"/>
-          <dgm:constr type="ctrY" for="ch" forName="circ4" refType="h" fact="0.6502"/>
-          <dgm:constr type="w" for="ch" forName="circ4" refType="w" fact="0.24"/>
-          <dgm:constr type="h" for="ch" forName="circ4" refType="h" fact="0.3262"/>
-          <dgm:constr type="l" for="ch" forName="circ4Tx" refType="w" fact="0.635"/>
-          <dgm:constr type="t" for="ch" forName="circ4Tx" refType="h" fact="0.785"/>
-          <dgm:constr type="w" for="ch" forName="circ4Tx" refType="w" fact="0.275"/>
-          <dgm:constr type="h" for="ch" forName="circ4Tx" refType="h" fact="0.215"/>
-          <dgm:constr type="ctrX" for="ch" forName="circ5" refType="w" fact="0.461"/>
-          <dgm:constr type="ctrY" for="ch" forName="circ5" refType="h" fact="0.6502"/>
-          <dgm:constr type="w" for="ch" forName="circ5" refType="w" fact="0.24"/>
-          <dgm:constr type="h" for="ch" forName="circ5" refType="h" fact="0.3262"/>
-          <dgm:constr type="l" for="ch" forName="circ5Tx" refType="w" fact="0.09"/>
-          <dgm:constr type="t" for="ch" forName="circ5Tx" refType="h" fact="0.785"/>
-          <dgm:constr type="w" for="ch" forName="circ5Tx" refType="w" fact="0.275"/>
-          <dgm:constr type="h" for="ch" forName="circ5Tx" refType="h" fact="0.215"/>
-          <dgm:constr type="ctrX" for="ch" forName="circ6" refType="w" fact="0.4123"/>
-          <dgm:constr type="ctrY" for="ch" forName="circ6" refType="h" fact="0.5672"/>
-          <dgm:constr type="w" for="ch" forName="circ6" refType="w" fact="0.24"/>
-          <dgm:constr type="h" for="ch" forName="circ6" refType="h" fact="0.3262"/>
-          <dgm:constr type="l" for="ch" forName="circ6Tx"/>
-          <dgm:constr type="t" for="ch" forName="circ6Tx" refType="h" fact="0.47"/>
-          <dgm:constr type="w" for="ch" forName="circ6Tx" refType="w" fact="0.255"/>
-          <dgm:constr type="h" for="ch" forName="circ6Tx" refType="h" fact="0.235"/>
-          <dgm:constr type="ctrX" for="ch" forName="circ7" refType="w" fact="0.4296"/>
-          <dgm:constr type="ctrY" for="ch" forName="circ7" refType="h" fact="0.4637"/>
-          <dgm:constr type="w" for="ch" forName="circ7" refType="w" fact="0.24"/>
-          <dgm:constr type="h" for="ch" forName="circ7" refType="h" fact="0.3262"/>
-          <dgm:constr type="l" for="ch" forName="circ7Tx" refType="w" fact="0.02"/>
-          <dgm:constr type="t" for="ch" forName="circ7Tx" refType="h" fact="0.19"/>
-          <dgm:constr type="w" for="ch" forName="circ7Tx" refType="w" fact="0.26"/>
-          <dgm:constr type="h" for="ch" forName="circ7Tx" refType="h" fact="0.22"/>
-          <dgm:constr type="primFontSz" for="ch" ptType="node" op="equ"/>
-        </dgm:constrLst>
-      </dgm:else>
-    </dgm:choose>
-    <dgm:ruleLst/>
-    <dgm:forEach name="Name17" axis="ch" ptType="node" cnt="1">
-      <dgm:choose name="Name18">
-        <dgm:if name="Name19" axis="root ch" ptType="all node" func="cnt" op="equ" val="1">
-          <dgm:layoutNode name="circ1TxSh" styleLbl="vennNode1">
-            <dgm:alg type="tx">
-              <dgm:param type="txAnchorHorzCh" val="ctr"/>
-              <dgm:param type="txAnchorVertCh" val="mid"/>
-            </dgm:alg>
-            <dgm:shape xmlns:r="http://schemas.openxmlformats.org/officeDocument/2006/relationships" type="ellipse" r:blip="">
-              <dgm:adjLst/>
-            </dgm:shape>
-            <dgm:choose name="Name20">
-              <dgm:if name="Name21" func="var" arg="dir" op="equ" val="norm">
-                <dgm:choose name="Name22">
-                  <dgm:if name="Name23" axis="root ch" ptType="all node" func="cnt" op="lte" val="4">
-                    <dgm:presOf axis="desOrSelf" ptType="node"/>
-                  </dgm:if>
-                  <dgm:else name="Name24">
-                    <dgm:presOf/>
-                  </dgm:else>
-                </dgm:choose>
-              </dgm:if>
-              <dgm:else name="Name25">
-                <dgm:choose name="Name26">
-                  <dgm:if name="Name27" axis="root ch" ptType="all node" func="cnt" op="equ" val="2">
-                    <dgm:presOf axis="root ch desOrSelf" ptType="all node node" st="1 2 1" cnt="1 1 0"/>
-                  </dgm:if>
-                  <dgm:else name="Name28">
-                    <dgm:presOf axis="desOrSelf" ptType="node"/>
-                  </dgm:else>
-                </dgm:choose>
-              </dgm:else>
-            </dgm:choose>
-            <dgm:constrLst>
-              <dgm:constr type="tMarg"/>
-              <dgm:constr type="bMarg"/>
-              <dgm:constr type="lMarg"/>
-              <dgm:constr type="rMarg"/>
-              <dgm:constr type="primFontSz" val="65"/>
-            </dgm:constrLst>
-            <dgm:ruleLst>
-              <dgm:rule type="primFontSz" val="5" fact="NaN" max="NaN"/>
-            </dgm:ruleLst>
-          </dgm:layoutNode>
-        </dgm:if>
-        <dgm:else name="Name29">
-          <dgm:layoutNode name="circ1" styleLbl="vennNode1">
-            <dgm:alg type="sp"/>
-            <dgm:shape xmlns:r="http://schemas.openxmlformats.org/officeDocument/2006/relationships" type="ellipse" r:blip="">
-              <dgm:adjLst/>
-            </dgm:shape>
-            <dgm:choose name="Name30">
-              <dgm:if name="Name31" func="var" arg="dir" op="equ" val="norm">
-                <dgm:choose name="Name32">
-                  <dgm:if name="Name33" axis="root ch" ptType="all node" func="cnt" op="lte" val="4">
-                    <dgm:presOf axis="desOrSelf" ptType="node"/>
-                  </dgm:if>
-                  <dgm:else name="Name34">
-                    <dgm:presOf/>
-                  </dgm:else>
-                </dgm:choose>
-              </dgm:if>
-              <dgm:else name="Name35">
-                <dgm:choose name="Name36">
-                  <dgm:if name="Name37" axis="root ch" ptType="all node" func="cnt" op="equ" val="2">
-                    <dgm:presOf axis="root ch desOrSelf" ptType="all node node" st="1 2 1" cnt="1 1 0"/>
-                  </dgm:if>
-                  <dgm:else name="Name38">
-                    <dgm:choose name="Name39">
-                      <dgm:if name="Name40" axis="root ch" ptType="all node" func="cnt" op="lte" val="4">
-                        <dgm:presOf axis="desOrSelf" ptType="node"/>
-                      </dgm:if>
-                      <dgm:else name="Name41">
-                        <dgm:presOf/>
-                      </dgm:else>
-                    </dgm:choose>
-                  </dgm:else>
-                </dgm:choose>
-              </dgm:else>
-            </dgm:choose>
-            <dgm:constrLst/>
-            <dgm:ruleLst/>
-          </dgm:layoutNode>
-          <dgm:layoutNode name="circ1Tx" styleLbl="revTx">
-            <dgm:varLst>
-              <dgm:chMax val="0"/>
-              <dgm:chPref val="0"/>
-              <dgm:bulletEnabled val="1"/>
-            </dgm:varLst>
-            <dgm:alg type="tx">
-              <dgm:param type="txAnchorHorzCh" val="ctr"/>
-              <dgm:param type="txAnchorVertCh" val="mid"/>
-            </dgm:alg>
-            <dgm:shape xmlns:r="http://schemas.openxmlformats.org/officeDocument/2006/relationships" type="rect" r:blip="" hideGeom="1">
-              <dgm:adjLst/>
-            </dgm:shape>
-            <dgm:choose name="Name42">
-              <dgm:if name="Name43" func="var" arg="dir" op="equ" val="norm">
-                <dgm:presOf axis="desOrSelf" ptType="node"/>
-              </dgm:if>
-              <dgm:else name="Name44">
-                <dgm:choose name="Name45">
-                  <dgm:if name="Name46" axis="root ch" ptType="all node" func="cnt" op="equ" val="2">
-                    <dgm:presOf axis="root ch desOrSelf" ptType="all node node" st="1 2 1" cnt="1 1 0"/>
-                  </dgm:if>
-                  <dgm:else name="Name47">
-                    <dgm:presOf axis="desOrSelf" ptType="node"/>
-                  </dgm:else>
-                </dgm:choose>
-              </dgm:else>
-            </dgm:choose>
-            <dgm:constrLst>
-              <dgm:constr type="tMarg"/>
-              <dgm:constr type="bMarg"/>
-              <dgm:constr type="lMarg"/>
-              <dgm:constr type="rMarg"/>
-              <dgm:constr type="primFontSz" val="65"/>
-            </dgm:constrLst>
-            <dgm:ruleLst>
-              <dgm:rule type="primFontSz" val="5" fact="NaN" max="NaN"/>
-            </dgm:ruleLst>
-          </dgm:layoutNode>
-        </dgm:else>
-      </dgm:choose>
-    </dgm:forEach>
-    <dgm:forEach name="Name48" axis="ch" ptType="node" st="2" cnt="1">
-      <dgm:layoutNode name="circ2" styleLbl="vennNode1">
-        <dgm:alg type="sp"/>
-        <dgm:shape xmlns:r="http://schemas.openxmlformats.org/officeDocument/2006/relationships" type="ellipse" r:blip="">
-          <dgm:adjLst/>
-        </dgm:shape>
-        <dgm:choose name="Name49">
-          <dgm:if name="Name50" func="var" arg="dir" op="equ" val="norm">
-            <dgm:choose name="Name51">
-              <dgm:if name="Name52" axis="root ch" ptType="all node" func="cnt" op="lte" val="4">
-                <dgm:presOf axis="desOrSelf" ptType="node"/>
-              </dgm:if>
-              <dgm:else name="Name53">
-                <dgm:presOf/>
-              </dgm:else>
-            </dgm:choose>
-          </dgm:if>
-          <dgm:else name="Name54">
-            <dgm:choose name="Name55">
-              <dgm:if name="Name56" axis="root ch" ptType="all node" func="cnt" op="equ" val="2">
-                <dgm:presOf axis="root ch desOrSelf" ptType="all node node" st="1 1 1" cnt="1 1 0"/>
-              </dgm:if>
-              <dgm:if name="Name57" axis="root ch" ptType="all node" func="cnt" op="equ" val="3">
-                <dgm:presOf axis="root ch desOrSelf" ptType="all node node" st="1 3 1" cnt="1 1 0"/>
-              </dgm:if>
-              <dgm:if name="Name58" axis="root ch" ptType="all node" func="cnt" op="equ" val="4">
-                <dgm:presOf axis="root ch desOrSelf" ptType="all node node" st="1 4 1" cnt="1 1 0"/>
-              </dgm:if>
-              <dgm:else name="Name59">
-                <dgm:presOf/>
-              </dgm:else>
-            </dgm:choose>
-          </dgm:else>
-        </dgm:choose>
-        <dgm:constrLst/>
-        <dgm:ruleLst/>
-      </dgm:layoutNode>
-      <dgm:layoutNode name="circ2Tx" styleLbl="revTx">
-        <dgm:varLst>
-          <dgm:chMax val="0"/>
-          <dgm:chPref val="0"/>
-          <dgm:bulletEnabled val="1"/>
-        </dgm:varLst>
-        <dgm:alg type="tx">
-          <dgm:param type="txAnchorHorzCh" val="ctr"/>
-          <dgm:param type="txAnchorVertCh" val="mid"/>
-        </dgm:alg>
-        <dgm:shape xmlns:r="http://schemas.openxmlformats.org/officeDocument/2006/relationships" type="rect" r:blip="" hideGeom="1">
-          <dgm:adjLst/>
-        </dgm:shape>
-        <dgm:choose name="Name60">
-          <dgm:if name="Name61" func="var" arg="dir" op="equ" val="norm">
-            <dgm:presOf axis="desOrSelf" ptType="node"/>
-          </dgm:if>
-          <dgm:else name="Name62">
-            <dgm:choose name="Name63">
-              <dgm:if name="Name64" axis="root ch" ptType="all node" func="cnt" op="equ" val="2">
-                <dgm:presOf axis="root ch desOrSelf" ptType="all node node" st="1 1 1" cnt="1 1 0"/>
-              </dgm:if>
-              <dgm:if name="Name65" axis="root ch" ptType="all node" func="cnt" op="equ" val="3">
-                <dgm:presOf axis="root ch desOrSelf" ptType="all node node" st="1 3 1" cnt="1 1 0"/>
-              </dgm:if>
-              <dgm:if name="Name66" axis="root ch" ptType="all node" func="cnt" op="equ" val="4">
-                <dgm:presOf axis="root ch desOrSelf" ptType="all node node" st="1 4 1" cnt="1 1 0"/>
-              </dgm:if>
-              <dgm:if name="Name67" axis="root ch" ptType="all node" func="cnt" op="equ" val="5">
-                <dgm:presOf axis="root ch desOrSelf" ptType="all node node" st="1 5 1" cnt="1 1 0"/>
-              </dgm:if>
-              <dgm:if name="Name68" axis="root ch" ptType="all node" func="cnt" op="equ" val="6">
-                <dgm:presOf axis="root ch desOrSelf" ptType="all node node" st="1 6 1" cnt="1 1 0"/>
-              </dgm:if>
-              <dgm:else name="Name69">
-                <dgm:presOf axis="root ch desOrSelf" ptType="all node node" st="1 7 1" cnt="1 1 0"/>
-              </dgm:else>
-            </dgm:choose>
-          </dgm:else>
-        </dgm:choose>
-        <dgm:constrLst>
-          <dgm:constr type="tMarg"/>
-          <dgm:constr type="bMarg"/>
-          <dgm:constr type="lMarg"/>
-          <dgm:constr type="rMarg"/>
-          <dgm:constr type="primFontSz" val="65"/>
-        </dgm:constrLst>
-        <dgm:ruleLst>
-          <dgm:rule type="primFontSz" val="5" fact="NaN" max="NaN"/>
-        </dgm:ruleLst>
-      </dgm:layoutNode>
-    </dgm:forEach>
-    <dgm:forEach name="Name70" axis="ch" ptType="node" st="3" cnt="1">
-      <dgm:layoutNode name="circ3" styleLbl="vennNode1">
-        <dgm:alg type="sp"/>
-        <dgm:shape xmlns:r="http://schemas.openxmlformats.org/officeDocument/2006/relationships" type="ellipse" r:blip="">
-          <dgm:adjLst/>
-        </dgm:shape>
-        <dgm:choose name="Name71">
-          <dgm:if name="Name72" func="var" arg="dir" op="equ" val="norm">
-            <dgm:choose name="Name73">
-              <dgm:if name="Name74" axis="root ch" ptType="all node" func="cnt" op="lte" val="4">
-                <dgm:presOf axis="desOrSelf" ptType="node"/>
-              </dgm:if>
-              <dgm:else name="Name75">
-                <dgm:presOf/>
-              </dgm:else>
-            </dgm:choose>
-          </dgm:if>
-          <dgm:else name="Name76">
-            <dgm:choose name="Name77">
-              <dgm:if name="Name78" axis="root ch" ptType="all node" func="cnt" op="equ" val="3">
-                <dgm:presOf axis="root ch desOrSelf" ptType="all node node" st="1 2 1" cnt="1 1 0"/>
-              </dgm:if>
-              <dgm:if name="Name79" axis="root ch" ptType="all node" func="cnt" op="equ" val="4">
-                <dgm:presOf axis="root ch desOrSelf" ptType="all node node" st="1 3 1" cnt="1 1 0"/>
-              </dgm:if>
-              <dgm:else name="Name80">
-                <dgm:presOf/>
-              </dgm:else>
-            </dgm:choose>
-          </dgm:else>
-        </dgm:choose>
-        <dgm:constrLst/>
-        <dgm:ruleLst/>
-      </dgm:layoutNode>
-      <dgm:layoutNode name="circ3Tx" styleLbl="revTx">
-        <dgm:varLst>
-          <dgm:chMax val="0"/>
-          <dgm:chPref val="0"/>
-          <dgm:bulletEnabled val="1"/>
-        </dgm:varLst>
-        <dgm:alg type="tx">
-          <dgm:param type="txAnchorHorzCh" val="ctr"/>
-          <dgm:param type="txAnchorVertCh" val="mid"/>
-        </dgm:alg>
-        <dgm:shape xmlns:r="http://schemas.openxmlformats.org/officeDocument/2006/relationships" type="rect" r:blip="" hideGeom="1">
-          <dgm:adjLst/>
-        </dgm:shape>
-        <dgm:choose name="Name81">
-          <dgm:if name="Name82" func="var" arg="dir" op="equ" val="norm">
-            <dgm:presOf axis="desOrSelf" ptType="node"/>
-          </dgm:if>
-          <dgm:else name="Name83">
-            <dgm:choose name="Name84">
-              <dgm:if name="Name85" axis="root ch" ptType="all node" func="cnt" op="equ" val="3">
-                <dgm:presOf axis="root ch desOrSelf" ptType="all node node" st="1 2 1" cnt="1 1 0"/>
-              </dgm:if>
-              <dgm:if name="Name86" axis="root ch" ptType="all node" func="cnt" op="equ" val="4">
-                <dgm:presOf axis="root ch desOrSelf" ptType="all node node" st="1 3 1" cnt="1 1 0"/>
-              </dgm:if>
-              <dgm:if name="Name87" axis="root ch" ptType="all node" func="cnt" op="equ" val="5">
-                <dgm:presOf axis="root ch desOrSelf" ptType="all node node" st="1 4 1" cnt="1 1 0"/>
-              </dgm:if>
-              <dgm:if name="Name88" axis="root ch" ptType="all node" func="cnt" op="equ" val="6">
-                <dgm:presOf axis="root ch desOrSelf" ptType="all node node" st="1 5 1" cnt="1 1 0"/>
-              </dgm:if>
-              <dgm:else name="Name89">
-                <dgm:presOf axis="root ch desOrSelf" ptType="all node node" st="1 6 1" cnt="1 1 0"/>
-              </dgm:else>
-            </dgm:choose>
-          </dgm:else>
-        </dgm:choose>
-        <dgm:constrLst>
-          <dgm:constr type="tMarg"/>
-          <dgm:constr type="bMarg"/>
-          <dgm:constr type="lMarg"/>
-          <dgm:constr type="rMarg"/>
-          <dgm:constr type="primFontSz" val="65"/>
-        </dgm:constrLst>
-        <dgm:ruleLst>
-          <dgm:rule type="primFontSz" val="5" fact="NaN" max="NaN"/>
-        </dgm:ruleLst>
-      </dgm:layoutNode>
-    </dgm:forEach>
-    <dgm:forEach name="Name90" axis="ch" ptType="node" st="4" cnt="1">
-      <dgm:layoutNode name="circ4" styleLbl="vennNode1">
-        <dgm:alg type="sp"/>
-        <dgm:shape xmlns:r="http://schemas.openxmlformats.org/officeDocument/2006/relationships" type="ellipse" r:blip="">
-          <dgm:adjLst/>
-        </dgm:shape>
-        <dgm:choose name="Name91">
-          <dgm:if name="Name92" func="var" arg="dir" op="equ" val="norm">
-            <dgm:choose name="Name93">
-              <dgm:if name="Name94" axis="root ch" ptType="all node" func="cnt" op="lte" val="4">
-                <dgm:presOf axis="desOrSelf" ptType="node"/>
-              </dgm:if>
-              <dgm:else name="Name95">
-                <dgm:presOf/>
-              </dgm:else>
-            </dgm:choose>
-          </dgm:if>
-          <dgm:else name="Name96">
-            <dgm:choose name="Name97">
-              <dgm:if name="Name98" axis="root ch" ptType="all node" func="cnt" op="equ" val="4">
-                <dgm:presOf axis="root ch desOrSelf" ptType="all node node" st="1 2 1" cnt="1 1 0"/>
-              </dgm:if>
-              <dgm:else name="Name99">
-                <dgm:presOf/>
-              </dgm:else>
-            </dgm:choose>
-          </dgm:else>
-        </dgm:choose>
-        <dgm:constrLst/>
-        <dgm:ruleLst/>
-      </dgm:layoutNode>
-      <dgm:layoutNode name="circ4Tx" styleLbl="revTx">
-        <dgm:varLst>
-          <dgm:chMax val="0"/>
-          <dgm:chPref val="0"/>
-          <dgm:bulletEnabled val="1"/>
-        </dgm:varLst>
-        <dgm:alg type="tx">
-          <dgm:param type="txAnchorHorzCh" val="ctr"/>
-          <dgm:param type="txAnchorVertCh" val="mid"/>
-        </dgm:alg>
-        <dgm:shape xmlns:r="http://schemas.openxmlformats.org/officeDocument/2006/relationships" type="rect" r:blip="" hideGeom="1">
-          <dgm:adjLst/>
-        </dgm:shape>
-        <dgm:choose name="Name100">
-          <dgm:if name="Name101" func="var" arg="dir" op="equ" val="norm">
-            <dgm:presOf axis="desOrSelf" ptType="node"/>
-          </dgm:if>
-          <dgm:else name="Name102">
-            <dgm:choose name="Name103">
-              <dgm:if name="Name104" axis="root ch" ptType="all node" func="cnt" op="equ" val="4">
-                <dgm:presOf axis="root ch desOrSelf" ptType="all node node" st="1 2 1" cnt="1 1 0"/>
-              </dgm:if>
-              <dgm:if name="Name105" axis="root ch" ptType="all node" func="cnt" op="equ" val="5">
-                <dgm:presOf axis="root ch desOrSelf" ptType="all node node" st="1 3 1" cnt="1 1 0"/>
-              </dgm:if>
-              <dgm:if name="Name106" axis="root ch" ptType="all node" func="cnt" op="equ" val="6">
-                <dgm:presOf axis="root ch desOrSelf" ptType="all node node" st="1 4 1" cnt="1 1 0"/>
-              </dgm:if>
-              <dgm:else name="Name107">
-                <dgm:presOf axis="root ch desOrSelf" ptType="all node node" st="1 5 1" cnt="1 1 0"/>
-              </dgm:else>
-            </dgm:choose>
-          </dgm:else>
-        </dgm:choose>
-        <dgm:constrLst>
-          <dgm:constr type="tMarg"/>
-          <dgm:constr type="bMarg"/>
-          <dgm:constr type="lMarg"/>
-          <dgm:constr type="rMarg"/>
-          <dgm:constr type="primFontSz" val="65"/>
-        </dgm:constrLst>
-        <dgm:ruleLst>
-          <dgm:rule type="primFontSz" val="5" fact="NaN" max="NaN"/>
-        </dgm:ruleLst>
-      </dgm:layoutNode>
-    </dgm:forEach>
-    <dgm:forEach name="Name108" axis="ch" ptType="node" st="5" cnt="1">
-      <dgm:layoutNode name="circ5" styleLbl="vennNode1">
-        <dgm:alg type="sp"/>
-        <dgm:shape xmlns:r="http://schemas.openxmlformats.org/officeDocument/2006/relationships" type="ellipse" r:blip="">
-          <dgm:adjLst/>
-        </dgm:shape>
-        <dgm:presOf/>
-        <dgm:constrLst/>
-        <dgm:ruleLst/>
-      </dgm:layoutNode>
-      <dgm:layoutNode name="circ5Tx" styleLbl="revTx">
-        <dgm:varLst>
-          <dgm:chMax val="0"/>
-          <dgm:chPref val="0"/>
-          <dgm:bulletEnabled val="1"/>
-        </dgm:varLst>
-        <dgm:alg type="tx">
-          <dgm:param type="txAnchorHorzCh" val="ctr"/>
-          <dgm:param type="txAnchorVertCh" val="mid"/>
-        </dgm:alg>
-        <dgm:shape xmlns:r="http://schemas.openxmlformats.org/officeDocument/2006/relationships" type="rect" r:blip="" hideGeom="1">
-          <dgm:adjLst/>
-        </dgm:shape>
-        <dgm:choose name="Name109">
-          <dgm:if name="Name110" func="var" arg="dir" op="equ" val="norm">
-            <dgm:presOf axis="desOrSelf" ptType="node"/>
-          </dgm:if>
-          <dgm:else name="Name111">
-            <dgm:choose name="Name112">
-              <dgm:if name="Name113" axis="root ch" ptType="all node" func="cnt" op="equ" val="5">
-                <dgm:presOf axis="root ch desOrSelf" ptType="all node node" st="1 2 1" cnt="1 1 0"/>
-              </dgm:if>
-              <dgm:if name="Name114" axis="root ch" ptType="all node" func="cnt" op="equ" val="6">
-                <dgm:presOf axis="root ch desOrSelf" ptType="all node node" st="1 3 1" cnt="1 1 0"/>
-              </dgm:if>
-              <dgm:else name="Name115">
-                <dgm:presOf axis="root ch desOrSelf" ptType="all node node" st="1 4 1" cnt="1 1 0"/>
-              </dgm:else>
-            </dgm:choose>
-          </dgm:else>
-        </dgm:choose>
-        <dgm:constrLst>
-          <dgm:constr type="tMarg"/>
-          <dgm:constr type="bMarg"/>
-          <dgm:constr type="lMarg"/>
-          <dgm:constr type="rMarg"/>
-          <dgm:constr type="primFontSz" val="65"/>
-        </dgm:constrLst>
-        <dgm:ruleLst>
-          <dgm:rule type="primFontSz" val="5" fact="NaN" max="NaN"/>
-        </dgm:ruleLst>
-      </dgm:layoutNode>
-    </dgm:forEach>
-    <dgm:forEach name="Name116" axis="ch" ptType="node" st="6" cnt="1">
-      <dgm:layoutNode name="circ6" styleLbl="vennNode1">
-        <dgm:alg type="sp"/>
-        <dgm:shape xmlns:r="http://schemas.openxmlformats.org/officeDocument/2006/relationships" type="ellipse" r:blip="">
-          <dgm:adjLst/>
-        </dgm:shape>
-        <dgm:presOf/>
-        <dgm:constrLst/>
-        <dgm:ruleLst/>
-      </dgm:layoutNode>
-      <dgm:layoutNode name="circ6Tx" styleLbl="revTx">
-        <dgm:varLst>
-          <dgm:chMax val="0"/>
-          <dgm:chPref val="0"/>
-          <dgm:bulletEnabled val="1"/>
-        </dgm:varLst>
-        <dgm:alg type="tx">
-          <dgm:param type="txAnchorHorzCh" val="ctr"/>
-          <dgm:param type="txAnchorVertCh" val="mid"/>
-        </dgm:alg>
-        <dgm:shape xmlns:r="http://schemas.openxmlformats.org/officeDocument/2006/relationships" type="rect" r:blip="" hideGeom="1">
-          <dgm:adjLst/>
-        </dgm:shape>
-        <dgm:choose name="Name117">
-          <dgm:if name="Name118" func="var" arg="dir" op="equ" val="norm">
-            <dgm:presOf axis="desOrSelf" ptType="node"/>
-          </dgm:if>
-          <dgm:else name="Name119">
-            <dgm:choose name="Name120">
-              <dgm:if name="Name121" axis="root ch" ptType="all node" func="cnt" op="equ" val="6">
-                <dgm:presOf axis="root ch desOrSelf" ptType="all node node" st="1 2 1" cnt="1 1 0"/>
-              </dgm:if>
-              <dgm:else name="Name122">
-                <dgm:presOf axis="root ch desOrSelf" ptType="all node node" st="1 3 1" cnt="1 1 0"/>
-              </dgm:else>
-            </dgm:choose>
-          </dgm:else>
-        </dgm:choose>
-        <dgm:constrLst>
-          <dgm:constr type="tMarg"/>
-          <dgm:constr type="bMarg"/>
-          <dgm:constr type="lMarg"/>
-          <dgm:constr type="rMarg"/>
-          <dgm:constr type="primFontSz" val="65"/>
-        </dgm:constrLst>
-        <dgm:ruleLst>
-          <dgm:rule type="primFontSz" val="5" fact="NaN" max="NaN"/>
-        </dgm:ruleLst>
-      </dgm:layoutNode>
-    </dgm:forEach>
-    <dgm:forEach name="Name123" axis="ch" ptType="node" st="7" cnt="1">
-      <dgm:layoutNode name="circ7" styleLbl="vennNode1">
-        <dgm:alg type="sp"/>
-        <dgm:shape xmlns:r="http://schemas.openxmlformats.org/officeDocument/2006/relationships" type="ellipse" r:blip="">
-          <dgm:adjLst/>
-        </dgm:shape>
-        <dgm:presOf/>
-        <dgm:constrLst/>
-        <dgm:ruleLst/>
-      </dgm:layoutNode>
-      <dgm:layoutNode name="circ7Tx" styleLbl="revTx">
-        <dgm:varLst>
-          <dgm:chMax val="0"/>
-          <dgm:chPref val="0"/>
-          <dgm:bulletEnabled val="1"/>
-        </dgm:varLst>
-        <dgm:alg type="tx">
-          <dgm:param type="txAnchorHorzCh" val="ctr"/>
-          <dgm:param type="txAnchorVertCh" val="mid"/>
-        </dgm:alg>
-        <dgm:shape xmlns:r="http://schemas.openxmlformats.org/officeDocument/2006/relationships" type="rect" r:blip="" hideGeom="1">
-          <dgm:adjLst/>
-        </dgm:shape>
-        <dgm:choose name="Name124">
-          <dgm:if name="Name125" func="var" arg="dir" op="equ" val="norm">
-            <dgm:presOf axis="desOrSelf" ptType="node"/>
-          </dgm:if>
-          <dgm:else name="Name126">
-            <dgm:presOf axis="root ch desOrSelf" ptType="all node node" st="1 2 1" cnt="1 1 0"/>
-          </dgm:else>
-        </dgm:choose>
-        <dgm:constrLst>
-          <dgm:constr type="tMarg"/>
-          <dgm:constr type="bMarg"/>
-          <dgm:constr type="lMarg"/>
-          <dgm:constr type="rMarg"/>
-          <dgm:constr type="primFontSz" val="65"/>
-        </dgm:constrLst>
-        <dgm:ruleLst>
-          <dgm:rule type="primFontSz" val="5" fact="NaN" max="NaN"/>
-        </dgm:ruleLst>
-      </dgm:layoutNode>
-    </dgm:forEach>
-  </dgm:layoutNode>
-</dgm:layoutDef>
-</file>
-
-<file path=ppt/diagrams/layout2.xml><?xml version="1.0" encoding="utf-8"?>
 <dgm:layoutDef xmlns:dgm="http://schemas.openxmlformats.org/drawingml/2006/diagram" xmlns:a="http://schemas.openxmlformats.org/drawingml/2006/main" uniqueId="urn:microsoft.com/office/officeart/2005/8/layout/venn1">
   <dgm:title val=""/>
   <dgm:desc val=""/>
@@ -5419,1040 +3289,6 @@
 </dgm:styleDef>
 </file>
 
-<file path=ppt/diagrams/quickStyle2.xml><?xml version="1.0" encoding="utf-8"?>
-<dgm:styleDef xmlns:dgm="http://schemas.openxmlformats.org/drawingml/2006/diagram" xmlns:a="http://schemas.openxmlformats.org/drawingml/2006/main" uniqueId="urn:microsoft.com/office/officeart/2005/8/quickstyle/simple4">
-  <dgm:title val=""/>
-  <dgm:desc val=""/>
-  <dgm:catLst>
-    <dgm:cat type="simple" pri="10400"/>
-  </dgm:catLst>
-  <dgm:scene3d>
-    <a:camera prst="orthographicFront"/>
-    <a:lightRig rig="threePt" dir="t"/>
-  </dgm:scene3d>
-  <dgm:styleLbl name="node0">
-    <dgm:scene3d>
-      <a:camera prst="orthographicFront"/>
-      <a:lightRig rig="threePt" dir="t"/>
-    </dgm:scene3d>
-    <dgm:sp3d/>
-    <dgm:txPr/>
-    <dgm:style>
-      <a:lnRef idx="0">
-        <a:scrgbClr r="0" g="0" b="0"/>
-      </a:lnRef>
-      <a:fillRef idx="3">
-        <a:scrgbClr r="0" g="0" b="0"/>
-      </a:fillRef>
-      <a:effectRef idx="2">
-        <a:scrgbClr r="0" g="0" b="0"/>
-      </a:effectRef>
-      <a:fontRef idx="minor">
-        <a:schemeClr val="lt1"/>
-      </a:fontRef>
-    </dgm:style>
-  </dgm:styleLbl>
-  <dgm:styleLbl name="lnNode1">
-    <dgm:scene3d>
-      <a:camera prst="orthographicFront"/>
-      <a:lightRig rig="threePt" dir="t"/>
-    </dgm:scene3d>
-    <dgm:sp3d/>
-    <dgm:txPr/>
-    <dgm:style>
-      <a:lnRef idx="1">
-        <a:scrgbClr r="0" g="0" b="0"/>
-      </a:lnRef>
-      <a:fillRef idx="3">
-        <a:scrgbClr r="0" g="0" b="0"/>
-      </a:fillRef>
-      <a:effectRef idx="2">
-        <a:scrgbClr r="0" g="0" b="0"/>
-      </a:effectRef>
-      <a:fontRef idx="minor">
-        <a:schemeClr val="lt1"/>
-      </a:fontRef>
-    </dgm:style>
-  </dgm:styleLbl>
-  <dgm:styleLbl name="vennNode1">
-    <dgm:scene3d>
-      <a:camera prst="orthographicFront"/>
-      <a:lightRig rig="threePt" dir="t"/>
-    </dgm:scene3d>
-    <dgm:sp3d/>
-    <dgm:txPr/>
-    <dgm:style>
-      <a:lnRef idx="0">
-        <a:scrgbClr r="0" g="0" b="0"/>
-      </a:lnRef>
-      <a:fillRef idx="3">
-        <a:scrgbClr r="0" g="0" b="0"/>
-      </a:fillRef>
-      <a:effectRef idx="0">
-        <a:scrgbClr r="0" g="0" b="0"/>
-      </a:effectRef>
-      <a:fontRef idx="minor">
-        <a:schemeClr val="tx1"/>
-      </a:fontRef>
-    </dgm:style>
-  </dgm:styleLbl>
-  <dgm:styleLbl name="alignNode1">
-    <dgm:scene3d>
-      <a:camera prst="orthographicFront"/>
-      <a:lightRig rig="threePt" dir="t"/>
-    </dgm:scene3d>
-    <dgm:sp3d/>
-    <dgm:txPr/>
-    <dgm:style>
-      <a:lnRef idx="1">
-        <a:scrgbClr r="0" g="0" b="0"/>
-      </a:lnRef>
-      <a:fillRef idx="3">
-        <a:scrgbClr r="0" g="0" b="0"/>
-      </a:fillRef>
-      <a:effectRef idx="2">
-        <a:scrgbClr r="0" g="0" b="0"/>
-      </a:effectRef>
-      <a:fontRef idx="minor">
-        <a:schemeClr val="lt1"/>
-      </a:fontRef>
-    </dgm:style>
-  </dgm:styleLbl>
-  <dgm:styleLbl name="node1">
-    <dgm:scene3d>
-      <a:camera prst="orthographicFront"/>
-      <a:lightRig rig="threePt" dir="t"/>
-    </dgm:scene3d>
-    <dgm:sp3d/>
-    <dgm:txPr/>
-    <dgm:style>
-      <a:lnRef idx="0">
-        <a:scrgbClr r="0" g="0" b="0"/>
-      </a:lnRef>
-      <a:fillRef idx="3">
-        <a:scrgbClr r="0" g="0" b="0"/>
-      </a:fillRef>
-      <a:effectRef idx="2">
-        <a:scrgbClr r="0" g="0" b="0"/>
-      </a:effectRef>
-      <a:fontRef idx="minor">
-        <a:schemeClr val="lt1"/>
-      </a:fontRef>
-    </dgm:style>
-  </dgm:styleLbl>
-  <dgm:styleLbl name="node2">
-    <dgm:scene3d>
-      <a:camera prst="orthographicFront"/>
-      <a:lightRig rig="threePt" dir="t"/>
-    </dgm:scene3d>
-    <dgm:sp3d/>
-    <dgm:txPr/>
-    <dgm:style>
-      <a:lnRef idx="0">
-        <a:scrgbClr r="0" g="0" b="0"/>
-      </a:lnRef>
-      <a:fillRef idx="3">
-        <a:scrgbClr r="0" g="0" b="0"/>
-      </a:fillRef>
-      <a:effectRef idx="2">
-        <a:scrgbClr r="0" g="0" b="0"/>
-      </a:effectRef>
-      <a:fontRef idx="minor">
-        <a:schemeClr val="lt1"/>
-      </a:fontRef>
-    </dgm:style>
-  </dgm:styleLbl>
-  <dgm:styleLbl name="node3">
-    <dgm:scene3d>
-      <a:camera prst="orthographicFront"/>
-      <a:lightRig rig="threePt" dir="t"/>
-    </dgm:scene3d>
-    <dgm:sp3d/>
-    <dgm:txPr/>
-    <dgm:style>
-      <a:lnRef idx="0">
-        <a:scrgbClr r="0" g="0" b="0"/>
-      </a:lnRef>
-      <a:fillRef idx="3">
-        <a:scrgbClr r="0" g="0" b="0"/>
-      </a:fillRef>
-      <a:effectRef idx="2">
-        <a:scrgbClr r="0" g="0" b="0"/>
-      </a:effectRef>
-      <a:fontRef idx="minor">
-        <a:schemeClr val="lt1"/>
-      </a:fontRef>
-    </dgm:style>
-  </dgm:styleLbl>
-  <dgm:styleLbl name="node4">
-    <dgm:scene3d>
-      <a:camera prst="orthographicFront"/>
-      <a:lightRig rig="threePt" dir="t"/>
-    </dgm:scene3d>
-    <dgm:sp3d/>
-    <dgm:txPr/>
-    <dgm:style>
-      <a:lnRef idx="0">
-        <a:scrgbClr r="0" g="0" b="0"/>
-      </a:lnRef>
-      <a:fillRef idx="3">
-        <a:scrgbClr r="0" g="0" b="0"/>
-      </a:fillRef>
-      <a:effectRef idx="2">
-        <a:scrgbClr r="0" g="0" b="0"/>
-      </a:effectRef>
-      <a:fontRef idx="minor">
-        <a:schemeClr val="lt1"/>
-      </a:fontRef>
-    </dgm:style>
-  </dgm:styleLbl>
-  <dgm:styleLbl name="fgImgPlace1">
-    <dgm:scene3d>
-      <a:camera prst="orthographicFront"/>
-      <a:lightRig rig="threePt" dir="t"/>
-    </dgm:scene3d>
-    <dgm:sp3d/>
-    <dgm:txPr/>
-    <dgm:style>
-      <a:lnRef idx="0">
-        <a:scrgbClr r="0" g="0" b="0"/>
-      </a:lnRef>
-      <a:fillRef idx="1">
-        <a:scrgbClr r="0" g="0" b="0"/>
-      </a:fillRef>
-      <a:effectRef idx="2">
-        <a:scrgbClr r="0" g="0" b="0"/>
-      </a:effectRef>
-      <a:fontRef idx="minor"/>
-    </dgm:style>
-  </dgm:styleLbl>
-  <dgm:styleLbl name="alignImgPlace1">
-    <dgm:scene3d>
-      <a:camera prst="orthographicFront"/>
-      <a:lightRig rig="threePt" dir="t"/>
-    </dgm:scene3d>
-    <dgm:sp3d/>
-    <dgm:txPr/>
-    <dgm:style>
-      <a:lnRef idx="0">
-        <a:scrgbClr r="0" g="0" b="0"/>
-      </a:lnRef>
-      <a:fillRef idx="1">
-        <a:scrgbClr r="0" g="0" b="0"/>
-      </a:fillRef>
-      <a:effectRef idx="2">
-        <a:scrgbClr r="0" g="0" b="0"/>
-      </a:effectRef>
-      <a:fontRef idx="minor"/>
-    </dgm:style>
-  </dgm:styleLbl>
-  <dgm:styleLbl name="bgImgPlace1">
-    <dgm:scene3d>
-      <a:camera prst="orthographicFront"/>
-      <a:lightRig rig="threePt" dir="t"/>
-    </dgm:scene3d>
-    <dgm:sp3d/>
-    <dgm:txPr/>
-    <dgm:style>
-      <a:lnRef idx="0">
-        <a:scrgbClr r="0" g="0" b="0"/>
-      </a:lnRef>
-      <a:fillRef idx="1">
-        <a:scrgbClr r="0" g="0" b="0"/>
-      </a:fillRef>
-      <a:effectRef idx="2">
-        <a:scrgbClr r="0" g="0" b="0"/>
-      </a:effectRef>
-      <a:fontRef idx="minor"/>
-    </dgm:style>
-  </dgm:styleLbl>
-  <dgm:styleLbl name="sibTrans2D1">
-    <dgm:scene3d>
-      <a:camera prst="orthographicFront"/>
-      <a:lightRig rig="threePt" dir="t"/>
-    </dgm:scene3d>
-    <dgm:sp3d/>
-    <dgm:txPr/>
-    <dgm:style>
-      <a:lnRef idx="0">
-        <a:scrgbClr r="0" g="0" b="0"/>
-      </a:lnRef>
-      <a:fillRef idx="3">
-        <a:scrgbClr r="0" g="0" b="0"/>
-      </a:fillRef>
-      <a:effectRef idx="2">
-        <a:scrgbClr r="0" g="0" b="0"/>
-      </a:effectRef>
-      <a:fontRef idx="minor">
-        <a:schemeClr val="lt1"/>
-      </a:fontRef>
-    </dgm:style>
-  </dgm:styleLbl>
-  <dgm:styleLbl name="fgSibTrans2D1">
-    <dgm:scene3d>
-      <a:camera prst="orthographicFront"/>
-      <a:lightRig rig="threePt" dir="t"/>
-    </dgm:scene3d>
-    <dgm:sp3d/>
-    <dgm:txPr/>
-    <dgm:style>
-      <a:lnRef idx="0">
-        <a:scrgbClr r="0" g="0" b="0"/>
-      </a:lnRef>
-      <a:fillRef idx="3">
-        <a:scrgbClr r="0" g="0" b="0"/>
-      </a:fillRef>
-      <a:effectRef idx="2">
-        <a:scrgbClr r="0" g="0" b="0"/>
-      </a:effectRef>
-      <a:fontRef idx="minor">
-        <a:schemeClr val="lt1"/>
-      </a:fontRef>
-    </dgm:style>
-  </dgm:styleLbl>
-  <dgm:styleLbl name="bgSibTrans2D1">
-    <dgm:scene3d>
-      <a:camera prst="orthographicFront"/>
-      <a:lightRig rig="threePt" dir="t"/>
-    </dgm:scene3d>
-    <dgm:sp3d/>
-    <dgm:txPr/>
-    <dgm:style>
-      <a:lnRef idx="0">
-        <a:scrgbClr r="0" g="0" b="0"/>
-      </a:lnRef>
-      <a:fillRef idx="3">
-        <a:scrgbClr r="0" g="0" b="0"/>
-      </a:fillRef>
-      <a:effectRef idx="2">
-        <a:scrgbClr r="0" g="0" b="0"/>
-      </a:effectRef>
-      <a:fontRef idx="minor">
-        <a:schemeClr val="lt1"/>
-      </a:fontRef>
-    </dgm:style>
-  </dgm:styleLbl>
-  <dgm:styleLbl name="sibTrans1D1">
-    <dgm:scene3d>
-      <a:camera prst="orthographicFront"/>
-      <a:lightRig rig="threePt" dir="t"/>
-    </dgm:scene3d>
-    <dgm:sp3d/>
-    <dgm:txPr/>
-    <dgm:style>
-      <a:lnRef idx="1">
-        <a:scrgbClr r="0" g="0" b="0"/>
-      </a:lnRef>
-      <a:fillRef idx="0">
-        <a:scrgbClr r="0" g="0" b="0"/>
-      </a:fillRef>
-      <a:effectRef idx="0">
-        <a:scrgbClr r="0" g="0" b="0"/>
-      </a:effectRef>
-      <a:fontRef idx="minor"/>
-    </dgm:style>
-  </dgm:styleLbl>
-  <dgm:styleLbl name="callout">
-    <dgm:scene3d>
-      <a:camera prst="orthographicFront"/>
-      <a:lightRig rig="threePt" dir="t"/>
-    </dgm:scene3d>
-    <dgm:sp3d/>
-    <dgm:txPr/>
-    <dgm:style>
-      <a:lnRef idx="2">
-        <a:scrgbClr r="0" g="0" b="0"/>
-      </a:lnRef>
-      <a:fillRef idx="1">
-        <a:scrgbClr r="0" g="0" b="0"/>
-      </a:fillRef>
-      <a:effectRef idx="1">
-        <a:scrgbClr r="0" g="0" b="0"/>
-      </a:effectRef>
-      <a:fontRef idx="minor"/>
-    </dgm:style>
-  </dgm:styleLbl>
-  <dgm:styleLbl name="asst0">
-    <dgm:scene3d>
-      <a:camera prst="orthographicFront"/>
-      <a:lightRig rig="threePt" dir="t"/>
-    </dgm:scene3d>
-    <dgm:sp3d/>
-    <dgm:txPr/>
-    <dgm:style>
-      <a:lnRef idx="0">
-        <a:scrgbClr r="0" g="0" b="0"/>
-      </a:lnRef>
-      <a:fillRef idx="3">
-        <a:scrgbClr r="0" g="0" b="0"/>
-      </a:fillRef>
-      <a:effectRef idx="2">
-        <a:scrgbClr r="0" g="0" b="0"/>
-      </a:effectRef>
-      <a:fontRef idx="minor">
-        <a:schemeClr val="lt1"/>
-      </a:fontRef>
-    </dgm:style>
-  </dgm:styleLbl>
-  <dgm:styleLbl name="asst1">
-    <dgm:scene3d>
-      <a:camera prst="orthographicFront"/>
-      <a:lightRig rig="threePt" dir="t"/>
-    </dgm:scene3d>
-    <dgm:sp3d/>
-    <dgm:txPr/>
-    <dgm:style>
-      <a:lnRef idx="0">
-        <a:scrgbClr r="0" g="0" b="0"/>
-      </a:lnRef>
-      <a:fillRef idx="3">
-        <a:scrgbClr r="0" g="0" b="0"/>
-      </a:fillRef>
-      <a:effectRef idx="2">
-        <a:scrgbClr r="0" g="0" b="0"/>
-      </a:effectRef>
-      <a:fontRef idx="minor">
-        <a:schemeClr val="lt1"/>
-      </a:fontRef>
-    </dgm:style>
-  </dgm:styleLbl>
-  <dgm:styleLbl name="asst2">
-    <dgm:scene3d>
-      <a:camera prst="orthographicFront"/>
-      <a:lightRig rig="threePt" dir="t"/>
-    </dgm:scene3d>
-    <dgm:sp3d/>
-    <dgm:txPr/>
-    <dgm:style>
-      <a:lnRef idx="0">
-        <a:scrgbClr r="0" g="0" b="0"/>
-      </a:lnRef>
-      <a:fillRef idx="3">
-        <a:scrgbClr r="0" g="0" b="0"/>
-      </a:fillRef>
-      <a:effectRef idx="2">
-        <a:scrgbClr r="0" g="0" b="0"/>
-      </a:effectRef>
-      <a:fontRef idx="minor">
-        <a:schemeClr val="lt1"/>
-      </a:fontRef>
-    </dgm:style>
-  </dgm:styleLbl>
-  <dgm:styleLbl name="asst3">
-    <dgm:scene3d>
-      <a:camera prst="orthographicFront"/>
-      <a:lightRig rig="threePt" dir="t"/>
-    </dgm:scene3d>
-    <dgm:sp3d/>
-    <dgm:txPr/>
-    <dgm:style>
-      <a:lnRef idx="0">
-        <a:scrgbClr r="0" g="0" b="0"/>
-      </a:lnRef>
-      <a:fillRef idx="3">
-        <a:scrgbClr r="0" g="0" b="0"/>
-      </a:fillRef>
-      <a:effectRef idx="2">
-        <a:scrgbClr r="0" g="0" b="0"/>
-      </a:effectRef>
-      <a:fontRef idx="minor">
-        <a:schemeClr val="lt1"/>
-      </a:fontRef>
-    </dgm:style>
-  </dgm:styleLbl>
-  <dgm:styleLbl name="asst4">
-    <dgm:scene3d>
-      <a:camera prst="orthographicFront"/>
-      <a:lightRig rig="threePt" dir="t"/>
-    </dgm:scene3d>
-    <dgm:sp3d/>
-    <dgm:txPr/>
-    <dgm:style>
-      <a:lnRef idx="0">
-        <a:scrgbClr r="0" g="0" b="0"/>
-      </a:lnRef>
-      <a:fillRef idx="3">
-        <a:scrgbClr r="0" g="0" b="0"/>
-      </a:fillRef>
-      <a:effectRef idx="2">
-        <a:scrgbClr r="0" g="0" b="0"/>
-      </a:effectRef>
-      <a:fontRef idx="minor">
-        <a:schemeClr val="lt1"/>
-      </a:fontRef>
-    </dgm:style>
-  </dgm:styleLbl>
-  <dgm:styleLbl name="parChTrans2D1">
-    <dgm:scene3d>
-      <a:camera prst="orthographicFront"/>
-      <a:lightRig rig="threePt" dir="t"/>
-    </dgm:scene3d>
-    <dgm:sp3d/>
-    <dgm:txPr/>
-    <dgm:style>
-      <a:lnRef idx="0">
-        <a:scrgbClr r="0" g="0" b="0"/>
-      </a:lnRef>
-      <a:fillRef idx="3">
-        <a:scrgbClr r="0" g="0" b="0"/>
-      </a:fillRef>
-      <a:effectRef idx="2">
-        <a:scrgbClr r="0" g="0" b="0"/>
-      </a:effectRef>
-      <a:fontRef idx="minor">
-        <a:schemeClr val="lt1"/>
-      </a:fontRef>
-    </dgm:style>
-  </dgm:styleLbl>
-  <dgm:styleLbl name="parChTrans2D2">
-    <dgm:scene3d>
-      <a:camera prst="orthographicFront"/>
-      <a:lightRig rig="threePt" dir="t"/>
-    </dgm:scene3d>
-    <dgm:sp3d/>
-    <dgm:txPr/>
-    <dgm:style>
-      <a:lnRef idx="0">
-        <a:scrgbClr r="0" g="0" b="0"/>
-      </a:lnRef>
-      <a:fillRef idx="3">
-        <a:scrgbClr r="0" g="0" b="0"/>
-      </a:fillRef>
-      <a:effectRef idx="2">
-        <a:scrgbClr r="0" g="0" b="0"/>
-      </a:effectRef>
-      <a:fontRef idx="minor">
-        <a:schemeClr val="lt1"/>
-      </a:fontRef>
-    </dgm:style>
-  </dgm:styleLbl>
-  <dgm:styleLbl name="parChTrans2D3">
-    <dgm:scene3d>
-      <a:camera prst="orthographicFront"/>
-      <a:lightRig rig="threePt" dir="t"/>
-    </dgm:scene3d>
-    <dgm:sp3d/>
-    <dgm:txPr/>
-    <dgm:style>
-      <a:lnRef idx="1">
-        <a:scrgbClr r="0" g="0" b="0"/>
-      </a:lnRef>
-      <a:fillRef idx="3">
-        <a:scrgbClr r="0" g="0" b="0"/>
-      </a:fillRef>
-      <a:effectRef idx="2">
-        <a:scrgbClr r="0" g="0" b="0"/>
-      </a:effectRef>
-      <a:fontRef idx="minor">
-        <a:schemeClr val="lt1"/>
-      </a:fontRef>
-    </dgm:style>
-  </dgm:styleLbl>
-  <dgm:styleLbl name="parChTrans2D4">
-    <dgm:scene3d>
-      <a:camera prst="orthographicFront"/>
-      <a:lightRig rig="threePt" dir="t"/>
-    </dgm:scene3d>
-    <dgm:sp3d/>
-    <dgm:txPr/>
-    <dgm:style>
-      <a:lnRef idx="1">
-        <a:scrgbClr r="0" g="0" b="0"/>
-      </a:lnRef>
-      <a:fillRef idx="3">
-        <a:scrgbClr r="0" g="0" b="0"/>
-      </a:fillRef>
-      <a:effectRef idx="2">
-        <a:scrgbClr r="0" g="0" b="0"/>
-      </a:effectRef>
-      <a:fontRef idx="minor">
-        <a:schemeClr val="lt1"/>
-      </a:fontRef>
-    </dgm:style>
-  </dgm:styleLbl>
-  <dgm:styleLbl name="parChTrans1D1">
-    <dgm:scene3d>
-      <a:camera prst="orthographicFront"/>
-      <a:lightRig rig="threePt" dir="t"/>
-    </dgm:scene3d>
-    <dgm:sp3d/>
-    <dgm:txPr/>
-    <dgm:style>
-      <a:lnRef idx="1">
-        <a:scrgbClr r="0" g="0" b="0"/>
-      </a:lnRef>
-      <a:fillRef idx="0">
-        <a:scrgbClr r="0" g="0" b="0"/>
-      </a:fillRef>
-      <a:effectRef idx="0">
-        <a:scrgbClr r="0" g="0" b="0"/>
-      </a:effectRef>
-      <a:fontRef idx="minor"/>
-    </dgm:style>
-  </dgm:styleLbl>
-  <dgm:styleLbl name="parChTrans1D2">
-    <dgm:scene3d>
-      <a:camera prst="orthographicFront"/>
-      <a:lightRig rig="threePt" dir="t"/>
-    </dgm:scene3d>
-    <dgm:sp3d/>
-    <dgm:txPr/>
-    <dgm:style>
-      <a:lnRef idx="1">
-        <a:scrgbClr r="0" g="0" b="0"/>
-      </a:lnRef>
-      <a:fillRef idx="0">
-        <a:scrgbClr r="0" g="0" b="0"/>
-      </a:fillRef>
-      <a:effectRef idx="0">
-        <a:scrgbClr r="0" g="0" b="0"/>
-      </a:effectRef>
-      <a:fontRef idx="minor"/>
-    </dgm:style>
-  </dgm:styleLbl>
-  <dgm:styleLbl name="parChTrans1D3">
-    <dgm:scene3d>
-      <a:camera prst="orthographicFront"/>
-      <a:lightRig rig="threePt" dir="t"/>
-    </dgm:scene3d>
-    <dgm:sp3d/>
-    <dgm:txPr/>
-    <dgm:style>
-      <a:lnRef idx="1">
-        <a:scrgbClr r="0" g="0" b="0"/>
-      </a:lnRef>
-      <a:fillRef idx="0">
-        <a:scrgbClr r="0" g="0" b="0"/>
-      </a:fillRef>
-      <a:effectRef idx="0">
-        <a:scrgbClr r="0" g="0" b="0"/>
-      </a:effectRef>
-      <a:fontRef idx="minor"/>
-    </dgm:style>
-  </dgm:styleLbl>
-  <dgm:styleLbl name="parChTrans1D4">
-    <dgm:scene3d>
-      <a:camera prst="orthographicFront"/>
-      <a:lightRig rig="threePt" dir="t"/>
-    </dgm:scene3d>
-    <dgm:sp3d/>
-    <dgm:txPr/>
-    <dgm:style>
-      <a:lnRef idx="1">
-        <a:scrgbClr r="0" g="0" b="0"/>
-      </a:lnRef>
-      <a:fillRef idx="0">
-        <a:scrgbClr r="0" g="0" b="0"/>
-      </a:fillRef>
-      <a:effectRef idx="0">
-        <a:scrgbClr r="0" g="0" b="0"/>
-      </a:effectRef>
-      <a:fontRef idx="minor"/>
-    </dgm:style>
-  </dgm:styleLbl>
-  <dgm:styleLbl name="fgAcc1">
-    <dgm:scene3d>
-      <a:camera prst="orthographicFront"/>
-      <a:lightRig rig="threePt" dir="t"/>
-    </dgm:scene3d>
-    <dgm:sp3d/>
-    <dgm:txPr/>
-    <dgm:style>
-      <a:lnRef idx="1">
-        <a:scrgbClr r="0" g="0" b="0"/>
-      </a:lnRef>
-      <a:fillRef idx="1">
-        <a:scrgbClr r="0" g="0" b="0"/>
-      </a:fillRef>
-      <a:effectRef idx="0">
-        <a:scrgbClr r="0" g="0" b="0"/>
-      </a:effectRef>
-      <a:fontRef idx="minor"/>
-    </dgm:style>
-  </dgm:styleLbl>
-  <dgm:styleLbl name="conFgAcc1">
-    <dgm:scene3d>
-      <a:camera prst="orthographicFront"/>
-      <a:lightRig rig="threePt" dir="t"/>
-    </dgm:scene3d>
-    <dgm:sp3d/>
-    <dgm:txPr/>
-    <dgm:style>
-      <a:lnRef idx="1">
-        <a:scrgbClr r="0" g="0" b="0"/>
-      </a:lnRef>
-      <a:fillRef idx="1">
-        <a:scrgbClr r="0" g="0" b="0"/>
-      </a:fillRef>
-      <a:effectRef idx="0">
-        <a:scrgbClr r="0" g="0" b="0"/>
-      </a:effectRef>
-      <a:fontRef idx="minor"/>
-    </dgm:style>
-  </dgm:styleLbl>
-  <dgm:styleLbl name="alignAcc1">
-    <dgm:scene3d>
-      <a:camera prst="orthographicFront"/>
-      <a:lightRig rig="threePt" dir="t"/>
-    </dgm:scene3d>
-    <dgm:sp3d/>
-    <dgm:txPr/>
-    <dgm:style>
-      <a:lnRef idx="1">
-        <a:scrgbClr r="0" g="0" b="0"/>
-      </a:lnRef>
-      <a:fillRef idx="1">
-        <a:scrgbClr r="0" g="0" b="0"/>
-      </a:fillRef>
-      <a:effectRef idx="0">
-        <a:scrgbClr r="0" g="0" b="0"/>
-      </a:effectRef>
-      <a:fontRef idx="minor"/>
-    </dgm:style>
-  </dgm:styleLbl>
-  <dgm:styleLbl name="trAlignAcc1">
-    <dgm:scene3d>
-      <a:camera prst="orthographicFront"/>
-      <a:lightRig rig="threePt" dir="t"/>
-    </dgm:scene3d>
-    <dgm:sp3d/>
-    <dgm:txPr/>
-    <dgm:style>
-      <a:lnRef idx="1">
-        <a:scrgbClr r="0" g="0" b="0"/>
-      </a:lnRef>
-      <a:fillRef idx="1">
-        <a:scrgbClr r="0" g="0" b="0"/>
-      </a:fillRef>
-      <a:effectRef idx="0">
-        <a:scrgbClr r="0" g="0" b="0"/>
-      </a:effectRef>
-      <a:fontRef idx="minor"/>
-    </dgm:style>
-  </dgm:styleLbl>
-  <dgm:styleLbl name="bgAcc1">
-    <dgm:scene3d>
-      <a:camera prst="orthographicFront"/>
-      <a:lightRig rig="threePt" dir="t"/>
-    </dgm:scene3d>
-    <dgm:sp3d/>
-    <dgm:txPr/>
-    <dgm:style>
-      <a:lnRef idx="1">
-        <a:scrgbClr r="0" g="0" b="0"/>
-      </a:lnRef>
-      <a:fillRef idx="1">
-        <a:scrgbClr r="0" g="0" b="0"/>
-      </a:fillRef>
-      <a:effectRef idx="0">
-        <a:scrgbClr r="0" g="0" b="0"/>
-      </a:effectRef>
-      <a:fontRef idx="minor"/>
-    </dgm:style>
-  </dgm:styleLbl>
-  <dgm:styleLbl name="solidFgAcc1">
-    <dgm:scene3d>
-      <a:camera prst="orthographicFront"/>
-      <a:lightRig rig="threePt" dir="t"/>
-    </dgm:scene3d>
-    <dgm:sp3d/>
-    <dgm:txPr/>
-    <dgm:style>
-      <a:lnRef idx="1">
-        <a:scrgbClr r="0" g="0" b="0"/>
-      </a:lnRef>
-      <a:fillRef idx="1">
-        <a:scrgbClr r="0" g="0" b="0"/>
-      </a:fillRef>
-      <a:effectRef idx="0">
-        <a:scrgbClr r="0" g="0" b="0"/>
-      </a:effectRef>
-      <a:fontRef idx="minor"/>
-    </dgm:style>
-  </dgm:styleLbl>
-  <dgm:styleLbl name="solidAlignAcc1">
-    <dgm:scene3d>
-      <a:camera prst="orthographicFront"/>
-      <a:lightRig rig="threePt" dir="t"/>
-    </dgm:scene3d>
-    <dgm:sp3d/>
-    <dgm:txPr/>
-    <dgm:style>
-      <a:lnRef idx="1">
-        <a:scrgbClr r="0" g="0" b="0"/>
-      </a:lnRef>
-      <a:fillRef idx="1">
-        <a:scrgbClr r="0" g="0" b="0"/>
-      </a:fillRef>
-      <a:effectRef idx="0">
-        <a:scrgbClr r="0" g="0" b="0"/>
-      </a:effectRef>
-      <a:fontRef idx="minor"/>
-    </dgm:style>
-  </dgm:styleLbl>
-  <dgm:styleLbl name="solidBgAcc1">
-    <dgm:scene3d>
-      <a:camera prst="orthographicFront"/>
-      <a:lightRig rig="threePt" dir="t"/>
-    </dgm:scene3d>
-    <dgm:sp3d/>
-    <dgm:txPr/>
-    <dgm:style>
-      <a:lnRef idx="1">
-        <a:scrgbClr r="0" g="0" b="0"/>
-      </a:lnRef>
-      <a:fillRef idx="1">
-        <a:scrgbClr r="0" g="0" b="0"/>
-      </a:fillRef>
-      <a:effectRef idx="0">
-        <a:scrgbClr r="0" g="0" b="0"/>
-      </a:effectRef>
-      <a:fontRef idx="minor"/>
-    </dgm:style>
-  </dgm:styleLbl>
-  <dgm:styleLbl name="fgAccFollowNode1">
-    <dgm:scene3d>
-      <a:camera prst="orthographicFront"/>
-      <a:lightRig rig="threePt" dir="t"/>
-    </dgm:scene3d>
-    <dgm:sp3d/>
-    <dgm:txPr/>
-    <dgm:style>
-      <a:lnRef idx="1">
-        <a:scrgbClr r="0" g="0" b="0"/>
-      </a:lnRef>
-      <a:fillRef idx="1">
-        <a:scrgbClr r="0" g="0" b="0"/>
-      </a:fillRef>
-      <a:effectRef idx="0">
-        <a:scrgbClr r="0" g="0" b="0"/>
-      </a:effectRef>
-      <a:fontRef idx="minor"/>
-    </dgm:style>
-  </dgm:styleLbl>
-  <dgm:styleLbl name="alignAccFollowNode1">
-    <dgm:scene3d>
-      <a:camera prst="orthographicFront"/>
-      <a:lightRig rig="threePt" dir="t"/>
-    </dgm:scene3d>
-    <dgm:sp3d/>
-    <dgm:txPr/>
-    <dgm:style>
-      <a:lnRef idx="1">
-        <a:scrgbClr r="0" g="0" b="0"/>
-      </a:lnRef>
-      <a:fillRef idx="1">
-        <a:scrgbClr r="0" g="0" b="0"/>
-      </a:fillRef>
-      <a:effectRef idx="0">
-        <a:scrgbClr r="0" g="0" b="0"/>
-      </a:effectRef>
-      <a:fontRef idx="minor"/>
-    </dgm:style>
-  </dgm:styleLbl>
-  <dgm:styleLbl name="bgAccFollowNode1">
-    <dgm:scene3d>
-      <a:camera prst="orthographicFront"/>
-      <a:lightRig rig="threePt" dir="t"/>
-    </dgm:scene3d>
-    <dgm:sp3d/>
-    <dgm:txPr/>
-    <dgm:style>
-      <a:lnRef idx="1">
-        <a:scrgbClr r="0" g="0" b="0"/>
-      </a:lnRef>
-      <a:fillRef idx="1">
-        <a:scrgbClr r="0" g="0" b="0"/>
-      </a:fillRef>
-      <a:effectRef idx="0">
-        <a:scrgbClr r="0" g="0" b="0"/>
-      </a:effectRef>
-      <a:fontRef idx="minor"/>
-    </dgm:style>
-  </dgm:styleLbl>
-  <dgm:styleLbl name="fgAcc0">
-    <dgm:scene3d>
-      <a:camera prst="orthographicFront"/>
-      <a:lightRig rig="threePt" dir="t"/>
-    </dgm:scene3d>
-    <dgm:sp3d/>
-    <dgm:txPr/>
-    <dgm:style>
-      <a:lnRef idx="1">
-        <a:scrgbClr r="0" g="0" b="0"/>
-      </a:lnRef>
-      <a:fillRef idx="1">
-        <a:scrgbClr r="0" g="0" b="0"/>
-      </a:fillRef>
-      <a:effectRef idx="0">
-        <a:scrgbClr r="0" g="0" b="0"/>
-      </a:effectRef>
-      <a:fontRef idx="minor"/>
-    </dgm:style>
-  </dgm:styleLbl>
-  <dgm:styleLbl name="fgAcc2">
-    <dgm:scene3d>
-      <a:camera prst="orthographicFront"/>
-      <a:lightRig rig="threePt" dir="t"/>
-    </dgm:scene3d>
-    <dgm:sp3d/>
-    <dgm:txPr/>
-    <dgm:style>
-      <a:lnRef idx="1">
-        <a:scrgbClr r="0" g="0" b="0"/>
-      </a:lnRef>
-      <a:fillRef idx="1">
-        <a:scrgbClr r="0" g="0" b="0"/>
-      </a:fillRef>
-      <a:effectRef idx="0">
-        <a:scrgbClr r="0" g="0" b="0"/>
-      </a:effectRef>
-      <a:fontRef idx="minor"/>
-    </dgm:style>
-  </dgm:styleLbl>
-  <dgm:styleLbl name="fgAcc3">
-    <dgm:scene3d>
-      <a:camera prst="orthographicFront"/>
-      <a:lightRig rig="threePt" dir="t"/>
-    </dgm:scene3d>
-    <dgm:sp3d/>
-    <dgm:txPr/>
-    <dgm:style>
-      <a:lnRef idx="1">
-        <a:scrgbClr r="0" g="0" b="0"/>
-      </a:lnRef>
-      <a:fillRef idx="1">
-        <a:scrgbClr r="0" g="0" b="0"/>
-      </a:fillRef>
-      <a:effectRef idx="0">
-        <a:scrgbClr r="0" g="0" b="0"/>
-      </a:effectRef>
-      <a:fontRef idx="minor"/>
-    </dgm:style>
-  </dgm:styleLbl>
-  <dgm:styleLbl name="fgAcc4">
-    <dgm:scene3d>
-      <a:camera prst="orthographicFront"/>
-      <a:lightRig rig="threePt" dir="t"/>
-    </dgm:scene3d>
-    <dgm:sp3d/>
-    <dgm:txPr/>
-    <dgm:style>
-      <a:lnRef idx="1">
-        <a:scrgbClr r="0" g="0" b="0"/>
-      </a:lnRef>
-      <a:fillRef idx="1">
-        <a:scrgbClr r="0" g="0" b="0"/>
-      </a:fillRef>
-      <a:effectRef idx="0">
-        <a:scrgbClr r="0" g="0" b="0"/>
-      </a:effectRef>
-      <a:fontRef idx="minor"/>
-    </dgm:style>
-  </dgm:styleLbl>
-  <dgm:styleLbl name="bgShp">
-    <dgm:scene3d>
-      <a:camera prst="orthographicFront"/>
-      <a:lightRig rig="threePt" dir="t"/>
-    </dgm:scene3d>
-    <dgm:sp3d/>
-    <dgm:txPr/>
-    <dgm:style>
-      <a:lnRef idx="0">
-        <a:scrgbClr r="0" g="0" b="0"/>
-      </a:lnRef>
-      <a:fillRef idx="1">
-        <a:scrgbClr r="0" g="0" b="0"/>
-      </a:fillRef>
-      <a:effectRef idx="2">
-        <a:scrgbClr r="0" g="0" b="0"/>
-      </a:effectRef>
-      <a:fontRef idx="minor"/>
-    </dgm:style>
-  </dgm:styleLbl>
-  <dgm:styleLbl name="dkBgShp">
-    <dgm:scene3d>
-      <a:camera prst="orthographicFront"/>
-      <a:lightRig rig="threePt" dir="t"/>
-    </dgm:scene3d>
-    <dgm:sp3d/>
-    <dgm:txPr/>
-    <dgm:style>
-      <a:lnRef idx="0">
-        <a:scrgbClr r="0" g="0" b="0"/>
-      </a:lnRef>
-      <a:fillRef idx="1">
-        <a:scrgbClr r="0" g="0" b="0"/>
-      </a:fillRef>
-      <a:effectRef idx="2">
-        <a:scrgbClr r="0" g="0" b="0"/>
-      </a:effectRef>
-      <a:fontRef idx="minor"/>
-    </dgm:style>
-  </dgm:styleLbl>
-  <dgm:styleLbl name="trBgShp">
-    <dgm:scene3d>
-      <a:camera prst="orthographicFront"/>
-      <a:lightRig rig="threePt" dir="t"/>
-    </dgm:scene3d>
-    <dgm:sp3d/>
-    <dgm:txPr/>
-    <dgm:style>
-      <a:lnRef idx="0">
-        <a:scrgbClr r="0" g="0" b="0"/>
-      </a:lnRef>
-      <a:fillRef idx="1">
-        <a:scrgbClr r="0" g="0" b="0"/>
-      </a:fillRef>
-      <a:effectRef idx="0">
-        <a:scrgbClr r="0" g="0" b="0"/>
-      </a:effectRef>
-      <a:fontRef idx="minor"/>
-    </dgm:style>
-  </dgm:styleLbl>
-  <dgm:styleLbl name="fgShp">
-    <dgm:scene3d>
-      <a:camera prst="orthographicFront"/>
-      <a:lightRig rig="threePt" dir="t"/>
-    </dgm:scene3d>
-    <dgm:sp3d/>
-    <dgm:txPr/>
-    <dgm:style>
-      <a:lnRef idx="0">
-        <a:scrgbClr r="0" g="0" b="0"/>
-      </a:lnRef>
-      <a:fillRef idx="3">
-        <a:scrgbClr r="0" g="0" b="0"/>
-      </a:fillRef>
-      <a:effectRef idx="2">
-        <a:scrgbClr r="0" g="0" b="0"/>
-      </a:effectRef>
-      <a:fontRef idx="minor"/>
-    </dgm:style>
-  </dgm:styleLbl>
-  <dgm:styleLbl name="revTx">
-    <dgm:scene3d>
-      <a:camera prst="orthographicFront"/>
-      <a:lightRig rig="threePt" dir="t"/>
-    </dgm:scene3d>
-    <dgm:sp3d/>
-    <dgm:txPr/>
-    <dgm:style>
-      <a:lnRef idx="0">
-        <a:scrgbClr r="0" g="0" b="0"/>
-      </a:lnRef>
-      <a:fillRef idx="0">
-        <a:scrgbClr r="0" g="0" b="0"/>
-      </a:fillRef>
-      <a:effectRef idx="0">
-        <a:scrgbClr r="0" g="0" b="0"/>
-      </a:effectRef>
-      <a:fontRef idx="minor"/>
-    </dgm:style>
-  </dgm:styleLbl>
-</dgm:styleDef>
-</file>
-
 <file path=ppt/notesMasters/notesMaster1.xml><?xml version="1.0" encoding="utf-8"?>
 <p:notesMaster xmlns:a="http://schemas.openxmlformats.org/drawingml/2006/main" xmlns:r="http://schemas.openxmlformats.org/officeDocument/2006/relationships" xmlns:p="http://schemas.openxmlformats.org/presentationml/2006/main">
   <p:cSld>
@@ -6535,7 +3371,7 @@
           <a:p>
             <a:fld id="{7387B26F-73A1-F24A-B06B-222FD4748F54}" type="datetimeFigureOut">
               <a:rPr lang="fr-FR" smtClean="0"/>
-              <a:t>17/07/2017</a:t>
+              <a:t>23/07/2017</a:t>
             </a:fld>
             <a:endParaRPr lang="fr-FR"/>
           </a:p>
@@ -18795,481 +15631,6 @@
     <p:extLst>
       <p:ext uri="{BB962C8B-B14F-4D97-AF65-F5344CB8AC3E}">
         <p14:creationId xmlns:p14="http://schemas.microsoft.com/office/powerpoint/2010/main" val="275888990"/>
-      </p:ext>
-    </p:extLst>
-  </p:cSld>
-  <p:clrMapOvr>
-    <a:masterClrMapping/>
-  </p:clrMapOvr>
-</p:sld>
-</file>
-
-<file path=ppt/slides/slide2.xml><?xml version="1.0" encoding="utf-8"?>
-<p:sld xmlns:a="http://schemas.openxmlformats.org/drawingml/2006/main" xmlns:r="http://schemas.openxmlformats.org/officeDocument/2006/relationships" xmlns:p="http://schemas.openxmlformats.org/presentationml/2006/main">
-  <p:cSld>
-    <p:spTree>
-      <p:nvGrpSpPr>
-        <p:cNvPr id="1" name=""/>
-        <p:cNvGrpSpPr/>
-        <p:nvPr/>
-      </p:nvGrpSpPr>
-      <p:grpSpPr>
-        <a:xfrm>
-          <a:off x="0" y="0"/>
-          <a:ext cx="0" cy="0"/>
-          <a:chOff x="0" y="0"/>
-          <a:chExt cx="0" cy="0"/>
-        </a:xfrm>
-      </p:grpSpPr>
-      <p:graphicFrame>
-        <p:nvGraphicFramePr>
-          <p:cNvPr id="4" name="Espace réservé pour une image  3"/>
-          <p:cNvGraphicFramePr>
-            <a:graphicFrameLocks noGrp="1"/>
-          </p:cNvGraphicFramePr>
-          <p:nvPr>
-            <p:ph type="pic" idx="1"/>
-            <p:extLst>
-              <p:ext uri="{D42A27DB-BD31-4B8C-83A1-F6EECF244321}">
-                <p14:modId xmlns:p14="http://schemas.microsoft.com/office/powerpoint/2010/main" val="988518982"/>
-              </p:ext>
-            </p:extLst>
-          </p:nvPr>
-        </p:nvGraphicFramePr>
-        <p:xfrm>
-          <a:off x="0" y="730250"/>
-          <a:ext cx="9144000" cy="5578475"/>
-        </p:xfrm>
-        <a:graphic>
-          <a:graphicData uri="http://schemas.openxmlformats.org/drawingml/2006/diagram">
-            <dgm:relIds xmlns:dgm="http://schemas.openxmlformats.org/drawingml/2006/diagram" xmlns:r="http://schemas.openxmlformats.org/officeDocument/2006/relationships" r:dm="rId2" r:lo="rId3" r:qs="rId4" r:cs="rId5"/>
-          </a:graphicData>
-        </a:graphic>
-      </p:graphicFrame>
-      <p:sp>
-        <p:nvSpPr>
-          <p:cNvPr id="6" name="ZoneTexte 5"/>
-          <p:cNvSpPr txBox="1"/>
-          <p:nvPr/>
-        </p:nvSpPr>
-        <p:spPr>
-          <a:xfrm>
-            <a:off x="1926431" y="5124450"/>
-            <a:ext cx="1590675" cy="646331"/>
-          </a:xfrm>
-          <a:prstGeom prst="rect">
-            <a:avLst/>
-          </a:prstGeom>
-          <a:noFill/>
-        </p:spPr>
-        <p:txBody>
-          <a:bodyPr wrap="square" rtlCol="0">
-            <a:spAutoFit/>
-          </a:bodyPr>
-          <a:lstStyle/>
-          <a:p>
-            <a:r>
-              <a:rPr lang="fr-FR" sz="1200" dirty="0" smtClean="0">
-                <a:solidFill>
-                  <a:schemeClr val="bg1"/>
-                </a:solidFill>
-                <a:latin typeface="+mn-lt"/>
-              </a:rPr>
-              <a:t>Services</a:t>
-            </a:r>
-          </a:p>
-          <a:p>
-            <a:r>
-              <a:rPr lang="fr-FR" sz="1200" dirty="0" smtClean="0">
-                <a:solidFill>
-                  <a:schemeClr val="bg1"/>
-                </a:solidFill>
-              </a:rPr>
-              <a:t>distants</a:t>
-            </a:r>
-            <a:r>
-              <a:rPr lang="fr-FR" sz="1200" dirty="0" smtClean="0">
-                <a:solidFill>
-                  <a:schemeClr val="bg1"/>
-                </a:solidFill>
-                <a:latin typeface="+mn-lt"/>
-              </a:rPr>
-              <a:t/>
-            </a:r>
-            <a:br>
-              <a:rPr lang="fr-FR" sz="1200" dirty="0" smtClean="0">
-                <a:solidFill>
-                  <a:schemeClr val="bg1"/>
-                </a:solidFill>
-                <a:latin typeface="+mn-lt"/>
-              </a:rPr>
-            </a:br>
-            <a:r>
-              <a:rPr lang="fr-FR" sz="1200" dirty="0" smtClean="0">
-                <a:solidFill>
-                  <a:schemeClr val="bg1"/>
-                </a:solidFill>
-                <a:latin typeface="+mn-lt"/>
-              </a:rPr>
-              <a:t>instables</a:t>
-            </a:r>
-            <a:endParaRPr lang="fr-FR" sz="1200" dirty="0" smtClean="0">
-              <a:solidFill>
-                <a:schemeClr val="bg1"/>
-              </a:solidFill>
-              <a:latin typeface="+mn-lt"/>
-            </a:endParaRPr>
-          </a:p>
-        </p:txBody>
-      </p:sp>
-      <p:sp>
-        <p:nvSpPr>
-          <p:cNvPr id="7" name="ZoneTexte 6"/>
-          <p:cNvSpPr txBox="1"/>
-          <p:nvPr/>
-        </p:nvSpPr>
-        <p:spPr>
-          <a:xfrm>
-            <a:off x="5654312" y="5124449"/>
-            <a:ext cx="1590675" cy="646331"/>
-          </a:xfrm>
-          <a:prstGeom prst="rect">
-            <a:avLst/>
-          </a:prstGeom>
-          <a:noFill/>
-        </p:spPr>
-        <p:txBody>
-          <a:bodyPr wrap="square" rtlCol="0">
-            <a:spAutoFit/>
-          </a:bodyPr>
-          <a:lstStyle/>
-          <a:p>
-            <a:pPr algn="r"/>
-            <a:r>
-              <a:rPr lang="fr-FR" sz="1200" dirty="0" smtClean="0">
-                <a:solidFill>
-                  <a:schemeClr val="bg1"/>
-                </a:solidFill>
-                <a:latin typeface="+mn-lt"/>
-              </a:rPr>
-              <a:t>Asynchronisme</a:t>
-            </a:r>
-            <a:endParaRPr lang="fr-FR" sz="1200" dirty="0" smtClean="0">
-              <a:solidFill>
-                <a:schemeClr val="bg1"/>
-              </a:solidFill>
-            </a:endParaRPr>
-          </a:p>
-          <a:p>
-            <a:pPr algn="r"/>
-            <a:r>
-              <a:rPr lang="fr-FR" sz="1200" dirty="0">
-                <a:solidFill>
-                  <a:schemeClr val="bg1"/>
-                </a:solidFill>
-              </a:rPr>
-              <a:t>l</a:t>
-            </a:r>
-            <a:r>
-              <a:rPr lang="fr-FR" sz="1200" dirty="0" smtClean="0">
-                <a:solidFill>
-                  <a:schemeClr val="bg1"/>
-                </a:solidFill>
-              </a:rPr>
-              <a:t>ocal</a:t>
-            </a:r>
-          </a:p>
-          <a:p>
-            <a:pPr algn="r"/>
-            <a:r>
-              <a:rPr lang="fr-FR" sz="1200" dirty="0" smtClean="0">
-                <a:solidFill>
-                  <a:schemeClr val="bg1"/>
-                </a:solidFill>
-                <a:latin typeface="+mn-lt"/>
-              </a:rPr>
-              <a:t>instable</a:t>
-            </a:r>
-            <a:endParaRPr lang="fr-FR" sz="1200" dirty="0" smtClean="0">
-              <a:solidFill>
-                <a:schemeClr val="bg1"/>
-              </a:solidFill>
-              <a:latin typeface="+mn-lt"/>
-            </a:endParaRPr>
-          </a:p>
-        </p:txBody>
-      </p:sp>
-      <p:sp>
-        <p:nvSpPr>
-          <p:cNvPr id="9" name="ZoneTexte 8"/>
-          <p:cNvSpPr txBox="1"/>
-          <p:nvPr/>
-        </p:nvSpPr>
-        <p:spPr>
-          <a:xfrm>
-            <a:off x="2981325" y="3105128"/>
-            <a:ext cx="1590675" cy="461665"/>
-          </a:xfrm>
-          <a:prstGeom prst="rect">
-            <a:avLst/>
-          </a:prstGeom>
-          <a:noFill/>
-        </p:spPr>
-        <p:txBody>
-          <a:bodyPr wrap="square" rtlCol="0">
-            <a:spAutoFit/>
-          </a:bodyPr>
-          <a:lstStyle/>
-          <a:p>
-            <a:r>
-              <a:rPr lang="fr-FR" sz="1200" smtClean="0">
-                <a:solidFill>
-                  <a:schemeClr val="bg1"/>
-                </a:solidFill>
-                <a:latin typeface="+mn-lt"/>
-              </a:rPr>
-              <a:t>Services distants</a:t>
-            </a:r>
-            <a:br>
-              <a:rPr lang="fr-FR" sz="1200" smtClean="0">
-                <a:solidFill>
-                  <a:schemeClr val="bg1"/>
-                </a:solidFill>
-                <a:latin typeface="+mn-lt"/>
-              </a:rPr>
-            </a:br>
-            <a:r>
-              <a:rPr lang="fr-FR" sz="1200" smtClean="0">
-                <a:solidFill>
-                  <a:schemeClr val="bg1"/>
-                </a:solidFill>
-                <a:latin typeface="+mn-lt"/>
-              </a:rPr>
-              <a:t>stables</a:t>
-            </a:r>
-            <a:endParaRPr lang="fr-FR" sz="1200" dirty="0" smtClean="0">
-              <a:solidFill>
-                <a:schemeClr val="bg1"/>
-              </a:solidFill>
-              <a:latin typeface="+mn-lt"/>
-            </a:endParaRPr>
-          </a:p>
-        </p:txBody>
-      </p:sp>
-      <p:sp>
-        <p:nvSpPr>
-          <p:cNvPr id="10" name="ZoneTexte 9"/>
-          <p:cNvSpPr txBox="1"/>
-          <p:nvPr/>
-        </p:nvSpPr>
-        <p:spPr>
-          <a:xfrm>
-            <a:off x="3755231" y="3550740"/>
-            <a:ext cx="1590675" cy="646331"/>
-          </a:xfrm>
-          <a:prstGeom prst="rect">
-            <a:avLst/>
-          </a:prstGeom>
-          <a:noFill/>
-        </p:spPr>
-        <p:txBody>
-          <a:bodyPr wrap="square" rtlCol="0">
-            <a:spAutoFit/>
-          </a:bodyPr>
-          <a:lstStyle/>
-          <a:p>
-            <a:pPr algn="ctr"/>
-            <a:r>
-              <a:rPr lang="fr-FR" sz="1200" dirty="0" smtClean="0">
-                <a:solidFill>
-                  <a:schemeClr val="bg1"/>
-                </a:solidFill>
-                <a:latin typeface="+mn-lt"/>
-              </a:rPr>
-              <a:t>Systèmes</a:t>
-            </a:r>
-            <a:br>
-              <a:rPr lang="fr-FR" sz="1200" dirty="0" smtClean="0">
-                <a:solidFill>
-                  <a:schemeClr val="bg1"/>
-                </a:solidFill>
-                <a:latin typeface="+mn-lt"/>
-              </a:rPr>
-            </a:br>
-            <a:r>
-              <a:rPr lang="fr-FR" sz="1200" dirty="0" smtClean="0">
-                <a:solidFill>
-                  <a:schemeClr val="bg1"/>
-                </a:solidFill>
-                <a:latin typeface="+mn-lt"/>
-              </a:rPr>
-              <a:t>asynchrones</a:t>
-            </a:r>
-            <a:br>
-              <a:rPr lang="fr-FR" sz="1200" dirty="0" smtClean="0">
-                <a:solidFill>
-                  <a:schemeClr val="bg1"/>
-                </a:solidFill>
-                <a:latin typeface="+mn-lt"/>
-              </a:rPr>
-            </a:br>
-            <a:r>
-              <a:rPr lang="fr-FR" sz="1200" dirty="0" smtClean="0">
-                <a:solidFill>
-                  <a:schemeClr val="bg1"/>
-                </a:solidFill>
-                <a:latin typeface="+mn-lt"/>
-              </a:rPr>
-              <a:t>stables</a:t>
-            </a:r>
-            <a:endParaRPr lang="fr-FR" sz="1200" dirty="0" smtClean="0">
-              <a:solidFill>
-                <a:schemeClr val="bg1"/>
-              </a:solidFill>
-              <a:latin typeface="+mn-lt"/>
-            </a:endParaRPr>
-          </a:p>
-        </p:txBody>
-      </p:sp>
-      <p:sp>
-        <p:nvSpPr>
-          <p:cNvPr id="11" name="ZoneTexte 10"/>
-          <p:cNvSpPr txBox="1"/>
-          <p:nvPr/>
-        </p:nvSpPr>
-        <p:spPr>
-          <a:xfrm>
-            <a:off x="4482703" y="3012795"/>
-            <a:ext cx="1590675" cy="646331"/>
-          </a:xfrm>
-          <a:prstGeom prst="rect">
-            <a:avLst/>
-          </a:prstGeom>
-          <a:noFill/>
-        </p:spPr>
-        <p:txBody>
-          <a:bodyPr wrap="square" rtlCol="0">
-            <a:spAutoFit/>
-          </a:bodyPr>
-          <a:lstStyle/>
-          <a:p>
-            <a:pPr algn="r"/>
-            <a:r>
-              <a:rPr lang="fr-FR" sz="1200" dirty="0" smtClean="0">
-                <a:solidFill>
-                  <a:schemeClr val="bg1"/>
-                </a:solidFill>
-                <a:latin typeface="+mn-lt"/>
-              </a:rPr>
-              <a:t>Asynchronisme</a:t>
-            </a:r>
-            <a:endParaRPr lang="fr-FR" sz="1200" dirty="0" smtClean="0">
-              <a:solidFill>
-                <a:schemeClr val="bg1"/>
-              </a:solidFill>
-            </a:endParaRPr>
-          </a:p>
-          <a:p>
-            <a:pPr algn="r"/>
-            <a:r>
-              <a:rPr lang="fr-FR" sz="1200" dirty="0">
-                <a:solidFill>
-                  <a:schemeClr val="bg1"/>
-                </a:solidFill>
-              </a:rPr>
-              <a:t>l</a:t>
-            </a:r>
-            <a:r>
-              <a:rPr lang="fr-FR" sz="1200" dirty="0" smtClean="0">
-                <a:solidFill>
-                  <a:schemeClr val="bg1"/>
-                </a:solidFill>
-              </a:rPr>
-              <a:t>ocal</a:t>
-            </a:r>
-          </a:p>
-          <a:p>
-            <a:pPr algn="r"/>
-            <a:r>
-              <a:rPr lang="fr-FR" sz="1200" dirty="0" smtClean="0">
-                <a:solidFill>
-                  <a:schemeClr val="bg1"/>
-                </a:solidFill>
-                <a:latin typeface="+mn-lt"/>
-              </a:rPr>
-              <a:t>stable</a:t>
-            </a:r>
-            <a:endParaRPr lang="fr-FR" sz="1200" dirty="0" smtClean="0">
-              <a:solidFill>
-                <a:schemeClr val="bg1"/>
-              </a:solidFill>
-              <a:latin typeface="+mn-lt"/>
-            </a:endParaRPr>
-          </a:p>
-        </p:txBody>
-      </p:sp>
-      <p:sp>
-        <p:nvSpPr>
-          <p:cNvPr id="13" name="ZoneTexte 12"/>
-          <p:cNvSpPr txBox="1"/>
-          <p:nvPr/>
-        </p:nvSpPr>
-        <p:spPr>
-          <a:xfrm>
-            <a:off x="3776662" y="730250"/>
-            <a:ext cx="1590675" cy="461665"/>
-          </a:xfrm>
-          <a:prstGeom prst="rect">
-            <a:avLst/>
-          </a:prstGeom>
-          <a:noFill/>
-        </p:spPr>
-        <p:txBody>
-          <a:bodyPr wrap="square" rtlCol="0">
-            <a:spAutoFit/>
-          </a:bodyPr>
-          <a:lstStyle/>
-          <a:p>
-            <a:pPr algn="ctr"/>
-            <a:r>
-              <a:rPr lang="fr-FR" sz="1200" dirty="0" smtClean="0">
-                <a:solidFill>
-                  <a:schemeClr val="bg1"/>
-                </a:solidFill>
-                <a:latin typeface="+mn-lt"/>
-              </a:rPr>
-              <a:t>Modules applicatifs</a:t>
-            </a:r>
-            <a:br>
-              <a:rPr lang="fr-FR" sz="1200" dirty="0" smtClean="0">
-                <a:solidFill>
-                  <a:schemeClr val="bg1"/>
-                </a:solidFill>
-                <a:latin typeface="+mn-lt"/>
-              </a:rPr>
-            </a:br>
-            <a:r>
-              <a:rPr lang="fr-FR" sz="1200" dirty="0" smtClean="0">
-                <a:solidFill>
-                  <a:schemeClr val="bg1"/>
-                </a:solidFill>
-                <a:latin typeface="+mn-lt"/>
-              </a:rPr>
-              <a:t>stables</a:t>
-            </a:r>
-            <a:endParaRPr lang="fr-FR" sz="1200" dirty="0" smtClean="0">
-              <a:solidFill>
-                <a:schemeClr val="bg1"/>
-              </a:solidFill>
-              <a:latin typeface="+mn-lt"/>
-            </a:endParaRPr>
-          </a:p>
-        </p:txBody>
-      </p:sp>
-    </p:spTree>
-    <p:extLst>
-      <p:ext uri="{BB962C8B-B14F-4D97-AF65-F5344CB8AC3E}">
-        <p14:creationId xmlns:p14="http://schemas.microsoft.com/office/powerpoint/2010/main" val="1149199366"/>
       </p:ext>
     </p:extLst>
   </p:cSld>
